--- a/financials_templates.pptx
+++ b/financials_templates.pptx
@@ -5,11 +5,12 @@
     <p:sldMasterId id="2147483718" r:id="rId1"/>
   </p:sldMasterIdLst>
   <p:notesMasterIdLst>
-    <p:notesMasterId r:id="rId4"/>
+    <p:notesMasterId r:id="rId5"/>
   </p:notesMasterIdLst>
   <p:sldIdLst>
     <p:sldId id="257" r:id="rId2"/>
     <p:sldId id="258" r:id="rId3"/>
+    <p:sldId id="259" r:id="rId4"/>
   </p:sldIdLst>
   <p:sldSz cx="9144000" cy="6858000" type="screen4x3"/>
   <p:notesSz cx="6858000" cy="9144000"/>
@@ -198,7 +199,7 @@
           <a:p>
             <a:fld id="{5DFA2DF4-4DD2-4329-9BD5-DD74B116E246}" type="datetimeFigureOut">
               <a:rPr lang="en-US" smtClean="0"/>
-              <a:t>7/30/25</a:t>
+              <a:t>7/31/25</a:t>
             </a:fld>
             <a:endParaRPr lang="en-US"/>
           </a:p>
@@ -550,6 +551,151 @@
 </file>
 
 <file path=ppt/slideLayouts/slideLayout1.xml><?xml version="1.0" encoding="utf-8"?>
+<p:sldLayout xmlns:a="http://schemas.openxmlformats.org/drawingml/2006/main" xmlns:r="http://schemas.openxmlformats.org/officeDocument/2006/relationships" xmlns:p="http://schemas.openxmlformats.org/presentationml/2006/main" preserve="1" userDrawn="1">
+  <p:cSld name="No Header, No Note">
+    <p:spTree>
+      <p:nvGrpSpPr>
+        <p:cNvPr id="1" name=""/>
+        <p:cNvGrpSpPr/>
+        <p:nvPr/>
+      </p:nvGrpSpPr>
+      <p:grpSpPr>
+        <a:xfrm>
+          <a:off x="0" y="0"/>
+          <a:ext cx="0" cy="0"/>
+          <a:chOff x="0" y="0"/>
+          <a:chExt cx="0" cy="0"/>
+        </a:xfrm>
+      </p:grpSpPr>
+      <p:sp>
+        <p:nvSpPr>
+          <p:cNvPr id="7" name="Do not remove" hidden="1">
+            <a:extLst>
+              <a:ext uri="{FF2B5EF4-FFF2-40B4-BE49-F238E27FC236}">
+                <a16:creationId xmlns:a16="http://schemas.microsoft.com/office/drawing/2014/main" id="{E3C5E974-A70B-B995-A3FE-C4428FDF7D59}"/>
+              </a:ext>
+            </a:extLst>
+          </p:cNvPr>
+          <p:cNvSpPr/>
+          <p:nvPr userDrawn="1">
+            <p:custDataLst>
+              <p:tags r:id="rId1"/>
+            </p:custDataLst>
+          </p:nvPr>
+        </p:nvSpPr>
+        <p:spPr bwMode="auto">
+          <a:xfrm>
+            <a:off x="0" y="0"/>
+            <a:ext cx="11723" cy="12700"/>
+          </a:xfrm>
+          <a:prstGeom prst="octagon">
+            <a:avLst/>
+          </a:prstGeom>
+          <a:noFill/>
+          <a:ln>
+            <a:noFill/>
+          </a:ln>
+          <a:effectLst>
+            <a:outerShdw blurRad="38100" dist="50800" dir="2700000" algn="tl" rotWithShape="0">
+              <a:srgbClr val="D8D1CA"/>
+            </a:outerShdw>
+          </a:effectLst>
+          <a:extLst>
+            <a:ext uri="{909E8E84-426E-40DD-AFC4-6F175D3DCCD1}">
+              <a14:hiddenFill xmlns:a14="http://schemas.microsoft.com/office/drawing/2010/main">
+                <a:solidFill>
+                  <a:schemeClr val="bg1"/>
+                </a:solidFill>
+              </a14:hiddenFill>
+            </a:ext>
+          </a:extLst>
+        </p:spPr>
+        <p:txBody>
+          <a:bodyPr wrap="square" lIns="84406" tIns="0" rIns="43200" bIns="43200" rtlCol="0" anchor="t" anchorCtr="0"/>
+          <a:lstStyle/>
+          <a:p>
+            <a:pPr algn="l"/>
+            <a:endParaRPr lang="en-US" sz="923" b="1" i="0" u="none" strike="noStrike" kern="1200" spc="0" baseline="0" dirty="0">
+              <a:solidFill>
+                <a:schemeClr val="tx2"/>
+              </a:solidFill>
+              <a:latin typeface="+mn-lt"/>
+              <a:ea typeface="+mn-ea"/>
+              <a:cs typeface="+mn-cs"/>
+            </a:endParaRPr>
+          </a:p>
+        </p:txBody>
+      </p:sp>
+      <p:sp>
+        <p:nvSpPr>
+          <p:cNvPr id="4" name="Title Placeholder 1">
+            <a:extLst>
+              <a:ext uri="{FF2B5EF4-FFF2-40B4-BE49-F238E27FC236}">
+                <a16:creationId xmlns:a16="http://schemas.microsoft.com/office/drawing/2014/main" id="{27466BF6-28CE-4010-89F0-4A719722E042}"/>
+              </a:ext>
+            </a:extLst>
+          </p:cNvPr>
+          <p:cNvSpPr>
+            <a:spLocks noGrp="1"/>
+          </p:cNvSpPr>
+          <p:nvPr>
+            <p:ph type="title"/>
+          </p:nvPr>
+        </p:nvSpPr>
+        <p:spPr>
+          <a:xfrm>
+            <a:off x="211016" y="228608"/>
+            <a:ext cx="8721969" cy="658437"/>
+          </a:xfrm>
+          <a:prstGeom prst="rect">
+            <a:avLst/>
+          </a:prstGeom>
+        </p:spPr>
+        <p:txBody>
+          <a:bodyPr vert="horz" lIns="0" tIns="0" rIns="0" bIns="27432" rtlCol="0" anchor="b" anchorCtr="0">
+            <a:noAutofit/>
+          </a:bodyPr>
+          <a:lstStyle>
+            <a:lvl1pPr>
+              <a:lnSpc>
+                <a:spcPct val="90000"/>
+              </a:lnSpc>
+              <a:defRPr/>
+            </a:lvl1pPr>
+          </a:lstStyle>
+          <a:p>
+            <a:pPr lvl="0">
+              <a:lnSpc>
+                <a:spcPct val="90000"/>
+              </a:lnSpc>
+            </a:pPr>
+            <a:r>
+              <a:rPr lang="en-US"/>
+              <a:t>Click to edit Master title style</a:t>
+            </a:r>
+            <a:endParaRPr lang="en-US" dirty="0"/>
+          </a:p>
+        </p:txBody>
+      </p:sp>
+    </p:spTree>
+    <p:extLst>
+      <p:ext uri="{BB962C8B-B14F-4D97-AF65-F5344CB8AC3E}">
+        <p14:creationId xmlns:p14="http://schemas.microsoft.com/office/powerpoint/2010/main" val="245679085"/>
+      </p:ext>
+    </p:extLst>
+  </p:cSld>
+  <p:clrMapOvr>
+    <a:masterClrMapping/>
+  </p:clrMapOvr>
+  <p:extLst>
+    <p:ext uri="{DCECCB84-F9BA-43D5-87BE-67443E8EF086}">
+      <p15:sldGuideLst xmlns:p15="http://schemas.microsoft.com/office/powerpoint/2012/main"/>
+    </p:ext>
+  </p:extLst>
+</p:sldLayout>
+</file>
+
+<file path=ppt/slideLayouts/slideLayout2.xml><?xml version="1.0" encoding="utf-8"?>
 <p:sldLayout xmlns:a="http://schemas.openxmlformats.org/drawingml/2006/main" xmlns:r="http://schemas.openxmlformats.org/officeDocument/2006/relationships" xmlns:p="http://schemas.openxmlformats.org/presentationml/2006/main" preserve="1" userDrawn="1">
   <p:cSld name="Potential Buyers Strip BR EN">
     <p:spTree>
@@ -1001,7 +1147,7 @@
           <p:nvPr userDrawn="1"/>
         </p:nvPicPr>
         <p:blipFill>
-          <a:blip r:embed="rId3"/>
+          <a:blip r:embed="rId4"/>
           <a:stretch>
             <a:fillRect/>
           </a:stretch>
@@ -3945,11 +4091,11 @@
           <p:nvPr userDrawn="1"/>
         </p:nvPicPr>
         <p:blipFill>
-          <a:blip r:embed="rId4">
+          <a:blip r:embed="rId5">
             <a:extLst>
               <a:ext uri="{BEBA8EAE-BF5A-486C-A8C5-ECC9F3942E4B}">
                 <a14:imgProps xmlns:a14="http://schemas.microsoft.com/office/drawing/2010/main">
-                  <a14:imgLayer r:embed="rId5">
+                  <a14:imgLayer r:embed="rId6">
                     <a14:imgEffect>
                       <a14:saturation sat="0"/>
                     </a14:imgEffect>
@@ -3984,7 +4130,8 @@
   </p:cSld>
   <p:clrMap bg1="lt1" tx1="dk1" bg2="lt2" tx2="dk2" accent1="accent1" accent2="accent2" accent3="accent3" accent4="accent4" accent5="accent5" accent6="accent6" hlink="hlink" folHlink="folHlink"/>
   <p:sldLayoutIdLst>
-    <p:sldLayoutId id="2147483728" r:id="rId1"/>
+    <p:sldLayoutId id="2147483729" r:id="rId1"/>
+    <p:sldLayoutId id="2147483728" r:id="rId2"/>
   </p:sldLayoutIdLst>
   <p:hf hdr="0" ftr="0" dt="0"/>
   <p:txStyles>
@@ -4402,14 +4549,14 @@
           <p:nvPr>
             <p:extLst>
               <p:ext uri="{D42A27DB-BD31-4B8C-83A1-F6EECF244321}">
-                <p14:modId xmlns:p14="http://schemas.microsoft.com/office/powerpoint/2010/main" val="2018136720"/>
+                <p14:modId xmlns:p14="http://schemas.microsoft.com/office/powerpoint/2010/main" val="858883289"/>
               </p:ext>
             </p:extLst>
           </p:nvPr>
         </p:nvGraphicFramePr>
         <p:xfrm>
           <a:off x="211012" y="984855"/>
-          <a:ext cx="8711118" cy="5000309"/>
+          <a:ext cx="8711120" cy="5000309"/>
         </p:xfrm>
         <a:graphic>
           <a:graphicData uri="http://schemas.openxmlformats.org/drawingml/2006/table">
@@ -4430,42 +4577,42 @@
                     </a:ext>
                   </a:extLst>
                 </a:gridCol>
-                <a:gridCol w="933380">
+                <a:gridCol w="792592">
                   <a:extLst>
                     <a:ext uri="{9D8B030D-6E8A-4147-A177-3AD203B41FA5}">
                       <a16:colId xmlns:a16="http://schemas.microsoft.com/office/drawing/2014/main" val="20001"/>
                     </a:ext>
                   </a:extLst>
                 </a:gridCol>
-                <a:gridCol w="768642">
+                <a:gridCol w="866692">
                   <a:extLst>
                     <a:ext uri="{9D8B030D-6E8A-4147-A177-3AD203B41FA5}">
                       <a16:colId xmlns:a16="http://schemas.microsoft.com/office/drawing/2014/main" val="3048950250"/>
                     </a:ext>
                   </a:extLst>
                 </a:gridCol>
-                <a:gridCol w="825500">
+                <a:gridCol w="548640">
                   <a:extLst>
                     <a:ext uri="{9D8B030D-6E8A-4147-A177-3AD203B41FA5}">
                       <a16:colId xmlns:a16="http://schemas.microsoft.com/office/drawing/2014/main" val="2479190757"/>
                     </a:ext>
                   </a:extLst>
                 </a:gridCol>
-                <a:gridCol w="1797554">
+                <a:gridCol w="1548110">
                   <a:extLst>
                     <a:ext uri="{9D8B030D-6E8A-4147-A177-3AD203B41FA5}">
                       <a16:colId xmlns:a16="http://schemas.microsoft.com/office/drawing/2014/main" val="4036884888"/>
                     </a:ext>
                   </a:extLst>
                 </a:gridCol>
-                <a:gridCol w="1263588">
+                <a:gridCol w="1548110">
                   <a:extLst>
                     <a:ext uri="{9D8B030D-6E8A-4147-A177-3AD203B41FA5}">
                       <a16:colId xmlns:a16="http://schemas.microsoft.com/office/drawing/2014/main" val="304064653"/>
                     </a:ext>
                   </a:extLst>
                 </a:gridCol>
-                <a:gridCol w="1263588">
+                <a:gridCol w="1548110">
                   <a:extLst>
                     <a:ext uri="{9D8B030D-6E8A-4147-A177-3AD203B41FA5}">
                       <a16:colId xmlns:a16="http://schemas.microsoft.com/office/drawing/2014/main" val="1314764745"/>
@@ -4764,41 +4911,7 @@
                           <a:effectLst/>
                           <a:latin typeface="Arial" panose="020B0604020202020204" pitchFamily="34" charset="0"/>
                         </a:rPr>
-                        <a:t>Dry Powder </a:t>
-                      </a:r>
-                    </a:p>
-                    <a:p>
-                      <a:pPr marL="0" marR="0" lvl="0" indent="0" algn="ctr" defTabSz="958850" rtl="0" eaLnBrk="1" fontAlgn="base" latinLnBrk="0" hangingPunct="1">
-                        <a:lnSpc>
-                          <a:spcPct val="100000"/>
-                        </a:lnSpc>
-                        <a:spcBef>
-                          <a:spcPct val="0"/>
-                        </a:spcBef>
-                        <a:spcAft>
-                          <a:spcPts val="0"/>
-                        </a:spcAft>
-                        <a:buClr>
-                          <a:srgbClr val="000080"/>
-                        </a:buClr>
-                        <a:buSzTx/>
-                        <a:buFont typeface="Wingdings" pitchFamily="2" charset="2"/>
-                        <a:buNone/>
-                        <a:tabLst/>
-                        <a:defRPr/>
-                      </a:pPr>
-                      <a:r>
-                        <a:rPr kumimoji="0" lang="en-US" sz="700" b="1" i="0" u="none" strike="noStrike" cap="none" normalizeH="0" baseline="0" noProof="0" dirty="0">
-                          <a:ln>
-                            <a:noFill/>
-                          </a:ln>
-                          <a:solidFill>
-                            <a:srgbClr val="FFFFFF"/>
-                          </a:solidFill>
-                          <a:effectLst/>
-                          <a:latin typeface="Arial" panose="020B0604020202020204" pitchFamily="34" charset="0"/>
-                        </a:rPr>
-                        <a:t>(US MM)</a:t>
+                        <a:t>Dry Powder LATAM</a:t>
                       </a:r>
                     </a:p>
                   </a:txBody>
@@ -5526,7 +5639,24 @@
                         <a:tabLst/>
                         <a:defRPr/>
                       </a:pPr>
-                      <a:endParaRPr kumimoji="0" lang="en-US" sz="2200" b="0" i="0" u="none" strike="noStrike" kern="1200" cap="none" spc="0" normalizeH="0" baseline="0" noProof="0" dirty="0">
+                      <a:r>
+                        <a:rPr kumimoji="0" lang="en-US" sz="700" b="0" i="0" u="none" strike="noStrike" kern="1200" cap="none" spc="0" normalizeH="0" baseline="0" noProof="0" dirty="0">
+                          <a:ln>
+                            <a:noFill/>
+                          </a:ln>
+                          <a:solidFill>
+                            <a:srgbClr val="003B4C"/>
+                          </a:solidFill>
+                          <a:effectLst/>
+                          <a:uLnTx/>
+                          <a:uFillTx/>
+                          <a:latin typeface="Arial" panose="020B0604020202020204" pitchFamily="34" charset="0"/>
+                          <a:ea typeface="+mn-ea"/>
+                          <a:cs typeface="+mn-cs"/>
+                        </a:rPr>
+                        <a:t>DryPowder1</a:t>
+                      </a:r>
+                      <a:endParaRPr kumimoji="0" lang="en-US" sz="700" b="0" i="0" u="none" strike="noStrike" kern="1200" cap="none" spc="0" normalizeH="0" baseline="0" noProof="0" dirty="0">
                         <a:ln>
                           <a:noFill/>
                         </a:ln>
@@ -5813,31 +5943,6 @@
                         <a:tabLst/>
                         <a:defRPr/>
                       </a:pPr>
-                      <a:endParaRPr lang="en-US" sz="700" noProof="0" dirty="0">
-                        <a:solidFill>
-                          <a:srgbClr val="003B4C"/>
-                        </a:solidFill>
-                        <a:latin typeface="+mn-lt"/>
-                      </a:endParaRPr>
-                    </a:p>
-                    <a:p>
-                      <a:pPr marL="0" marR="0" lvl="0" indent="0" algn="ctr" defTabSz="914395" rtl="0" eaLnBrk="1" fontAlgn="t" latinLnBrk="0" hangingPunct="1">
-                        <a:lnSpc>
-                          <a:spcPct val="100000"/>
-                        </a:lnSpc>
-                        <a:spcBef>
-                          <a:spcPts val="0"/>
-                        </a:spcBef>
-                        <a:spcAft>
-                          <a:spcPts val="0"/>
-                        </a:spcAft>
-                        <a:buClrTx/>
-                        <a:buSzTx/>
-                        <a:buFontTx/>
-                        <a:buNone/>
-                        <a:tabLst/>
-                        <a:defRPr/>
-                      </a:pPr>
                       <a:r>
                         <a:rPr lang="en-US" sz="700" noProof="0" dirty="0">
                           <a:solidFill>
@@ -6030,31 +6135,6 @@
                         <a:tabLst/>
                         <a:defRPr/>
                       </a:pPr>
-                      <a:endParaRPr lang="en-US" sz="700" noProof="0" dirty="0">
-                        <a:solidFill>
-                          <a:srgbClr val="003B4C"/>
-                        </a:solidFill>
-                        <a:latin typeface="+mn-lt"/>
-                      </a:endParaRPr>
-                    </a:p>
-                    <a:p>
-                      <a:pPr marL="0" marR="0" lvl="0" indent="0" algn="ctr" defTabSz="914395" rtl="0" eaLnBrk="1" fontAlgn="t" latinLnBrk="0" hangingPunct="1">
-                        <a:lnSpc>
-                          <a:spcPct val="100000"/>
-                        </a:lnSpc>
-                        <a:spcBef>
-                          <a:spcPts val="0"/>
-                        </a:spcBef>
-                        <a:spcAft>
-                          <a:spcPts val="0"/>
-                        </a:spcAft>
-                        <a:buClrTx/>
-                        <a:buSzTx/>
-                        <a:buFontTx/>
-                        <a:buNone/>
-                        <a:tabLst/>
-                        <a:defRPr/>
-                      </a:pPr>
                       <a:r>
                         <a:rPr lang="en-US" sz="700" noProof="0" dirty="0">
                           <a:solidFill>
@@ -6104,31 +6184,6 @@
                   <a:txBody>
                     <a:bodyPr/>
                     <a:lstStyle/>
-                    <a:p>
-                      <a:pPr marL="0" marR="0" lvl="0" indent="0" algn="ctr" defTabSz="914395" rtl="0" eaLnBrk="1" fontAlgn="t" latinLnBrk="0" hangingPunct="1">
-                        <a:lnSpc>
-                          <a:spcPct val="100000"/>
-                        </a:lnSpc>
-                        <a:spcBef>
-                          <a:spcPts val="0"/>
-                        </a:spcBef>
-                        <a:spcAft>
-                          <a:spcPts val="0"/>
-                        </a:spcAft>
-                        <a:buClrTx/>
-                        <a:buSzTx/>
-                        <a:buFontTx/>
-                        <a:buNone/>
-                        <a:tabLst/>
-                        <a:defRPr/>
-                      </a:pPr>
-                      <a:endParaRPr lang="en-US" sz="700" noProof="0" dirty="0">
-                        <a:solidFill>
-                          <a:srgbClr val="003B4C"/>
-                        </a:solidFill>
-                        <a:latin typeface="+mn-lt"/>
-                      </a:endParaRPr>
-                    </a:p>
                     <a:p>
                       <a:pPr marL="0" marR="0" lvl="0" indent="0" algn="ctr" defTabSz="914395" rtl="0" eaLnBrk="1" fontAlgn="t" latinLnBrk="0" hangingPunct="1">
                         <a:lnSpc>
@@ -6819,7 +6874,24 @@
                         <a:tabLst/>
                         <a:defRPr/>
                       </a:pPr>
-                      <a:endParaRPr kumimoji="0" lang="en-US" sz="2200" b="0" i="0" u="none" strike="noStrike" kern="1200" cap="none" spc="0" normalizeH="0" baseline="0" noProof="0" dirty="0">
+                      <a:r>
+                        <a:rPr kumimoji="0" lang="en-US" sz="700" b="0" i="0" u="none" strike="noStrike" kern="1200" cap="none" spc="0" normalizeH="0" baseline="0" noProof="0" dirty="0">
+                          <a:ln>
+                            <a:noFill/>
+                          </a:ln>
+                          <a:solidFill>
+                            <a:srgbClr val="003B4C"/>
+                          </a:solidFill>
+                          <a:effectLst/>
+                          <a:uLnTx/>
+                          <a:uFillTx/>
+                          <a:latin typeface="Arial" panose="020B0604020202020204" pitchFamily="34" charset="0"/>
+                          <a:ea typeface="+mn-ea"/>
+                          <a:cs typeface="+mn-cs"/>
+                        </a:rPr>
+                        <a:t>DryPowder2</a:t>
+                      </a:r>
+                      <a:endParaRPr kumimoji="0" lang="en-US" sz="700" b="0" i="0" u="none" strike="noStrike" kern="1200" cap="none" spc="0" normalizeH="0" baseline="0" noProof="0" dirty="0">
                         <a:ln>
                           <a:noFill/>
                         </a:ln>
@@ -7110,31 +7182,6 @@
                         <a:tabLst/>
                         <a:defRPr/>
                       </a:pPr>
-                      <a:endParaRPr lang="en-US" sz="700" noProof="0" dirty="0">
-                        <a:solidFill>
-                          <a:srgbClr val="003B4C"/>
-                        </a:solidFill>
-                        <a:latin typeface="+mn-lt"/>
-                      </a:endParaRPr>
-                    </a:p>
-                    <a:p>
-                      <a:pPr marL="0" marR="0" lvl="0" indent="0" algn="ctr" defTabSz="914395" rtl="0" eaLnBrk="1" fontAlgn="t" latinLnBrk="0" hangingPunct="1">
-                        <a:lnSpc>
-                          <a:spcPct val="100000"/>
-                        </a:lnSpc>
-                        <a:spcBef>
-                          <a:spcPts val="0"/>
-                        </a:spcBef>
-                        <a:spcAft>
-                          <a:spcPts val="0"/>
-                        </a:spcAft>
-                        <a:buClrTx/>
-                        <a:buSzTx/>
-                        <a:buFontTx/>
-                        <a:buNone/>
-                        <a:tabLst/>
-                        <a:defRPr/>
-                      </a:pPr>
                       <a:r>
                         <a:rPr lang="en-US" sz="700" noProof="0" dirty="0">
                           <a:solidFill>
@@ -7329,31 +7376,6 @@
                         <a:tabLst/>
                         <a:defRPr/>
                       </a:pPr>
-                      <a:endParaRPr lang="en-US" sz="700" noProof="0" dirty="0">
-                        <a:solidFill>
-                          <a:srgbClr val="003B4C"/>
-                        </a:solidFill>
-                        <a:latin typeface="+mn-lt"/>
-                      </a:endParaRPr>
-                    </a:p>
-                    <a:p>
-                      <a:pPr marL="0" marR="0" lvl="0" indent="0" algn="ctr" defTabSz="914395" rtl="0" eaLnBrk="1" fontAlgn="t" latinLnBrk="0" hangingPunct="1">
-                        <a:lnSpc>
-                          <a:spcPct val="100000"/>
-                        </a:lnSpc>
-                        <a:spcBef>
-                          <a:spcPts val="0"/>
-                        </a:spcBef>
-                        <a:spcAft>
-                          <a:spcPts val="0"/>
-                        </a:spcAft>
-                        <a:buClrTx/>
-                        <a:buSzTx/>
-                        <a:buFontTx/>
-                        <a:buNone/>
-                        <a:tabLst/>
-                        <a:defRPr/>
-                      </a:pPr>
                       <a:r>
                         <a:rPr lang="en-US" sz="700" noProof="0" dirty="0">
                           <a:solidFill>
@@ -7405,31 +7427,6 @@
                   <a:txBody>
                     <a:bodyPr/>
                     <a:lstStyle/>
-                    <a:p>
-                      <a:pPr marL="0" marR="0" lvl="0" indent="0" algn="ctr" defTabSz="914395" rtl="0" eaLnBrk="1" fontAlgn="t" latinLnBrk="0" hangingPunct="1">
-                        <a:lnSpc>
-                          <a:spcPct val="100000"/>
-                        </a:lnSpc>
-                        <a:spcBef>
-                          <a:spcPts val="0"/>
-                        </a:spcBef>
-                        <a:spcAft>
-                          <a:spcPts val="0"/>
-                        </a:spcAft>
-                        <a:buClrTx/>
-                        <a:buSzTx/>
-                        <a:buFontTx/>
-                        <a:buNone/>
-                        <a:tabLst/>
-                        <a:defRPr/>
-                      </a:pPr>
-                      <a:endParaRPr lang="en-US" sz="700" noProof="0" dirty="0">
-                        <a:solidFill>
-                          <a:srgbClr val="003B4C"/>
-                        </a:solidFill>
-                        <a:latin typeface="+mn-lt"/>
-                      </a:endParaRPr>
-                    </a:p>
                     <a:p>
                       <a:pPr marL="0" marR="0" lvl="0" indent="0" algn="ctr" defTabSz="914395" rtl="0" eaLnBrk="1" fontAlgn="t" latinLnBrk="0" hangingPunct="1">
                         <a:lnSpc>
@@ -8126,7 +8123,24 @@
                         <a:tabLst/>
                         <a:defRPr/>
                       </a:pPr>
-                      <a:endParaRPr kumimoji="0" lang="en-US" sz="2200" b="0" i="0" u="none" strike="noStrike" kern="1200" cap="none" spc="0" normalizeH="0" baseline="0" noProof="0" dirty="0">
+                      <a:r>
+                        <a:rPr kumimoji="0" lang="en-US" sz="700" b="0" i="0" u="none" strike="noStrike" kern="1200" cap="none" spc="0" normalizeH="0" baseline="0" noProof="0" dirty="0">
+                          <a:ln>
+                            <a:noFill/>
+                          </a:ln>
+                          <a:solidFill>
+                            <a:srgbClr val="003B4C"/>
+                          </a:solidFill>
+                          <a:effectLst/>
+                          <a:uLnTx/>
+                          <a:uFillTx/>
+                          <a:latin typeface="Arial" panose="020B0604020202020204" pitchFamily="34" charset="0"/>
+                          <a:ea typeface="+mn-ea"/>
+                          <a:cs typeface="+mn-cs"/>
+                        </a:rPr>
+                        <a:t>DryPowder3</a:t>
+                      </a:r>
+                      <a:endParaRPr kumimoji="0" lang="en-US" sz="700" b="0" i="0" u="none" strike="noStrike" kern="1200" cap="none" spc="0" normalizeH="0" baseline="0" noProof="0" dirty="0">
                         <a:ln>
                           <a:noFill/>
                         </a:ln>
@@ -8417,31 +8431,6 @@
                         <a:tabLst/>
                         <a:defRPr/>
                       </a:pPr>
-                      <a:endParaRPr lang="en-US" sz="700" noProof="0" dirty="0">
-                        <a:solidFill>
-                          <a:srgbClr val="003B4C"/>
-                        </a:solidFill>
-                        <a:latin typeface="+mn-lt"/>
-                      </a:endParaRPr>
-                    </a:p>
-                    <a:p>
-                      <a:pPr marL="0" marR="0" lvl="0" indent="0" algn="ctr" defTabSz="914395" rtl="0" eaLnBrk="1" fontAlgn="t" latinLnBrk="0" hangingPunct="1">
-                        <a:lnSpc>
-                          <a:spcPct val="100000"/>
-                        </a:lnSpc>
-                        <a:spcBef>
-                          <a:spcPts val="0"/>
-                        </a:spcBef>
-                        <a:spcAft>
-                          <a:spcPts val="0"/>
-                        </a:spcAft>
-                        <a:buClrTx/>
-                        <a:buSzTx/>
-                        <a:buFontTx/>
-                        <a:buNone/>
-                        <a:tabLst/>
-                        <a:defRPr/>
-                      </a:pPr>
                       <a:r>
                         <a:rPr lang="en-US" sz="700" noProof="0" dirty="0">
                           <a:solidFill>
@@ -8636,31 +8625,6 @@
                         <a:tabLst/>
                         <a:defRPr/>
                       </a:pPr>
-                      <a:endParaRPr lang="en-US" sz="700" noProof="0" dirty="0">
-                        <a:solidFill>
-                          <a:srgbClr val="003B4C"/>
-                        </a:solidFill>
-                        <a:latin typeface="+mn-lt"/>
-                      </a:endParaRPr>
-                    </a:p>
-                    <a:p>
-                      <a:pPr marL="0" marR="0" lvl="0" indent="0" algn="ctr" defTabSz="914395" rtl="0" eaLnBrk="1" fontAlgn="t" latinLnBrk="0" hangingPunct="1">
-                        <a:lnSpc>
-                          <a:spcPct val="100000"/>
-                        </a:lnSpc>
-                        <a:spcBef>
-                          <a:spcPts val="0"/>
-                        </a:spcBef>
-                        <a:spcAft>
-                          <a:spcPts val="0"/>
-                        </a:spcAft>
-                        <a:buClrTx/>
-                        <a:buSzTx/>
-                        <a:buFontTx/>
-                        <a:buNone/>
-                        <a:tabLst/>
-                        <a:defRPr/>
-                      </a:pPr>
                       <a:r>
                         <a:rPr lang="en-US" sz="700" noProof="0" dirty="0">
                           <a:solidFill>
@@ -8712,31 +8676,6 @@
                   <a:txBody>
                     <a:bodyPr/>
                     <a:lstStyle/>
-                    <a:p>
-                      <a:pPr marL="0" marR="0" lvl="0" indent="0" algn="ctr" defTabSz="914395" rtl="0" eaLnBrk="1" fontAlgn="t" latinLnBrk="0" hangingPunct="1">
-                        <a:lnSpc>
-                          <a:spcPct val="100000"/>
-                        </a:lnSpc>
-                        <a:spcBef>
-                          <a:spcPts val="0"/>
-                        </a:spcBef>
-                        <a:spcAft>
-                          <a:spcPts val="0"/>
-                        </a:spcAft>
-                        <a:buClrTx/>
-                        <a:buSzTx/>
-                        <a:buFontTx/>
-                        <a:buNone/>
-                        <a:tabLst/>
-                        <a:defRPr/>
-                      </a:pPr>
-                      <a:endParaRPr lang="en-US" sz="700" noProof="0" dirty="0">
-                        <a:solidFill>
-                          <a:srgbClr val="003B4C"/>
-                        </a:solidFill>
-                        <a:latin typeface="+mn-lt"/>
-                      </a:endParaRPr>
-                    </a:p>
                     <a:p>
                       <a:pPr marL="0" marR="0" lvl="0" indent="0" algn="ctr" defTabSz="914395" rtl="0" eaLnBrk="1" fontAlgn="t" latinLnBrk="0" hangingPunct="1">
                         <a:lnSpc>
@@ -9399,7 +9338,24 @@
                         <a:tabLst/>
                         <a:defRPr/>
                       </a:pPr>
-                      <a:endParaRPr kumimoji="0" lang="en-US" sz="2200" b="0" i="0" u="none" strike="noStrike" kern="1200" cap="none" spc="0" normalizeH="0" baseline="0" noProof="0" dirty="0">
+                      <a:r>
+                        <a:rPr kumimoji="0" lang="en-US" sz="700" b="0" i="0" u="none" strike="noStrike" kern="1200" cap="none" spc="0" normalizeH="0" baseline="0" noProof="0" dirty="0">
+                          <a:ln>
+                            <a:noFill/>
+                          </a:ln>
+                          <a:solidFill>
+                            <a:srgbClr val="003B4C"/>
+                          </a:solidFill>
+                          <a:effectLst/>
+                          <a:uLnTx/>
+                          <a:uFillTx/>
+                          <a:latin typeface="Arial" panose="020B0604020202020204" pitchFamily="34" charset="0"/>
+                          <a:ea typeface="+mn-ea"/>
+                          <a:cs typeface="+mn-cs"/>
+                        </a:rPr>
+                        <a:t>DryPowder4</a:t>
+                      </a:r>
+                      <a:endParaRPr kumimoji="0" lang="en-US" sz="700" b="0" i="0" u="none" strike="noStrike" kern="1200" cap="none" spc="0" normalizeH="0" baseline="0" noProof="0" dirty="0">
                         <a:ln>
                           <a:noFill/>
                         </a:ln>
@@ -9690,31 +9646,6 @@
                         <a:tabLst/>
                         <a:defRPr/>
                       </a:pPr>
-                      <a:endParaRPr lang="en-US" sz="700" noProof="0" dirty="0">
-                        <a:solidFill>
-                          <a:srgbClr val="003B4C"/>
-                        </a:solidFill>
-                        <a:latin typeface="+mn-lt"/>
-                      </a:endParaRPr>
-                    </a:p>
-                    <a:p>
-                      <a:pPr marL="0" marR="0" lvl="0" indent="0" algn="ctr" defTabSz="914395" rtl="0" eaLnBrk="1" fontAlgn="t" latinLnBrk="0" hangingPunct="1">
-                        <a:lnSpc>
-                          <a:spcPct val="100000"/>
-                        </a:lnSpc>
-                        <a:spcBef>
-                          <a:spcPts val="0"/>
-                        </a:spcBef>
-                        <a:spcAft>
-                          <a:spcPts val="0"/>
-                        </a:spcAft>
-                        <a:buClrTx/>
-                        <a:buSzTx/>
-                        <a:buFontTx/>
-                        <a:buNone/>
-                        <a:tabLst/>
-                        <a:defRPr/>
-                      </a:pPr>
                       <a:r>
                         <a:rPr lang="en-US" sz="700" noProof="0" dirty="0">
                           <a:solidFill>
@@ -9909,31 +9840,6 @@
                         <a:tabLst/>
                         <a:defRPr/>
                       </a:pPr>
-                      <a:endParaRPr lang="en-US" sz="700" noProof="0" dirty="0">
-                        <a:solidFill>
-                          <a:srgbClr val="003B4C"/>
-                        </a:solidFill>
-                        <a:latin typeface="+mn-lt"/>
-                      </a:endParaRPr>
-                    </a:p>
-                    <a:p>
-                      <a:pPr marL="0" marR="0" lvl="0" indent="0" algn="ctr" defTabSz="914395" rtl="0" eaLnBrk="1" fontAlgn="t" latinLnBrk="0" hangingPunct="1">
-                        <a:lnSpc>
-                          <a:spcPct val="100000"/>
-                        </a:lnSpc>
-                        <a:spcBef>
-                          <a:spcPts val="0"/>
-                        </a:spcBef>
-                        <a:spcAft>
-                          <a:spcPts val="0"/>
-                        </a:spcAft>
-                        <a:buClrTx/>
-                        <a:buSzTx/>
-                        <a:buFontTx/>
-                        <a:buNone/>
-                        <a:tabLst/>
-                        <a:defRPr/>
-                      </a:pPr>
                       <a:r>
                         <a:rPr lang="en-US" sz="700" noProof="0" dirty="0">
                           <a:solidFill>
@@ -9985,31 +9891,6 @@
                   <a:txBody>
                     <a:bodyPr/>
                     <a:lstStyle/>
-                    <a:p>
-                      <a:pPr marL="0" marR="0" lvl="0" indent="0" algn="ctr" defTabSz="914395" rtl="0" eaLnBrk="1" fontAlgn="t" latinLnBrk="0" hangingPunct="1">
-                        <a:lnSpc>
-                          <a:spcPct val="100000"/>
-                        </a:lnSpc>
-                        <a:spcBef>
-                          <a:spcPts val="0"/>
-                        </a:spcBef>
-                        <a:spcAft>
-                          <a:spcPts val="0"/>
-                        </a:spcAft>
-                        <a:buClrTx/>
-                        <a:buSzTx/>
-                        <a:buFontTx/>
-                        <a:buNone/>
-                        <a:tabLst/>
-                        <a:defRPr/>
-                      </a:pPr>
-                      <a:endParaRPr lang="en-US" sz="700" noProof="0" dirty="0">
-                        <a:solidFill>
-                          <a:srgbClr val="003B4C"/>
-                        </a:solidFill>
-                        <a:latin typeface="+mn-lt"/>
-                      </a:endParaRPr>
-                    </a:p>
                     <a:p>
                       <a:pPr marL="0" marR="0" lvl="0" indent="0" algn="ctr" defTabSz="914395" rtl="0" eaLnBrk="1" fontAlgn="t" latinLnBrk="0" hangingPunct="1">
                         <a:lnSpc>
@@ -10696,20 +10577,23 @@
                         <a:tabLst/>
                         <a:defRPr/>
                       </a:pPr>
-                      <a:endParaRPr kumimoji="0" lang="en-US" sz="2200" b="0" i="0" u="none" strike="noStrike" kern="1200" cap="none" spc="0" normalizeH="0" baseline="0" noProof="0" dirty="0">
-                        <a:ln>
-                          <a:noFill/>
-                        </a:ln>
-                        <a:solidFill>
-                          <a:srgbClr val="FF0000"/>
-                        </a:solidFill>
-                        <a:effectLst/>
-                        <a:uLnTx/>
-                        <a:uFillTx/>
-                        <a:latin typeface="+mn-lt"/>
-                        <a:ea typeface="+mn-ea"/>
-                        <a:cs typeface="+mn-cs"/>
-                      </a:endParaRPr>
+                      <a:r>
+                        <a:rPr kumimoji="0" lang="en-US" sz="700" b="0" i="0" u="none" strike="noStrike" kern="1200" cap="none" spc="0" normalizeH="0" baseline="0" noProof="0" dirty="0">
+                          <a:ln>
+                            <a:noFill/>
+                          </a:ln>
+                          <a:solidFill>
+                            <a:srgbClr val="003B4C"/>
+                          </a:solidFill>
+                          <a:effectLst/>
+                          <a:uLnTx/>
+                          <a:uFillTx/>
+                          <a:latin typeface="Arial" panose="020B0604020202020204" pitchFamily="34" charset="0"/>
+                          <a:ea typeface="+mn-ea"/>
+                          <a:cs typeface="+mn-cs"/>
+                        </a:rPr>
+                        <a:t>DryPowder5</a:t>
+                      </a:r>
                     </a:p>
                   </a:txBody>
                   <a:tcPr marL="0" marR="0" marT="0" marB="0" anchor="ctr">
@@ -10987,31 +10871,6 @@
                         <a:tabLst/>
                         <a:defRPr/>
                       </a:pPr>
-                      <a:endParaRPr lang="en-US" sz="700" noProof="0" dirty="0">
-                        <a:solidFill>
-                          <a:srgbClr val="003B4C"/>
-                        </a:solidFill>
-                        <a:latin typeface="+mn-lt"/>
-                      </a:endParaRPr>
-                    </a:p>
-                    <a:p>
-                      <a:pPr marL="0" marR="0" lvl="0" indent="0" algn="ctr" defTabSz="914395" rtl="0" eaLnBrk="1" fontAlgn="t" latinLnBrk="0" hangingPunct="1">
-                        <a:lnSpc>
-                          <a:spcPct val="100000"/>
-                        </a:lnSpc>
-                        <a:spcBef>
-                          <a:spcPts val="0"/>
-                        </a:spcBef>
-                        <a:spcAft>
-                          <a:spcPts val="0"/>
-                        </a:spcAft>
-                        <a:buClrTx/>
-                        <a:buSzTx/>
-                        <a:buFontTx/>
-                        <a:buNone/>
-                        <a:tabLst/>
-                        <a:defRPr/>
-                      </a:pPr>
                       <a:r>
                         <a:rPr lang="en-US" sz="700" noProof="0" dirty="0">
                           <a:solidFill>
@@ -11206,31 +11065,6 @@
                         <a:tabLst/>
                         <a:defRPr/>
                       </a:pPr>
-                      <a:endParaRPr lang="en-US" sz="700" noProof="0" dirty="0">
-                        <a:solidFill>
-                          <a:srgbClr val="003B4C"/>
-                        </a:solidFill>
-                        <a:latin typeface="+mn-lt"/>
-                      </a:endParaRPr>
-                    </a:p>
-                    <a:p>
-                      <a:pPr marL="0" marR="0" lvl="0" indent="0" algn="ctr" defTabSz="914395" rtl="0" eaLnBrk="1" fontAlgn="t" latinLnBrk="0" hangingPunct="1">
-                        <a:lnSpc>
-                          <a:spcPct val="100000"/>
-                        </a:lnSpc>
-                        <a:spcBef>
-                          <a:spcPts val="0"/>
-                        </a:spcBef>
-                        <a:spcAft>
-                          <a:spcPts val="0"/>
-                        </a:spcAft>
-                        <a:buClrTx/>
-                        <a:buSzTx/>
-                        <a:buFontTx/>
-                        <a:buNone/>
-                        <a:tabLst/>
-                        <a:defRPr/>
-                      </a:pPr>
                       <a:r>
                         <a:rPr lang="en-US" sz="700" noProof="0" dirty="0">
                           <a:solidFill>
@@ -11282,31 +11116,6 @@
                   <a:txBody>
                     <a:bodyPr/>
                     <a:lstStyle/>
-                    <a:p>
-                      <a:pPr marL="0" marR="0" lvl="0" indent="0" algn="ctr" defTabSz="914395" rtl="0" eaLnBrk="1" fontAlgn="t" latinLnBrk="0" hangingPunct="1">
-                        <a:lnSpc>
-                          <a:spcPct val="100000"/>
-                        </a:lnSpc>
-                        <a:spcBef>
-                          <a:spcPts val="0"/>
-                        </a:spcBef>
-                        <a:spcAft>
-                          <a:spcPts val="0"/>
-                        </a:spcAft>
-                        <a:buClrTx/>
-                        <a:buSzTx/>
-                        <a:buFontTx/>
-                        <a:buNone/>
-                        <a:tabLst/>
-                        <a:defRPr/>
-                      </a:pPr>
-                      <a:endParaRPr lang="en-US" sz="700" noProof="0" dirty="0">
-                        <a:solidFill>
-                          <a:srgbClr val="003B4C"/>
-                        </a:solidFill>
-                        <a:latin typeface="+mn-lt"/>
-                      </a:endParaRPr>
-                    </a:p>
                     <a:p>
                       <a:pPr marL="0" marR="0" lvl="0" indent="0" algn="ctr" defTabSz="914395" rtl="0" eaLnBrk="1" fontAlgn="t" latinLnBrk="0" hangingPunct="1">
                         <a:lnSpc>
@@ -11520,7 +11329,7036 @@
 </p:sld>
 </file>
 
+<file path=ppt/slides/slide3.xml><?xml version="1.0" encoding="utf-8"?>
+<p:sld xmlns:a="http://schemas.openxmlformats.org/drawingml/2006/main" xmlns:r="http://schemas.openxmlformats.org/officeDocument/2006/relationships" xmlns:p="http://schemas.openxmlformats.org/presentationml/2006/main">
+  <p:cSld>
+    <p:spTree>
+      <p:nvGrpSpPr>
+        <p:cNvPr id="1" name="">
+          <a:extLst>
+            <a:ext uri="{FF2B5EF4-FFF2-40B4-BE49-F238E27FC236}">
+              <a16:creationId xmlns:a16="http://schemas.microsoft.com/office/drawing/2014/main" id="{DCB91A6E-4F10-DCED-97C6-5FA5CFBCBC38}"/>
+            </a:ext>
+          </a:extLst>
+        </p:cNvPr>
+        <p:cNvGrpSpPr/>
+        <p:nvPr/>
+      </p:nvGrpSpPr>
+      <p:grpSpPr>
+        <a:xfrm>
+          <a:off x="0" y="0"/>
+          <a:ext cx="0" cy="0"/>
+          <a:chOff x="0" y="0"/>
+          <a:chExt cx="0" cy="0"/>
+        </a:xfrm>
+      </p:grpSpPr>
+      <p:sp>
+        <p:nvSpPr>
+          <p:cNvPr id="2" name="Title 1">
+            <a:extLst>
+              <a:ext uri="{FF2B5EF4-FFF2-40B4-BE49-F238E27FC236}">
+                <a16:creationId xmlns:a16="http://schemas.microsoft.com/office/drawing/2014/main" id="{2E6DEA1A-28AB-0590-4719-FB55384CE54C}"/>
+              </a:ext>
+            </a:extLst>
+          </p:cNvPr>
+          <p:cNvSpPr>
+            <a:spLocks noGrp="1"/>
+          </p:cNvSpPr>
+          <p:nvPr>
+            <p:ph type="title"/>
+          </p:nvPr>
+        </p:nvSpPr>
+        <p:spPr/>
+        <p:txBody>
+          <a:bodyPr/>
+          <a:lstStyle/>
+          <a:p>
+            <a:endParaRPr lang="en-US" noProof="0" dirty="0"/>
+          </a:p>
+        </p:txBody>
+      </p:sp>
+      <p:graphicFrame>
+        <p:nvGraphicFramePr>
+          <p:cNvPr id="3" name="Group 150">
+            <a:extLst>
+              <a:ext uri="{FF2B5EF4-FFF2-40B4-BE49-F238E27FC236}">
+                <a16:creationId xmlns:a16="http://schemas.microsoft.com/office/drawing/2014/main" id="{9F240ED8-D02B-2212-F43B-5963EF1F1DD6}"/>
+              </a:ext>
+            </a:extLst>
+          </p:cNvPr>
+          <p:cNvGraphicFramePr>
+            <a:graphicFrameLocks noGrp="1"/>
+          </p:cNvGraphicFramePr>
+          <p:nvPr>
+            <p:extLst>
+              <p:ext uri="{D42A27DB-BD31-4B8C-83A1-F6EECF244321}">
+                <p14:modId xmlns:p14="http://schemas.microsoft.com/office/powerpoint/2010/main" val="3851793931"/>
+              </p:ext>
+            </p:extLst>
+          </p:nvPr>
+        </p:nvGraphicFramePr>
+        <p:xfrm>
+          <a:off x="211012" y="984855"/>
+          <a:ext cx="8711120" cy="5000309"/>
+        </p:xfrm>
+        <a:graphic>
+          <a:graphicData uri="http://schemas.openxmlformats.org/drawingml/2006/table">
+            <a:tbl>
+              <a:tblPr/>
+              <a:tblGrid>
+                <a:gridCol w="313414">
+                  <a:extLst>
+                    <a:ext uri="{9D8B030D-6E8A-4147-A177-3AD203B41FA5}">
+                      <a16:colId xmlns:a16="http://schemas.microsoft.com/office/drawing/2014/main" val="1470184085"/>
+                    </a:ext>
+                  </a:extLst>
+                </a:gridCol>
+                <a:gridCol w="1545452">
+                  <a:extLst>
+                    <a:ext uri="{9D8B030D-6E8A-4147-A177-3AD203B41FA5}">
+                      <a16:colId xmlns:a16="http://schemas.microsoft.com/office/drawing/2014/main" val="20000"/>
+                    </a:ext>
+                  </a:extLst>
+                </a:gridCol>
+                <a:gridCol w="792592">
+                  <a:extLst>
+                    <a:ext uri="{9D8B030D-6E8A-4147-A177-3AD203B41FA5}">
+                      <a16:colId xmlns:a16="http://schemas.microsoft.com/office/drawing/2014/main" val="20001"/>
+                    </a:ext>
+                  </a:extLst>
+                </a:gridCol>
+                <a:gridCol w="866692">
+                  <a:extLst>
+                    <a:ext uri="{9D8B030D-6E8A-4147-A177-3AD203B41FA5}">
+                      <a16:colId xmlns:a16="http://schemas.microsoft.com/office/drawing/2014/main" val="3048950250"/>
+                    </a:ext>
+                  </a:extLst>
+                </a:gridCol>
+                <a:gridCol w="548640">
+                  <a:extLst>
+                    <a:ext uri="{9D8B030D-6E8A-4147-A177-3AD203B41FA5}">
+                      <a16:colId xmlns:a16="http://schemas.microsoft.com/office/drawing/2014/main" val="2479190757"/>
+                    </a:ext>
+                  </a:extLst>
+                </a:gridCol>
+                <a:gridCol w="1548110">
+                  <a:extLst>
+                    <a:ext uri="{9D8B030D-6E8A-4147-A177-3AD203B41FA5}">
+                      <a16:colId xmlns:a16="http://schemas.microsoft.com/office/drawing/2014/main" val="4036884888"/>
+                    </a:ext>
+                  </a:extLst>
+                </a:gridCol>
+                <a:gridCol w="1548110">
+                  <a:extLst>
+                    <a:ext uri="{9D8B030D-6E8A-4147-A177-3AD203B41FA5}">
+                      <a16:colId xmlns:a16="http://schemas.microsoft.com/office/drawing/2014/main" val="304064653"/>
+                    </a:ext>
+                  </a:extLst>
+                </a:gridCol>
+                <a:gridCol w="1548110">
+                  <a:extLst>
+                    <a:ext uri="{9D8B030D-6E8A-4147-A177-3AD203B41FA5}">
+                      <a16:colId xmlns:a16="http://schemas.microsoft.com/office/drawing/2014/main" val="1314764745"/>
+                    </a:ext>
+                  </a:extLst>
+                </a:gridCol>
+              </a:tblGrid>
+              <a:tr h="310046">
+                <a:tc>
+                  <a:txBody>
+                    <a:bodyPr/>
+                    <a:lstStyle/>
+                    <a:p>
+                      <a:pPr marL="0" marR="0" lvl="0" indent="0" algn="ctr" defTabSz="958850" rtl="0" eaLnBrk="1" fontAlgn="base" latinLnBrk="0" hangingPunct="1">
+                        <a:lnSpc>
+                          <a:spcPct val="100000"/>
+                        </a:lnSpc>
+                        <a:spcBef>
+                          <a:spcPct val="0"/>
+                        </a:spcBef>
+                        <a:spcAft>
+                          <a:spcPts val="0"/>
+                        </a:spcAft>
+                        <a:buClr>
+                          <a:srgbClr val="000080"/>
+                        </a:buClr>
+                        <a:buSzTx/>
+                        <a:buFont typeface="Wingdings" pitchFamily="2" charset="2"/>
+                        <a:buNone/>
+                        <a:tabLst/>
+                      </a:pPr>
+                      <a:r>
+                        <a:rPr kumimoji="0" lang="en-US" sz="600" b="1" i="0" u="none" strike="noStrike" cap="none" normalizeH="0" baseline="0" noProof="0" dirty="0">
+                          <a:ln>
+                            <a:noFill/>
+                          </a:ln>
+                          <a:solidFill>
+                            <a:srgbClr val="FFFFFF"/>
+                          </a:solidFill>
+                          <a:effectLst/>
+                          <a:latin typeface="Arial" panose="020B0604020202020204" pitchFamily="34" charset="0"/>
+                        </a:rPr>
+                        <a:t>#</a:t>
+                      </a:r>
+                    </a:p>
+                  </a:txBody>
+                  <a:tcPr marL="0" marR="68580" marT="0" marB="0" anchor="ctr" horzOverflow="overflow">
+                    <a:lnL cap="flat">
+                      <a:noFill/>
+                    </a:lnL>
+                    <a:lnR w="12700" cap="flat" cmpd="sng" algn="ctr">
+                      <a:solidFill>
+                        <a:schemeClr val="bg1">
+                          <a:alpha val="0"/>
+                        </a:schemeClr>
+                      </a:solidFill>
+                      <a:prstDash val="solid"/>
+                      <a:round/>
+                      <a:headEnd type="none" w="med" len="med"/>
+                      <a:tailEnd type="none" w="med" len="med"/>
+                    </a:lnR>
+                    <a:lnT cap="flat">
+                      <a:noFill/>
+                    </a:lnT>
+                    <a:lnB w="6350" cap="flat" cmpd="sng" algn="ctr">
+                      <a:solidFill>
+                        <a:srgbClr val="DBD5CD"/>
+                      </a:solidFill>
+                      <a:prstDash val="solid"/>
+                      <a:round/>
+                      <a:headEnd type="none" w="med" len="med"/>
+                      <a:tailEnd type="none" w="med" len="med"/>
+                    </a:lnB>
+                    <a:lnTlToBr>
+                      <a:noFill/>
+                    </a:lnTlToBr>
+                    <a:lnBlToTr>
+                      <a:noFill/>
+                    </a:lnBlToTr>
+                    <a:solidFill>
+                      <a:schemeClr val="tx2"/>
+                    </a:solidFill>
+                  </a:tcPr>
+                </a:tc>
+                <a:tc>
+                  <a:txBody>
+                    <a:bodyPr/>
+                    <a:lstStyle/>
+                    <a:p>
+                      <a:pPr marL="0" marR="0" lvl="0" indent="0" algn="l" defTabSz="958850" rtl="0" eaLnBrk="1" fontAlgn="base" latinLnBrk="0" hangingPunct="1">
+                        <a:lnSpc>
+                          <a:spcPct val="100000"/>
+                        </a:lnSpc>
+                        <a:spcBef>
+                          <a:spcPct val="0"/>
+                        </a:spcBef>
+                        <a:spcAft>
+                          <a:spcPts val="0"/>
+                        </a:spcAft>
+                        <a:buClr>
+                          <a:srgbClr val="000080"/>
+                        </a:buClr>
+                        <a:buSzTx/>
+                        <a:buFont typeface="Wingdings" pitchFamily="2" charset="2"/>
+                        <a:buNone/>
+                        <a:tabLst/>
+                      </a:pPr>
+                      <a:r>
+                        <a:rPr kumimoji="0" lang="en-US" sz="700" b="1" i="0" u="none" strike="noStrike" cap="none" normalizeH="0" baseline="0" noProof="0" dirty="0">
+                          <a:ln>
+                            <a:noFill/>
+                          </a:ln>
+                          <a:solidFill>
+                            <a:srgbClr val="FFFFFF"/>
+                          </a:solidFill>
+                          <a:effectLst/>
+                          <a:latin typeface="Arial" panose="020B0604020202020204" pitchFamily="34" charset="0"/>
+                        </a:rPr>
+                        <a:t>Potential Buyers</a:t>
+                      </a:r>
+                    </a:p>
+                  </a:txBody>
+                  <a:tcPr marL="0" marR="68580" marT="0" marB="0" anchor="ctr" horzOverflow="overflow">
+                    <a:lnL w="12700" cap="flat" cmpd="sng" algn="ctr">
+                      <a:solidFill>
+                        <a:schemeClr val="bg1">
+                          <a:alpha val="0"/>
+                        </a:schemeClr>
+                      </a:solidFill>
+                      <a:prstDash val="solid"/>
+                      <a:round/>
+                      <a:headEnd type="none" w="med" len="med"/>
+                      <a:tailEnd type="none" w="med" len="med"/>
+                    </a:lnL>
+                    <a:lnR w="12700" cap="flat" cmpd="sng" algn="ctr">
+                      <a:solidFill>
+                        <a:schemeClr val="bg1">
+                          <a:alpha val="0"/>
+                        </a:schemeClr>
+                      </a:solidFill>
+                      <a:prstDash val="solid"/>
+                      <a:round/>
+                      <a:headEnd type="none" w="med" len="med"/>
+                      <a:tailEnd type="none" w="med" len="med"/>
+                    </a:lnR>
+                    <a:lnT cap="flat">
+                      <a:noFill/>
+                    </a:lnT>
+                    <a:lnB w="6350" cap="flat" cmpd="sng" algn="ctr">
+                      <a:solidFill>
+                        <a:srgbClr val="DBD5CD"/>
+                      </a:solidFill>
+                      <a:prstDash val="solid"/>
+                      <a:round/>
+                      <a:headEnd type="none" w="med" len="med"/>
+                      <a:tailEnd type="none" w="med" len="med"/>
+                    </a:lnB>
+                    <a:lnTlToBr>
+                      <a:noFill/>
+                    </a:lnTlToBr>
+                    <a:lnBlToTr>
+                      <a:noFill/>
+                    </a:lnBlToTr>
+                    <a:solidFill>
+                      <a:schemeClr val="tx2"/>
+                    </a:solidFill>
+                  </a:tcPr>
+                </a:tc>
+                <a:tc>
+                  <a:txBody>
+                    <a:bodyPr/>
+                    <a:lstStyle/>
+                    <a:p>
+                      <a:pPr marL="0" marR="0" lvl="0" indent="0" algn="ctr" defTabSz="958850" rtl="0" eaLnBrk="1" fontAlgn="base" latinLnBrk="0" hangingPunct="1">
+                        <a:lnSpc>
+                          <a:spcPct val="100000"/>
+                        </a:lnSpc>
+                        <a:spcBef>
+                          <a:spcPct val="0"/>
+                        </a:spcBef>
+                        <a:spcAft>
+                          <a:spcPts val="0"/>
+                        </a:spcAft>
+                        <a:buClr>
+                          <a:srgbClr val="000080"/>
+                        </a:buClr>
+                        <a:buSzTx/>
+                        <a:buFont typeface="Wingdings" pitchFamily="2" charset="2"/>
+                        <a:buNone/>
+                        <a:tabLst/>
+                        <a:defRPr/>
+                      </a:pPr>
+                      <a:r>
+                        <a:rPr kumimoji="0" lang="en-US" sz="700" b="1" i="0" u="none" strike="noStrike" cap="none" normalizeH="0" baseline="0" noProof="0" dirty="0">
+                          <a:ln>
+                            <a:noFill/>
+                          </a:ln>
+                          <a:solidFill>
+                            <a:srgbClr val="FFFFFF"/>
+                          </a:solidFill>
+                          <a:effectLst/>
+                          <a:latin typeface="Arial" panose="020B0604020202020204" pitchFamily="34" charset="0"/>
+                        </a:rPr>
+                        <a:t>Type</a:t>
+                      </a:r>
+                      <a:endParaRPr kumimoji="0" lang="en-US" sz="700" b="0" i="0" u="none" strike="noStrike" cap="none" normalizeH="0" baseline="0" noProof="0" dirty="0">
+                        <a:ln>
+                          <a:noFill/>
+                        </a:ln>
+                        <a:solidFill>
+                          <a:srgbClr val="FFFFFF"/>
+                        </a:solidFill>
+                        <a:effectLst/>
+                        <a:latin typeface="Arial" panose="020B0604020202020204" pitchFamily="34" charset="0"/>
+                      </a:endParaRPr>
+                    </a:p>
+                  </a:txBody>
+                  <a:tcPr marL="137160" marR="68580" marT="0" marB="0" anchor="ctr" horzOverflow="overflow">
+                    <a:lnL w="12700" cap="flat" cmpd="sng" algn="ctr">
+                      <a:solidFill>
+                        <a:schemeClr val="bg1">
+                          <a:alpha val="0"/>
+                        </a:schemeClr>
+                      </a:solidFill>
+                      <a:prstDash val="solid"/>
+                      <a:round/>
+                      <a:headEnd type="none" w="med" len="med"/>
+                      <a:tailEnd type="none" w="med" len="med"/>
+                    </a:lnL>
+                    <a:lnR w="12700" cap="flat" cmpd="sng" algn="ctr">
+                      <a:solidFill>
+                        <a:schemeClr val="bg1">
+                          <a:alpha val="0"/>
+                        </a:schemeClr>
+                      </a:solidFill>
+                      <a:prstDash val="solid"/>
+                      <a:round/>
+                      <a:headEnd type="none" w="med" len="med"/>
+                      <a:tailEnd type="none" w="med" len="med"/>
+                    </a:lnR>
+                    <a:lnT cap="flat">
+                      <a:noFill/>
+                    </a:lnT>
+                    <a:lnB w="6350" cap="flat" cmpd="sng" algn="ctr">
+                      <a:solidFill>
+                        <a:srgbClr val="DBD5CD"/>
+                      </a:solidFill>
+                      <a:prstDash val="solid"/>
+                      <a:round/>
+                      <a:headEnd type="none" w="med" len="med"/>
+                      <a:tailEnd type="none" w="med" len="med"/>
+                    </a:lnB>
+                    <a:lnTlToBr>
+                      <a:noFill/>
+                    </a:lnTlToBr>
+                    <a:lnBlToTr>
+                      <a:noFill/>
+                    </a:lnBlToTr>
+                    <a:solidFill>
+                      <a:schemeClr val="tx2"/>
+                    </a:solidFill>
+                  </a:tcPr>
+                </a:tc>
+                <a:tc>
+                  <a:txBody>
+                    <a:bodyPr/>
+                    <a:lstStyle/>
+                    <a:p>
+                      <a:pPr marL="0" marR="0" lvl="0" indent="0" algn="ctr" defTabSz="958850" rtl="0" eaLnBrk="1" fontAlgn="base" latinLnBrk="0" hangingPunct="1">
+                        <a:lnSpc>
+                          <a:spcPct val="100000"/>
+                        </a:lnSpc>
+                        <a:spcBef>
+                          <a:spcPct val="0"/>
+                        </a:spcBef>
+                        <a:spcAft>
+                          <a:spcPts val="0"/>
+                        </a:spcAft>
+                        <a:buClr>
+                          <a:srgbClr val="000080"/>
+                        </a:buClr>
+                        <a:buSzTx/>
+                        <a:buFont typeface="Wingdings" pitchFamily="2" charset="2"/>
+                        <a:buNone/>
+                        <a:tabLst/>
+                        <a:defRPr/>
+                      </a:pPr>
+                      <a:r>
+                        <a:rPr kumimoji="0" lang="en-US" sz="700" b="1" i="0" u="none" strike="noStrike" cap="none" normalizeH="0" baseline="0" noProof="0" dirty="0">
+                          <a:ln>
+                            <a:noFill/>
+                          </a:ln>
+                          <a:solidFill>
+                            <a:srgbClr val="FFFFFF"/>
+                          </a:solidFill>
+                          <a:effectLst/>
+                          <a:latin typeface="Arial" panose="020B0604020202020204" pitchFamily="34" charset="0"/>
+                        </a:rPr>
+                        <a:t>Dry Powder/AUM LATAM</a:t>
+                      </a:r>
+                    </a:p>
+                  </a:txBody>
+                  <a:tcPr marL="0" marR="68580" marT="0" marB="0" anchor="ctr" horzOverflow="overflow">
+                    <a:lnL w="12700" cap="flat" cmpd="sng" algn="ctr">
+                      <a:solidFill>
+                        <a:schemeClr val="bg1">
+                          <a:alpha val="0"/>
+                        </a:schemeClr>
+                      </a:solidFill>
+                      <a:prstDash val="solid"/>
+                      <a:round/>
+                      <a:headEnd type="none" w="med" len="med"/>
+                      <a:tailEnd type="none" w="med" len="med"/>
+                    </a:lnL>
+                    <a:lnR w="12700" cap="flat" cmpd="sng" algn="ctr">
+                      <a:solidFill>
+                        <a:schemeClr val="bg1">
+                          <a:alpha val="0"/>
+                        </a:schemeClr>
+                      </a:solidFill>
+                      <a:prstDash val="solid"/>
+                      <a:round/>
+                      <a:headEnd type="none" w="med" len="med"/>
+                      <a:tailEnd type="none" w="med" len="med"/>
+                    </a:lnR>
+                    <a:lnT cap="flat">
+                      <a:noFill/>
+                    </a:lnT>
+                    <a:lnB w="6350" cap="flat" cmpd="sng" algn="ctr">
+                      <a:solidFill>
+                        <a:srgbClr val="DBD5CD"/>
+                      </a:solidFill>
+                      <a:prstDash val="solid"/>
+                      <a:round/>
+                      <a:headEnd type="none" w="med" len="med"/>
+                      <a:tailEnd type="none" w="med" len="med"/>
+                    </a:lnB>
+                    <a:lnTlToBr>
+                      <a:noFill/>
+                    </a:lnTlToBr>
+                    <a:lnBlToTr>
+                      <a:noFill/>
+                    </a:lnBlToTr>
+                    <a:solidFill>
+                      <a:schemeClr val="tx2"/>
+                    </a:solidFill>
+                  </a:tcPr>
+                </a:tc>
+                <a:tc>
+                  <a:txBody>
+                    <a:bodyPr/>
+                    <a:lstStyle/>
+                    <a:p>
+                      <a:pPr marL="0" marR="0" lvl="0" indent="0" algn="ctr" defTabSz="958850" rtl="0" eaLnBrk="1" fontAlgn="base" latinLnBrk="0" hangingPunct="1">
+                        <a:lnSpc>
+                          <a:spcPct val="100000"/>
+                        </a:lnSpc>
+                        <a:spcBef>
+                          <a:spcPct val="0"/>
+                        </a:spcBef>
+                        <a:spcAft>
+                          <a:spcPts val="0"/>
+                        </a:spcAft>
+                        <a:buClr>
+                          <a:srgbClr val="000080"/>
+                        </a:buClr>
+                        <a:buSzTx/>
+                        <a:buFont typeface="Wingdings" pitchFamily="2" charset="2"/>
+                        <a:buNone/>
+                        <a:tabLst/>
+                        <a:defRPr/>
+                      </a:pPr>
+                      <a:r>
+                        <a:rPr kumimoji="0" lang="en-US" sz="700" b="1" i="0" u="none" strike="noStrike" cap="none" normalizeH="0" baseline="0" noProof="0" dirty="0">
+                          <a:ln>
+                            <a:noFill/>
+                          </a:ln>
+                          <a:solidFill>
+                            <a:srgbClr val="FFFFFF"/>
+                          </a:solidFill>
+                          <a:effectLst/>
+                          <a:latin typeface="Arial" panose="020B0604020202020204" pitchFamily="34" charset="0"/>
+                        </a:rPr>
+                        <a:t>Brazil Presence</a:t>
+                      </a:r>
+                    </a:p>
+                  </a:txBody>
+                  <a:tcPr marL="0" marR="68580" marT="0" marB="0" anchor="ctr" horzOverflow="overflow">
+                    <a:lnL w="12700" cap="flat" cmpd="sng" algn="ctr">
+                      <a:solidFill>
+                        <a:schemeClr val="bg1">
+                          <a:alpha val="0"/>
+                        </a:schemeClr>
+                      </a:solidFill>
+                      <a:prstDash val="solid"/>
+                      <a:round/>
+                      <a:headEnd type="none" w="med" len="med"/>
+                      <a:tailEnd type="none" w="med" len="med"/>
+                    </a:lnL>
+                    <a:lnR w="12700" cap="flat" cmpd="sng" algn="ctr">
+                      <a:solidFill>
+                        <a:schemeClr val="bg1">
+                          <a:alpha val="0"/>
+                        </a:schemeClr>
+                      </a:solidFill>
+                      <a:prstDash val="solid"/>
+                      <a:round/>
+                      <a:headEnd type="none" w="med" len="med"/>
+                      <a:tailEnd type="none" w="med" len="med"/>
+                    </a:lnR>
+                    <a:lnT cap="flat">
+                      <a:noFill/>
+                    </a:lnT>
+                    <a:lnB w="6350" cap="flat" cmpd="sng" algn="ctr">
+                      <a:solidFill>
+                        <a:srgbClr val="DBD5CD"/>
+                      </a:solidFill>
+                      <a:prstDash val="solid"/>
+                      <a:round/>
+                      <a:headEnd type="none" w="med" len="med"/>
+                      <a:tailEnd type="none" w="med" len="med"/>
+                    </a:lnB>
+                    <a:lnTlToBr>
+                      <a:noFill/>
+                    </a:lnTlToBr>
+                    <a:lnBlToTr>
+                      <a:noFill/>
+                    </a:lnBlToTr>
+                    <a:solidFill>
+                      <a:schemeClr val="tx2"/>
+                    </a:solidFill>
+                  </a:tcPr>
+                </a:tc>
+                <a:tc gridSpan="3">
+                  <a:txBody>
+                    <a:bodyPr/>
+                    <a:lstStyle/>
+                    <a:p>
+                      <a:pPr marL="0" marR="0" lvl="0" indent="0" algn="ctr" defTabSz="958850" rtl="0" eaLnBrk="1" fontAlgn="base" latinLnBrk="0" hangingPunct="1">
+                        <a:lnSpc>
+                          <a:spcPct val="100000"/>
+                        </a:lnSpc>
+                        <a:spcBef>
+                          <a:spcPct val="0"/>
+                        </a:spcBef>
+                        <a:spcAft>
+                          <a:spcPts val="0"/>
+                        </a:spcAft>
+                        <a:buClr>
+                          <a:srgbClr val="000080"/>
+                        </a:buClr>
+                        <a:buSzTx/>
+                        <a:buFont typeface="Wingdings" pitchFamily="2" charset="2"/>
+                        <a:buNone/>
+                        <a:tabLst/>
+                        <a:defRPr/>
+                      </a:pPr>
+                      <a:r>
+                        <a:rPr kumimoji="0" lang="en-US" sz="700" b="1" i="0" u="none" strike="noStrike" cap="none" normalizeH="0" baseline="0" noProof="0" dirty="0">
+                          <a:ln>
+                            <a:noFill/>
+                          </a:ln>
+                          <a:solidFill>
+                            <a:srgbClr val="FFFFFF"/>
+                          </a:solidFill>
+                          <a:effectLst/>
+                          <a:latin typeface="Arial" panose="020B0604020202020204" pitchFamily="34" charset="0"/>
+                        </a:rPr>
+                        <a:t>Investments</a:t>
+                      </a:r>
+                      <a:endParaRPr kumimoji="0" lang="en-US" sz="700" b="1" i="0" u="none" strike="noStrike" cap="none" normalizeH="0" baseline="30000" noProof="0" dirty="0">
+                        <a:ln>
+                          <a:noFill/>
+                        </a:ln>
+                        <a:solidFill>
+                          <a:srgbClr val="FFFFFF"/>
+                        </a:solidFill>
+                        <a:effectLst/>
+                        <a:latin typeface="Arial" panose="020B0604020202020204" pitchFamily="34" charset="0"/>
+                      </a:endParaRPr>
+                    </a:p>
+                  </a:txBody>
+                  <a:tcPr marL="0" marR="68580" marT="0" marB="0" anchor="ctr" horzOverflow="overflow">
+                    <a:lnL w="12700" cap="flat" cmpd="sng" algn="ctr">
+                      <a:solidFill>
+                        <a:schemeClr val="bg1">
+                          <a:alpha val="0"/>
+                        </a:schemeClr>
+                      </a:solidFill>
+                      <a:prstDash val="solid"/>
+                      <a:round/>
+                      <a:headEnd type="none" w="med" len="med"/>
+                      <a:tailEnd type="none" w="med" len="med"/>
+                    </a:lnL>
+                    <a:lnR w="12700" cap="flat" cmpd="sng" algn="ctr">
+                      <a:solidFill>
+                        <a:schemeClr val="bg1">
+                          <a:alpha val="0"/>
+                        </a:schemeClr>
+                      </a:solidFill>
+                      <a:prstDash val="solid"/>
+                      <a:round/>
+                      <a:headEnd type="none" w="med" len="med"/>
+                      <a:tailEnd type="none" w="med" len="med"/>
+                    </a:lnR>
+                    <a:lnT cap="flat">
+                      <a:noFill/>
+                    </a:lnT>
+                    <a:lnB w="6350" cap="flat" cmpd="sng" algn="ctr">
+                      <a:solidFill>
+                        <a:srgbClr val="DBD5CD"/>
+                      </a:solidFill>
+                      <a:prstDash val="solid"/>
+                      <a:round/>
+                      <a:headEnd type="none" w="med" len="med"/>
+                      <a:tailEnd type="none" w="med" len="med"/>
+                    </a:lnB>
+                    <a:lnTlToBr>
+                      <a:noFill/>
+                    </a:lnTlToBr>
+                    <a:lnBlToTr>
+                      <a:noFill/>
+                    </a:lnBlToTr>
+                    <a:solidFill>
+                      <a:schemeClr val="tx2"/>
+                    </a:solidFill>
+                  </a:tcPr>
+                </a:tc>
+                <a:tc hMerge="1">
+                  <a:txBody>
+                    <a:bodyPr/>
+                    <a:lstStyle/>
+                    <a:p>
+                      <a:endParaRPr lang="en-US"/>
+                    </a:p>
+                  </a:txBody>
+                  <a:tcPr/>
+                </a:tc>
+                <a:tc hMerge="1">
+                  <a:txBody>
+                    <a:bodyPr/>
+                    <a:lstStyle/>
+                    <a:p>
+                      <a:endParaRPr lang="en-US"/>
+                    </a:p>
+                  </a:txBody>
+                  <a:tcPr/>
+                </a:tc>
+                <a:extLst>
+                  <a:ext uri="{0D108BD9-81ED-4DB2-BD59-A6C34878D82A}">
+                    <a16:rowId xmlns:a16="http://schemas.microsoft.com/office/drawing/2014/main" val="10000"/>
+                  </a:ext>
+                </a:extLst>
+              </a:tr>
+              <a:tr h="945291">
+                <a:tc>
+                  <a:txBody>
+                    <a:bodyPr/>
+                    <a:lstStyle/>
+                    <a:p>
+                      <a:pPr marL="0" marR="0" lvl="0" indent="0" algn="ctr" defTabSz="958850" rtl="0" eaLnBrk="1" fontAlgn="base" latinLnBrk="0" hangingPunct="1">
+                        <a:lnSpc>
+                          <a:spcPct val="100000"/>
+                        </a:lnSpc>
+                        <a:spcBef>
+                          <a:spcPct val="0"/>
+                        </a:spcBef>
+                        <a:spcAft>
+                          <a:spcPct val="0"/>
+                        </a:spcAft>
+                        <a:buClr>
+                          <a:srgbClr val="000080"/>
+                        </a:buClr>
+                        <a:buSzTx/>
+                        <a:buFont typeface="Wingdings" pitchFamily="2" charset="2"/>
+                        <a:buNone/>
+                        <a:tabLst/>
+                        <a:defRPr/>
+                      </a:pPr>
+                      <a:r>
+                        <a:rPr lang="en-US" sz="600" b="1" i="0" u="none" kern="1200" noProof="0" dirty="0">
+                          <a:solidFill>
+                            <a:schemeClr val="tx2"/>
+                          </a:solidFill>
+                          <a:latin typeface="Arial" panose="020B0604020202020204" pitchFamily="34" charset="0"/>
+                          <a:ea typeface="+mn-ea"/>
+                          <a:cs typeface="+mn-cs"/>
+                        </a:rPr>
+                        <a:t>#</a:t>
+                      </a:r>
+                    </a:p>
+                  </a:txBody>
+                  <a:tcPr marL="0" marR="84406" marT="0" marB="0" anchor="ctr" horzOverflow="overflow">
+                    <a:lnL cap="flat">
+                      <a:noFill/>
+                    </a:lnL>
+                    <a:lnR>
+                      <a:noFill/>
+                    </a:lnR>
+                    <a:lnT w="6350" cap="flat" cmpd="sng" algn="ctr">
+                      <a:solidFill>
+                        <a:srgbClr val="DBD5CD"/>
+                      </a:solidFill>
+                      <a:prstDash val="solid"/>
+                      <a:round/>
+                      <a:headEnd type="none" w="med" len="med"/>
+                      <a:tailEnd type="none" w="med" len="med"/>
+                    </a:lnT>
+                    <a:lnB w="6350" cap="flat" cmpd="sng" algn="ctr">
+                      <a:solidFill>
+                        <a:srgbClr val="DBD5CD"/>
+                      </a:solidFill>
+                      <a:prstDash val="solid"/>
+                      <a:round/>
+                      <a:headEnd type="none" w="med" len="med"/>
+                      <a:tailEnd type="none" w="med" len="med"/>
+                    </a:lnB>
+                    <a:lnTlToBr>
+                      <a:noFill/>
+                    </a:lnTlToBr>
+                    <a:lnBlToTr>
+                      <a:noFill/>
+                    </a:lnBlToTr>
+                    <a:solidFill>
+                      <a:schemeClr val="bg1"/>
+                    </a:solidFill>
+                  </a:tcPr>
+                </a:tc>
+                <a:tc>
+                  <a:txBody>
+                    <a:bodyPr/>
+                    <a:lstStyle/>
+                    <a:p>
+                      <a:pPr marL="0" marR="0" lvl="0" indent="0" algn="l" defTabSz="958850" rtl="0" eaLnBrk="1" fontAlgn="base" latinLnBrk="0" hangingPunct="1">
+                        <a:lnSpc>
+                          <a:spcPct val="100000"/>
+                        </a:lnSpc>
+                        <a:spcBef>
+                          <a:spcPct val="0"/>
+                        </a:spcBef>
+                        <a:spcAft>
+                          <a:spcPct val="0"/>
+                        </a:spcAft>
+                        <a:buClr>
+                          <a:srgbClr val="000080"/>
+                        </a:buClr>
+                        <a:buSzTx/>
+                        <a:buFont typeface="Wingdings" pitchFamily="2" charset="2"/>
+                        <a:buNone/>
+                        <a:tabLst/>
+                        <a:defRPr/>
+                      </a:pPr>
+                      <a:endParaRPr kumimoji="0" lang="en-US" sz="700" b="0" i="0" u="none" strike="noStrike" kern="1200" cap="none" spc="0" normalizeH="0" baseline="0" noProof="0" dirty="0">
+                        <a:ln>
+                          <a:noFill/>
+                        </a:ln>
+                        <a:solidFill>
+                          <a:srgbClr val="003B4C"/>
+                        </a:solidFill>
+                        <a:effectLst/>
+                        <a:highlight>
+                          <a:srgbClr val="FFFF00"/>
+                        </a:highlight>
+                        <a:uLnTx/>
+                        <a:uFillTx/>
+                        <a:latin typeface="Arial" panose="020B0604020202020204" pitchFamily="34" charset="0"/>
+                        <a:ea typeface="+mn-ea"/>
+                        <a:cs typeface="+mn-cs"/>
+                      </a:endParaRPr>
+                    </a:p>
+                    <a:p>
+                      <a:pPr marL="0" marR="0" lvl="0" indent="0" algn="l" defTabSz="958850" rtl="0" eaLnBrk="1" fontAlgn="base" latinLnBrk="0" hangingPunct="1">
+                        <a:lnSpc>
+                          <a:spcPct val="100000"/>
+                        </a:lnSpc>
+                        <a:spcBef>
+                          <a:spcPct val="0"/>
+                        </a:spcBef>
+                        <a:spcAft>
+                          <a:spcPct val="0"/>
+                        </a:spcAft>
+                        <a:buClr>
+                          <a:srgbClr val="000080"/>
+                        </a:buClr>
+                        <a:buSzTx/>
+                        <a:buFont typeface="Wingdings" pitchFamily="2" charset="2"/>
+                        <a:buNone/>
+                        <a:tabLst/>
+                        <a:defRPr/>
+                      </a:pPr>
+                      <a:endParaRPr kumimoji="0" lang="en-US" sz="700" b="0" i="0" u="none" strike="noStrike" kern="1200" cap="none" spc="0" normalizeH="0" baseline="0" noProof="0" dirty="0">
+                        <a:ln>
+                          <a:noFill/>
+                        </a:ln>
+                        <a:solidFill>
+                          <a:srgbClr val="003B4C"/>
+                        </a:solidFill>
+                        <a:effectLst/>
+                        <a:highlight>
+                          <a:srgbClr val="FFFF00"/>
+                        </a:highlight>
+                        <a:uLnTx/>
+                        <a:uFillTx/>
+                        <a:latin typeface="Arial" panose="020B0604020202020204" pitchFamily="34" charset="0"/>
+                        <a:ea typeface="+mn-ea"/>
+                        <a:cs typeface="+mn-cs"/>
+                      </a:endParaRPr>
+                    </a:p>
+                    <a:p>
+                      <a:pPr marL="0" marR="0" lvl="0" indent="0" algn="l" defTabSz="958850" rtl="0" eaLnBrk="1" fontAlgn="base" latinLnBrk="0" hangingPunct="1">
+                        <a:lnSpc>
+                          <a:spcPct val="100000"/>
+                        </a:lnSpc>
+                        <a:spcBef>
+                          <a:spcPct val="0"/>
+                        </a:spcBef>
+                        <a:spcAft>
+                          <a:spcPct val="0"/>
+                        </a:spcAft>
+                        <a:buClr>
+                          <a:srgbClr val="000080"/>
+                        </a:buClr>
+                        <a:buSzTx/>
+                        <a:buFont typeface="Wingdings" pitchFamily="2" charset="2"/>
+                        <a:buNone/>
+                        <a:tabLst/>
+                        <a:defRPr/>
+                      </a:pPr>
+                      <a:endParaRPr kumimoji="0" lang="en-US" sz="700" b="0" i="0" u="none" strike="noStrike" kern="1200" cap="none" spc="0" normalizeH="0" baseline="0" noProof="0" dirty="0">
+                        <a:ln>
+                          <a:noFill/>
+                        </a:ln>
+                        <a:solidFill>
+                          <a:srgbClr val="003B4C"/>
+                        </a:solidFill>
+                        <a:effectLst/>
+                        <a:highlight>
+                          <a:srgbClr val="FFFF00"/>
+                        </a:highlight>
+                        <a:uLnTx/>
+                        <a:uFillTx/>
+                        <a:latin typeface="Arial" panose="020B0604020202020204" pitchFamily="34" charset="0"/>
+                        <a:ea typeface="+mn-ea"/>
+                        <a:cs typeface="+mn-cs"/>
+                      </a:endParaRPr>
+                    </a:p>
+                    <a:p>
+                      <a:pPr marL="0" marR="0" lvl="0" indent="0" algn="l" defTabSz="958850" rtl="0" eaLnBrk="1" fontAlgn="base" latinLnBrk="0" hangingPunct="1">
+                        <a:lnSpc>
+                          <a:spcPct val="100000"/>
+                        </a:lnSpc>
+                        <a:spcBef>
+                          <a:spcPct val="0"/>
+                        </a:spcBef>
+                        <a:spcAft>
+                          <a:spcPct val="0"/>
+                        </a:spcAft>
+                        <a:buClr>
+                          <a:srgbClr val="000080"/>
+                        </a:buClr>
+                        <a:buSzTx/>
+                        <a:buFont typeface="Wingdings" pitchFamily="2" charset="2"/>
+                        <a:buNone/>
+                        <a:tabLst/>
+                        <a:defRPr/>
+                      </a:pPr>
+                      <a:endParaRPr kumimoji="0" lang="en-US" sz="700" b="0" i="0" u="none" strike="noStrike" kern="1200" cap="none" spc="0" normalizeH="0" baseline="0" noProof="0" dirty="0">
+                        <a:ln>
+                          <a:noFill/>
+                        </a:ln>
+                        <a:solidFill>
+                          <a:srgbClr val="003B4C"/>
+                        </a:solidFill>
+                        <a:effectLst/>
+                        <a:highlight>
+                          <a:srgbClr val="FFFF00"/>
+                        </a:highlight>
+                        <a:uLnTx/>
+                        <a:uFillTx/>
+                        <a:latin typeface="Arial" panose="020B0604020202020204" pitchFamily="34" charset="0"/>
+                        <a:ea typeface="+mn-ea"/>
+                        <a:cs typeface="+mn-cs"/>
+                      </a:endParaRPr>
+                    </a:p>
+                    <a:p>
+                      <a:pPr marL="0" marR="0" lvl="0" indent="0" algn="l" defTabSz="958850" rtl="0" eaLnBrk="1" fontAlgn="base" latinLnBrk="0" hangingPunct="1">
+                        <a:lnSpc>
+                          <a:spcPct val="100000"/>
+                        </a:lnSpc>
+                        <a:spcBef>
+                          <a:spcPct val="0"/>
+                        </a:spcBef>
+                        <a:spcAft>
+                          <a:spcPct val="0"/>
+                        </a:spcAft>
+                        <a:buClr>
+                          <a:srgbClr val="000080"/>
+                        </a:buClr>
+                        <a:buSzTx/>
+                        <a:buFont typeface="Wingdings" pitchFamily="2" charset="2"/>
+                        <a:buNone/>
+                        <a:tabLst/>
+                        <a:defRPr/>
+                      </a:pPr>
+                      <a:endParaRPr kumimoji="0" lang="en-US" sz="700" b="0" i="0" u="none" strike="noStrike" kern="1200" cap="none" spc="0" normalizeH="0" baseline="0" noProof="0" dirty="0">
+                        <a:ln>
+                          <a:noFill/>
+                        </a:ln>
+                        <a:solidFill>
+                          <a:srgbClr val="003B4C"/>
+                        </a:solidFill>
+                        <a:effectLst/>
+                        <a:uLnTx/>
+                        <a:uFillTx/>
+                        <a:latin typeface="Arial" panose="020B0604020202020204" pitchFamily="34" charset="0"/>
+                        <a:ea typeface="+mn-ea"/>
+                        <a:cs typeface="+mn-cs"/>
+                      </a:endParaRPr>
+                    </a:p>
+                    <a:p>
+                      <a:pPr marL="0" marR="0" lvl="0" indent="0" algn="l" defTabSz="958850" rtl="0" eaLnBrk="1" fontAlgn="base" latinLnBrk="0" hangingPunct="1">
+                        <a:lnSpc>
+                          <a:spcPct val="100000"/>
+                        </a:lnSpc>
+                        <a:spcBef>
+                          <a:spcPct val="0"/>
+                        </a:spcBef>
+                        <a:spcAft>
+                          <a:spcPct val="0"/>
+                        </a:spcAft>
+                        <a:buClr>
+                          <a:srgbClr val="000080"/>
+                        </a:buClr>
+                        <a:buSzTx/>
+                        <a:buFont typeface="Wingdings" pitchFamily="2" charset="2"/>
+                        <a:buNone/>
+                        <a:tabLst/>
+                        <a:defRPr/>
+                      </a:pPr>
+                      <a:endParaRPr kumimoji="0" lang="en-US" sz="700" b="0" i="0" u="none" strike="noStrike" kern="1200" cap="none" spc="0" normalizeH="0" baseline="0" noProof="0" dirty="0">
+                        <a:ln>
+                          <a:noFill/>
+                        </a:ln>
+                        <a:solidFill>
+                          <a:srgbClr val="003B4C"/>
+                        </a:solidFill>
+                        <a:effectLst/>
+                        <a:uLnTx/>
+                        <a:uFillTx/>
+                        <a:latin typeface="Arial" panose="020B0604020202020204" pitchFamily="34" charset="0"/>
+                        <a:ea typeface="+mn-ea"/>
+                        <a:cs typeface="+mn-cs"/>
+                      </a:endParaRPr>
+                    </a:p>
+                    <a:p>
+                      <a:pPr marL="0" marR="0" lvl="0" indent="0" algn="l" defTabSz="958850" rtl="0" eaLnBrk="1" fontAlgn="base" latinLnBrk="0" hangingPunct="1">
+                        <a:lnSpc>
+                          <a:spcPct val="100000"/>
+                        </a:lnSpc>
+                        <a:spcBef>
+                          <a:spcPct val="0"/>
+                        </a:spcBef>
+                        <a:spcAft>
+                          <a:spcPct val="0"/>
+                        </a:spcAft>
+                        <a:buClr>
+                          <a:srgbClr val="000080"/>
+                        </a:buClr>
+                        <a:buSzTx/>
+                        <a:buFont typeface="Wingdings" pitchFamily="2" charset="2"/>
+                        <a:buNone/>
+                        <a:tabLst/>
+                        <a:defRPr/>
+                      </a:pPr>
+                      <a:r>
+                        <a:rPr kumimoji="0" lang="en-US" sz="700" b="0" i="0" u="none" strike="noStrike" kern="1200" cap="none" spc="0" normalizeH="0" baseline="0" noProof="0" dirty="0">
+                          <a:ln>
+                            <a:noFill/>
+                          </a:ln>
+                          <a:solidFill>
+                            <a:srgbClr val="003B4C"/>
+                          </a:solidFill>
+                          <a:effectLst/>
+                          <a:uLnTx/>
+                          <a:uFillTx/>
+                          <a:latin typeface="Arial" panose="020B0604020202020204" pitchFamily="34" charset="0"/>
+                          <a:ea typeface="+mn-ea"/>
+                          <a:cs typeface="+mn-cs"/>
+                        </a:rPr>
+                        <a:t>Country1</a:t>
+                      </a:r>
+                    </a:p>
+                  </a:txBody>
+                  <a:tcPr marL="0" marR="84406" marT="0" marB="0" anchor="ctr" horzOverflow="overflow">
+                    <a:lnL cap="flat">
+                      <a:noFill/>
+                    </a:lnL>
+                    <a:lnR>
+                      <a:noFill/>
+                    </a:lnR>
+                    <a:lnT w="6350" cap="flat" cmpd="sng" algn="ctr">
+                      <a:solidFill>
+                        <a:srgbClr val="DBD5CD"/>
+                      </a:solidFill>
+                      <a:prstDash val="solid"/>
+                      <a:round/>
+                      <a:headEnd type="none" w="med" len="med"/>
+                      <a:tailEnd type="none" w="med" len="med"/>
+                    </a:lnT>
+                    <a:lnB w="6350" cap="flat" cmpd="sng" algn="ctr">
+                      <a:solidFill>
+                        <a:srgbClr val="DBD5CD"/>
+                      </a:solidFill>
+                      <a:prstDash val="solid"/>
+                      <a:round/>
+                      <a:headEnd type="none" w="med" len="med"/>
+                      <a:tailEnd type="none" w="med" len="med"/>
+                    </a:lnB>
+                    <a:lnTlToBr>
+                      <a:noFill/>
+                    </a:lnTlToBr>
+                    <a:lnBlToTr>
+                      <a:noFill/>
+                    </a:lnBlToTr>
+                    <a:noFill/>
+                  </a:tcPr>
+                </a:tc>
+                <a:tc>
+                  <a:txBody>
+                    <a:bodyPr/>
+                    <a:lstStyle/>
+                    <a:p>
+                      <a:pPr marL="0" marR="0" lvl="0" indent="0" algn="l" defTabSz="914395" rtl="0" eaLnBrk="1" fontAlgn="t" latinLnBrk="0" hangingPunct="1">
+                        <a:lnSpc>
+                          <a:spcPct val="100000"/>
+                        </a:lnSpc>
+                        <a:spcBef>
+                          <a:spcPts val="0"/>
+                        </a:spcBef>
+                        <a:spcAft>
+                          <a:spcPts val="0"/>
+                        </a:spcAft>
+                        <a:buClr>
+                          <a:srgbClr val="003B4C"/>
+                        </a:buClr>
+                        <a:buSzTx/>
+                        <a:buFontTx/>
+                        <a:buNone/>
+                        <a:tabLst/>
+                        <a:defRPr/>
+                      </a:pPr>
+                      <a:r>
+                        <a:rPr kumimoji="0" lang="en-US" sz="700" b="0" i="0" u="none" strike="noStrike" kern="1200" cap="none" spc="0" normalizeH="0" baseline="0" noProof="0" dirty="0">
+                          <a:ln>
+                            <a:noFill/>
+                          </a:ln>
+                          <a:solidFill>
+                            <a:srgbClr val="003B4C"/>
+                          </a:solidFill>
+                          <a:effectLst/>
+                          <a:uLnTx/>
+                          <a:uFillTx/>
+                          <a:latin typeface="Arial" panose="020B0604020202020204" pitchFamily="34" charset="0"/>
+                          <a:ea typeface="+mn-ea"/>
+                          <a:cs typeface="+mn-cs"/>
+                        </a:rPr>
+                        <a:t>Type1</a:t>
+                      </a:r>
+                    </a:p>
+                  </a:txBody>
+                  <a:tcPr marL="168812" marR="0" marT="0" marB="0" anchor="ctr">
+                    <a:lnL>
+                      <a:noFill/>
+                    </a:lnL>
+                    <a:lnR>
+                      <a:noFill/>
+                    </a:lnR>
+                    <a:lnT w="6350" cap="flat" cmpd="sng" algn="ctr">
+                      <a:solidFill>
+                        <a:srgbClr val="DBD5CD"/>
+                      </a:solidFill>
+                      <a:prstDash val="solid"/>
+                      <a:round/>
+                      <a:headEnd type="none" w="med" len="med"/>
+                      <a:tailEnd type="none" w="med" len="med"/>
+                    </a:lnT>
+                    <a:lnB w="6350" cap="flat" cmpd="sng" algn="ctr">
+                      <a:solidFill>
+                        <a:srgbClr val="DBD5CD"/>
+                      </a:solidFill>
+                      <a:prstDash val="solid"/>
+                      <a:round/>
+                      <a:headEnd type="none" w="med" len="med"/>
+                      <a:tailEnd type="none" w="med" len="med"/>
+                    </a:lnB>
+                    <a:lnTlToBr>
+                      <a:noFill/>
+                    </a:lnTlToBr>
+                    <a:lnBlToTr>
+                      <a:noFill/>
+                    </a:lnBlToTr>
+                    <a:noFill/>
+                  </a:tcPr>
+                </a:tc>
+                <a:tc>
+                  <a:txBody>
+                    <a:bodyPr/>
+                    <a:lstStyle/>
+                    <a:p>
+                      <a:pPr marL="0" marR="0" lvl="0" indent="0" algn="ctr" defTabSz="914395" rtl="0" eaLnBrk="1" fontAlgn="t" latinLnBrk="0" hangingPunct="1">
+                        <a:lnSpc>
+                          <a:spcPct val="100000"/>
+                        </a:lnSpc>
+                        <a:spcBef>
+                          <a:spcPts val="0"/>
+                        </a:spcBef>
+                        <a:spcAft>
+                          <a:spcPts val="0"/>
+                        </a:spcAft>
+                        <a:buClrTx/>
+                        <a:buSzTx/>
+                        <a:buFontTx/>
+                        <a:buNone/>
+                        <a:tabLst/>
+                        <a:defRPr/>
+                      </a:pPr>
+                      <a:r>
+                        <a:rPr kumimoji="0" lang="en-US" sz="700" b="0" i="0" u="none" strike="noStrike" kern="1200" cap="none" spc="0" normalizeH="0" baseline="0" noProof="0" dirty="0">
+                          <a:ln>
+                            <a:noFill/>
+                          </a:ln>
+                          <a:solidFill>
+                            <a:srgbClr val="003B4C"/>
+                          </a:solidFill>
+                          <a:effectLst/>
+                          <a:uLnTx/>
+                          <a:uFillTx/>
+                          <a:latin typeface="Arial" panose="020B0604020202020204" pitchFamily="34" charset="0"/>
+                          <a:ea typeface="+mn-ea"/>
+                          <a:cs typeface="+mn-cs"/>
+                        </a:rPr>
+                        <a:t>DryPowder1</a:t>
+                      </a:r>
+                    </a:p>
+                    <a:p>
+                      <a:pPr marL="0" marR="0" lvl="0" indent="0" algn="ctr" defTabSz="914395" rtl="0" eaLnBrk="1" fontAlgn="t" latinLnBrk="0" hangingPunct="1">
+                        <a:lnSpc>
+                          <a:spcPct val="100000"/>
+                        </a:lnSpc>
+                        <a:spcBef>
+                          <a:spcPts val="0"/>
+                        </a:spcBef>
+                        <a:spcAft>
+                          <a:spcPts val="0"/>
+                        </a:spcAft>
+                        <a:buClrTx/>
+                        <a:buSzTx/>
+                        <a:buFontTx/>
+                        <a:buNone/>
+                        <a:tabLst/>
+                        <a:defRPr/>
+                      </a:pPr>
+                      <a:r>
+                        <a:rPr kumimoji="0" lang="en-US" sz="700" b="0" i="0" u="none" strike="noStrike" kern="1200" cap="none" spc="0" normalizeH="0" baseline="0" noProof="0" dirty="0">
+                          <a:ln>
+                            <a:noFill/>
+                          </a:ln>
+                          <a:solidFill>
+                            <a:srgbClr val="003B4C"/>
+                          </a:solidFill>
+                          <a:effectLst/>
+                          <a:uLnTx/>
+                          <a:uFillTx/>
+                          <a:latin typeface="Arial" panose="020B0604020202020204" pitchFamily="34" charset="0"/>
+                          <a:ea typeface="+mn-ea"/>
+                          <a:cs typeface="+mn-cs"/>
+                        </a:rPr>
+                        <a:t>AUM1</a:t>
+                      </a:r>
+                      <a:endParaRPr kumimoji="0" lang="en-US" sz="700" b="0" i="0" u="none" strike="noStrike" kern="1200" cap="none" spc="0" normalizeH="0" baseline="0" noProof="0" dirty="0">
+                        <a:ln>
+                          <a:noFill/>
+                        </a:ln>
+                        <a:solidFill>
+                          <a:srgbClr val="FF0000"/>
+                        </a:solidFill>
+                        <a:effectLst/>
+                        <a:uLnTx/>
+                        <a:uFillTx/>
+                        <a:latin typeface="+mn-lt"/>
+                        <a:ea typeface="+mn-ea"/>
+                        <a:cs typeface="+mn-cs"/>
+                      </a:endParaRPr>
+                    </a:p>
+                  </a:txBody>
+                  <a:tcPr marL="0" marR="0" marT="0" marB="0" anchor="ctr">
+                    <a:lnL>
+                      <a:noFill/>
+                    </a:lnL>
+                    <a:lnR cap="flat">
+                      <a:noFill/>
+                    </a:lnR>
+                    <a:lnT w="6350" cap="flat" cmpd="sng" algn="ctr">
+                      <a:solidFill>
+                        <a:srgbClr val="DBD5CD"/>
+                      </a:solidFill>
+                      <a:prstDash val="solid"/>
+                      <a:round/>
+                      <a:headEnd type="none" w="med" len="med"/>
+                      <a:tailEnd type="none" w="med" len="med"/>
+                    </a:lnT>
+                    <a:lnB w="6350" cap="flat" cmpd="sng" algn="ctr">
+                      <a:solidFill>
+                        <a:srgbClr val="DBD5CD"/>
+                      </a:solidFill>
+                      <a:prstDash val="solid"/>
+                      <a:round/>
+                      <a:headEnd type="none" w="med" len="med"/>
+                      <a:tailEnd type="none" w="med" len="med"/>
+                    </a:lnB>
+                    <a:lnTlToBr>
+                      <a:noFill/>
+                    </a:lnTlToBr>
+                    <a:lnBlToTr>
+                      <a:noFill/>
+                    </a:lnBlToTr>
+                    <a:noFill/>
+                  </a:tcPr>
+                </a:tc>
+                <a:tc>
+                  <a:txBody>
+                    <a:bodyPr/>
+                    <a:lstStyle/>
+                    <a:p>
+                      <a:pPr marL="0" marR="0" lvl="0" indent="0" algn="ctr" defTabSz="914395" rtl="0" eaLnBrk="1" fontAlgn="t" latinLnBrk="0" hangingPunct="1">
+                        <a:lnSpc>
+                          <a:spcPct val="100000"/>
+                        </a:lnSpc>
+                        <a:spcBef>
+                          <a:spcPts val="0"/>
+                        </a:spcBef>
+                        <a:spcAft>
+                          <a:spcPts val="0"/>
+                        </a:spcAft>
+                        <a:buClrTx/>
+                        <a:buSzTx/>
+                        <a:buFontTx/>
+                        <a:buNone/>
+                        <a:tabLst/>
+                        <a:defRPr/>
+                      </a:pPr>
+                      <a:r>
+                        <a:rPr kumimoji="0" lang="en-US" sz="2200" b="0" i="0" u="none" strike="noStrike" kern="1200" cap="none" spc="0" normalizeH="0" baseline="0" noProof="0" dirty="0">
+                          <a:ln>
+                            <a:noFill/>
+                          </a:ln>
+                          <a:solidFill>
+                            <a:srgbClr val="00A87E"/>
+                          </a:solidFill>
+                          <a:effectLst/>
+                          <a:uLnTx/>
+                          <a:uFillTx/>
+                          <a:latin typeface="+mn-lt"/>
+                          <a:ea typeface="+mn-ea"/>
+                          <a:cs typeface="+mn-cs"/>
+                          <a:sym typeface="Wingdings"/>
+                        </a:rPr>
+                        <a:t></a:t>
+                      </a:r>
+                      <a:endParaRPr kumimoji="0" lang="en-US" sz="2200" b="0" i="0" u="none" strike="noStrike" kern="1200" cap="none" spc="0" normalizeH="0" baseline="0" noProof="0" dirty="0">
+                        <a:ln>
+                          <a:noFill/>
+                        </a:ln>
+                        <a:solidFill>
+                          <a:srgbClr val="FF0000"/>
+                        </a:solidFill>
+                        <a:effectLst/>
+                        <a:uLnTx/>
+                        <a:uFillTx/>
+                        <a:latin typeface="+mn-lt"/>
+                        <a:ea typeface="+mn-ea"/>
+                        <a:cs typeface="+mn-cs"/>
+                      </a:endParaRPr>
+                    </a:p>
+                  </a:txBody>
+                  <a:tcPr marL="0" marR="0" marT="0" marB="0" anchor="ctr">
+                    <a:lnL>
+                      <a:noFill/>
+                    </a:lnL>
+                    <a:lnR cap="flat">
+                      <a:noFill/>
+                    </a:lnR>
+                    <a:lnT w="6350" cap="flat" cmpd="sng" algn="ctr">
+                      <a:solidFill>
+                        <a:srgbClr val="DBD5CD"/>
+                      </a:solidFill>
+                      <a:prstDash val="solid"/>
+                      <a:round/>
+                      <a:headEnd type="none" w="med" len="med"/>
+                      <a:tailEnd type="none" w="med" len="med"/>
+                    </a:lnT>
+                    <a:lnB w="6350" cap="flat" cmpd="sng" algn="ctr">
+                      <a:solidFill>
+                        <a:srgbClr val="DBD5CD"/>
+                      </a:solidFill>
+                      <a:prstDash val="solid"/>
+                      <a:round/>
+                      <a:headEnd type="none" w="med" len="med"/>
+                      <a:tailEnd type="none" w="med" len="med"/>
+                    </a:lnB>
+                    <a:lnTlToBr>
+                      <a:noFill/>
+                    </a:lnTlToBr>
+                    <a:lnBlToTr>
+                      <a:noFill/>
+                    </a:lnBlToTr>
+                    <a:noFill/>
+                  </a:tcPr>
+                </a:tc>
+                <a:tc>
+                  <a:txBody>
+                    <a:bodyPr/>
+                    <a:lstStyle/>
+                    <a:p>
+                      <a:pPr marL="0" marR="0" lvl="0" indent="0" algn="ctr" defTabSz="914395" rtl="0" eaLnBrk="1" fontAlgn="t" latinLnBrk="0" hangingPunct="1">
+                        <a:lnSpc>
+                          <a:spcPct val="100000"/>
+                        </a:lnSpc>
+                        <a:spcBef>
+                          <a:spcPts val="0"/>
+                        </a:spcBef>
+                        <a:spcAft>
+                          <a:spcPts val="0"/>
+                        </a:spcAft>
+                        <a:buClrTx/>
+                        <a:buSzTx/>
+                        <a:buFontTx/>
+                        <a:buNone/>
+                        <a:tabLst/>
+                        <a:defRPr/>
+                      </a:pPr>
+                      <a:endParaRPr lang="en-US" sz="700" noProof="0" dirty="0">
+                        <a:solidFill>
+                          <a:srgbClr val="003B4C"/>
+                        </a:solidFill>
+                        <a:latin typeface="+mn-lt"/>
+                      </a:endParaRPr>
+                    </a:p>
+                    <a:p>
+                      <a:pPr marL="0" marR="0" lvl="0" indent="0" algn="ctr" defTabSz="914395" rtl="0" eaLnBrk="1" fontAlgn="t" latinLnBrk="0" hangingPunct="1">
+                        <a:lnSpc>
+                          <a:spcPct val="100000"/>
+                        </a:lnSpc>
+                        <a:spcBef>
+                          <a:spcPts val="0"/>
+                        </a:spcBef>
+                        <a:spcAft>
+                          <a:spcPts val="0"/>
+                        </a:spcAft>
+                        <a:buClrTx/>
+                        <a:buSzTx/>
+                        <a:buFontTx/>
+                        <a:buNone/>
+                        <a:tabLst/>
+                        <a:defRPr/>
+                      </a:pPr>
+                      <a:endParaRPr lang="en-US" sz="700" noProof="0" dirty="0">
+                        <a:solidFill>
+                          <a:srgbClr val="003B4C"/>
+                        </a:solidFill>
+                        <a:latin typeface="+mn-lt"/>
+                      </a:endParaRPr>
+                    </a:p>
+                    <a:p>
+                      <a:pPr marL="0" marR="0" lvl="0" indent="0" algn="ctr" defTabSz="914395" rtl="0" eaLnBrk="1" fontAlgn="t" latinLnBrk="0" hangingPunct="1">
+                        <a:lnSpc>
+                          <a:spcPct val="100000"/>
+                        </a:lnSpc>
+                        <a:spcBef>
+                          <a:spcPts val="0"/>
+                        </a:spcBef>
+                        <a:spcAft>
+                          <a:spcPts val="0"/>
+                        </a:spcAft>
+                        <a:buClrTx/>
+                        <a:buSzTx/>
+                        <a:buFontTx/>
+                        <a:buNone/>
+                        <a:tabLst/>
+                        <a:defRPr/>
+                      </a:pPr>
+                      <a:endParaRPr lang="en-US" sz="700" noProof="0" dirty="0">
+                        <a:solidFill>
+                          <a:srgbClr val="003B4C"/>
+                        </a:solidFill>
+                        <a:latin typeface="+mn-lt"/>
+                      </a:endParaRPr>
+                    </a:p>
+                    <a:p>
+                      <a:pPr marL="0" marR="0" lvl="0" indent="0" algn="ctr" defTabSz="914395" rtl="0" eaLnBrk="1" fontAlgn="t" latinLnBrk="0" hangingPunct="1">
+                        <a:lnSpc>
+                          <a:spcPct val="100000"/>
+                        </a:lnSpc>
+                        <a:spcBef>
+                          <a:spcPts val="0"/>
+                        </a:spcBef>
+                        <a:spcAft>
+                          <a:spcPts val="0"/>
+                        </a:spcAft>
+                        <a:buClrTx/>
+                        <a:buSzTx/>
+                        <a:buFontTx/>
+                        <a:buNone/>
+                        <a:tabLst/>
+                        <a:defRPr/>
+                      </a:pPr>
+                      <a:endParaRPr lang="en-US" sz="700" noProof="0" dirty="0">
+                        <a:solidFill>
+                          <a:srgbClr val="003B4C"/>
+                        </a:solidFill>
+                        <a:latin typeface="+mn-lt"/>
+                      </a:endParaRPr>
+                    </a:p>
+                    <a:p>
+                      <a:pPr marL="0" marR="0" lvl="0" indent="0" algn="ctr" defTabSz="914395" rtl="0" eaLnBrk="1" fontAlgn="t" latinLnBrk="0" hangingPunct="1">
+                        <a:lnSpc>
+                          <a:spcPct val="100000"/>
+                        </a:lnSpc>
+                        <a:spcBef>
+                          <a:spcPts val="0"/>
+                        </a:spcBef>
+                        <a:spcAft>
+                          <a:spcPts val="0"/>
+                        </a:spcAft>
+                        <a:buClrTx/>
+                        <a:buSzTx/>
+                        <a:buFontTx/>
+                        <a:buNone/>
+                        <a:tabLst/>
+                        <a:defRPr/>
+                      </a:pPr>
+                      <a:endParaRPr lang="en-US" sz="700" noProof="0" dirty="0">
+                        <a:solidFill>
+                          <a:srgbClr val="003B4C"/>
+                        </a:solidFill>
+                        <a:latin typeface="+mn-lt"/>
+                      </a:endParaRPr>
+                    </a:p>
+                    <a:p>
+                      <a:pPr marL="0" marR="0" lvl="0" indent="0" algn="ctr" defTabSz="914395" rtl="0" eaLnBrk="1" fontAlgn="t" latinLnBrk="0" hangingPunct="1">
+                        <a:lnSpc>
+                          <a:spcPct val="100000"/>
+                        </a:lnSpc>
+                        <a:spcBef>
+                          <a:spcPts val="0"/>
+                        </a:spcBef>
+                        <a:spcAft>
+                          <a:spcPts val="0"/>
+                        </a:spcAft>
+                        <a:buClrTx/>
+                        <a:buSzTx/>
+                        <a:buFontTx/>
+                        <a:buNone/>
+                        <a:tabLst/>
+                        <a:defRPr/>
+                      </a:pPr>
+                      <a:r>
+                        <a:rPr lang="en-US" sz="700" noProof="0" dirty="0">
+                          <a:solidFill>
+                            <a:srgbClr val="003B4C"/>
+                          </a:solidFill>
+                          <a:latin typeface="+mn-lt"/>
+                        </a:rPr>
+                        <a:t>Investment1</a:t>
+                      </a:r>
+                    </a:p>
+                  </a:txBody>
+                  <a:tcPr marL="0" marR="0" marT="0" marB="0" anchor="ctr">
+                    <a:lnL>
+                      <a:noFill/>
+                    </a:lnL>
+                    <a:lnR cap="flat">
+                      <a:noFill/>
+                    </a:lnR>
+                    <a:lnT w="6350" cap="flat" cmpd="sng" algn="ctr">
+                      <a:solidFill>
+                        <a:srgbClr val="DBD5CD"/>
+                      </a:solidFill>
+                      <a:prstDash val="solid"/>
+                      <a:round/>
+                      <a:headEnd type="none" w="med" len="med"/>
+                      <a:tailEnd type="none" w="med" len="med"/>
+                    </a:lnT>
+                    <a:lnB w="6350" cap="flat" cmpd="sng" algn="ctr">
+                      <a:solidFill>
+                        <a:srgbClr val="DBD5CD"/>
+                      </a:solidFill>
+                      <a:prstDash val="solid"/>
+                      <a:round/>
+                      <a:headEnd type="none" w="med" len="med"/>
+                      <a:tailEnd type="none" w="med" len="med"/>
+                    </a:lnB>
+                    <a:lnTlToBr>
+                      <a:noFill/>
+                    </a:lnTlToBr>
+                    <a:lnBlToTr>
+                      <a:noFill/>
+                    </a:lnBlToTr>
+                    <a:noFill/>
+                  </a:tcPr>
+                </a:tc>
+                <a:tc>
+                  <a:txBody>
+                    <a:bodyPr/>
+                    <a:lstStyle/>
+                    <a:p>
+                      <a:pPr marL="0" marR="0" lvl="0" indent="0" algn="ctr" defTabSz="914395" rtl="0" eaLnBrk="1" fontAlgn="t" latinLnBrk="0" hangingPunct="1">
+                        <a:lnSpc>
+                          <a:spcPct val="100000"/>
+                        </a:lnSpc>
+                        <a:spcBef>
+                          <a:spcPts val="0"/>
+                        </a:spcBef>
+                        <a:spcAft>
+                          <a:spcPts val="0"/>
+                        </a:spcAft>
+                        <a:buClrTx/>
+                        <a:buSzTx/>
+                        <a:buFontTx/>
+                        <a:buNone/>
+                        <a:tabLst/>
+                        <a:defRPr/>
+                      </a:pPr>
+                      <a:endParaRPr lang="en-US" sz="700" noProof="0" dirty="0">
+                        <a:solidFill>
+                          <a:srgbClr val="003B4C"/>
+                        </a:solidFill>
+                        <a:latin typeface="+mn-lt"/>
+                      </a:endParaRPr>
+                    </a:p>
+                    <a:p>
+                      <a:pPr marL="0" marR="0" lvl="0" indent="0" algn="ctr" defTabSz="914395" rtl="0" eaLnBrk="1" fontAlgn="t" latinLnBrk="0" hangingPunct="1">
+                        <a:lnSpc>
+                          <a:spcPct val="100000"/>
+                        </a:lnSpc>
+                        <a:spcBef>
+                          <a:spcPts val="0"/>
+                        </a:spcBef>
+                        <a:spcAft>
+                          <a:spcPts val="0"/>
+                        </a:spcAft>
+                        <a:buClrTx/>
+                        <a:buSzTx/>
+                        <a:buFontTx/>
+                        <a:buNone/>
+                        <a:tabLst/>
+                        <a:defRPr/>
+                      </a:pPr>
+                      <a:endParaRPr lang="en-US" sz="700" noProof="0" dirty="0">
+                        <a:solidFill>
+                          <a:srgbClr val="003B4C"/>
+                        </a:solidFill>
+                        <a:latin typeface="+mn-lt"/>
+                      </a:endParaRPr>
+                    </a:p>
+                    <a:p>
+                      <a:pPr marL="0" marR="0" lvl="0" indent="0" algn="ctr" defTabSz="914395" rtl="0" eaLnBrk="1" fontAlgn="t" latinLnBrk="0" hangingPunct="1">
+                        <a:lnSpc>
+                          <a:spcPct val="100000"/>
+                        </a:lnSpc>
+                        <a:spcBef>
+                          <a:spcPts val="0"/>
+                        </a:spcBef>
+                        <a:spcAft>
+                          <a:spcPts val="0"/>
+                        </a:spcAft>
+                        <a:buClrTx/>
+                        <a:buSzTx/>
+                        <a:buFontTx/>
+                        <a:buNone/>
+                        <a:tabLst/>
+                        <a:defRPr/>
+                      </a:pPr>
+                      <a:endParaRPr lang="en-US" sz="700" noProof="0" dirty="0">
+                        <a:solidFill>
+                          <a:srgbClr val="003B4C"/>
+                        </a:solidFill>
+                        <a:latin typeface="+mn-lt"/>
+                      </a:endParaRPr>
+                    </a:p>
+                    <a:p>
+                      <a:pPr marL="0" marR="0" lvl="0" indent="0" algn="ctr" defTabSz="914395" rtl="0" eaLnBrk="1" fontAlgn="t" latinLnBrk="0" hangingPunct="1">
+                        <a:lnSpc>
+                          <a:spcPct val="100000"/>
+                        </a:lnSpc>
+                        <a:spcBef>
+                          <a:spcPts val="0"/>
+                        </a:spcBef>
+                        <a:spcAft>
+                          <a:spcPts val="0"/>
+                        </a:spcAft>
+                        <a:buClrTx/>
+                        <a:buSzTx/>
+                        <a:buFontTx/>
+                        <a:buNone/>
+                        <a:tabLst/>
+                        <a:defRPr/>
+                      </a:pPr>
+                      <a:endParaRPr lang="en-US" sz="700" noProof="0" dirty="0">
+                        <a:solidFill>
+                          <a:srgbClr val="003B4C"/>
+                        </a:solidFill>
+                        <a:latin typeface="+mn-lt"/>
+                      </a:endParaRPr>
+                    </a:p>
+                    <a:p>
+                      <a:pPr marL="0" marR="0" lvl="0" indent="0" algn="ctr" defTabSz="914395" rtl="0" eaLnBrk="1" fontAlgn="t" latinLnBrk="0" hangingPunct="1">
+                        <a:lnSpc>
+                          <a:spcPct val="100000"/>
+                        </a:lnSpc>
+                        <a:spcBef>
+                          <a:spcPts val="0"/>
+                        </a:spcBef>
+                        <a:spcAft>
+                          <a:spcPts val="0"/>
+                        </a:spcAft>
+                        <a:buClrTx/>
+                        <a:buSzTx/>
+                        <a:buFontTx/>
+                        <a:buNone/>
+                        <a:tabLst/>
+                        <a:defRPr/>
+                      </a:pPr>
+                      <a:endParaRPr lang="en-US" sz="700" noProof="0" dirty="0">
+                        <a:solidFill>
+                          <a:srgbClr val="003B4C"/>
+                        </a:solidFill>
+                        <a:latin typeface="+mn-lt"/>
+                      </a:endParaRPr>
+                    </a:p>
+                    <a:p>
+                      <a:pPr marL="0" marR="0" lvl="0" indent="0" algn="ctr" defTabSz="914395" rtl="0" eaLnBrk="1" fontAlgn="t" latinLnBrk="0" hangingPunct="1">
+                        <a:lnSpc>
+                          <a:spcPct val="100000"/>
+                        </a:lnSpc>
+                        <a:spcBef>
+                          <a:spcPts val="0"/>
+                        </a:spcBef>
+                        <a:spcAft>
+                          <a:spcPts val="0"/>
+                        </a:spcAft>
+                        <a:buClrTx/>
+                        <a:buSzTx/>
+                        <a:buFontTx/>
+                        <a:buNone/>
+                        <a:tabLst/>
+                        <a:defRPr/>
+                      </a:pPr>
+                      <a:r>
+                        <a:rPr lang="en-US" sz="700" noProof="0" dirty="0">
+                          <a:solidFill>
+                            <a:srgbClr val="003B4C"/>
+                          </a:solidFill>
+                          <a:latin typeface="+mn-lt"/>
+                        </a:rPr>
+                        <a:t>Investment2</a:t>
+                      </a:r>
+                    </a:p>
+                  </a:txBody>
+                  <a:tcPr marL="0" marR="0" marT="0" marB="0" anchor="ctr">
+                    <a:lnL>
+                      <a:noFill/>
+                    </a:lnL>
+                    <a:lnR cap="flat">
+                      <a:noFill/>
+                    </a:lnR>
+                    <a:lnT w="6350" cap="flat" cmpd="sng" algn="ctr">
+                      <a:solidFill>
+                        <a:srgbClr val="DBD5CD"/>
+                      </a:solidFill>
+                      <a:prstDash val="solid"/>
+                      <a:round/>
+                      <a:headEnd type="none" w="med" len="med"/>
+                      <a:tailEnd type="none" w="med" len="med"/>
+                    </a:lnT>
+                    <a:lnB w="6350" cap="flat" cmpd="sng" algn="ctr">
+                      <a:solidFill>
+                        <a:srgbClr val="DBD5CD"/>
+                      </a:solidFill>
+                      <a:prstDash val="solid"/>
+                      <a:round/>
+                      <a:headEnd type="none" w="med" len="med"/>
+                      <a:tailEnd type="none" w="med" len="med"/>
+                    </a:lnB>
+                    <a:lnTlToBr>
+                      <a:noFill/>
+                    </a:lnTlToBr>
+                    <a:lnBlToTr>
+                      <a:noFill/>
+                    </a:lnBlToTr>
+                    <a:noFill/>
+                  </a:tcPr>
+                </a:tc>
+                <a:tc>
+                  <a:txBody>
+                    <a:bodyPr/>
+                    <a:lstStyle/>
+                    <a:p>
+                      <a:pPr marL="0" marR="0" lvl="0" indent="0" algn="ctr" defTabSz="914395" rtl="0" eaLnBrk="1" fontAlgn="t" latinLnBrk="0" hangingPunct="1">
+                        <a:lnSpc>
+                          <a:spcPct val="100000"/>
+                        </a:lnSpc>
+                        <a:spcBef>
+                          <a:spcPts val="0"/>
+                        </a:spcBef>
+                        <a:spcAft>
+                          <a:spcPts val="0"/>
+                        </a:spcAft>
+                        <a:buClrTx/>
+                        <a:buSzTx/>
+                        <a:buFontTx/>
+                        <a:buNone/>
+                        <a:tabLst/>
+                        <a:defRPr/>
+                      </a:pPr>
+                      <a:endParaRPr lang="en-US" sz="700" noProof="0" dirty="0">
+                        <a:solidFill>
+                          <a:srgbClr val="003B4C"/>
+                        </a:solidFill>
+                        <a:latin typeface="+mn-lt"/>
+                      </a:endParaRPr>
+                    </a:p>
+                    <a:p>
+                      <a:pPr marL="0" marR="0" lvl="0" indent="0" algn="ctr" defTabSz="914395" rtl="0" eaLnBrk="1" fontAlgn="t" latinLnBrk="0" hangingPunct="1">
+                        <a:lnSpc>
+                          <a:spcPct val="100000"/>
+                        </a:lnSpc>
+                        <a:spcBef>
+                          <a:spcPts val="0"/>
+                        </a:spcBef>
+                        <a:spcAft>
+                          <a:spcPts val="0"/>
+                        </a:spcAft>
+                        <a:buClrTx/>
+                        <a:buSzTx/>
+                        <a:buFontTx/>
+                        <a:buNone/>
+                        <a:tabLst/>
+                        <a:defRPr/>
+                      </a:pPr>
+                      <a:endParaRPr lang="en-US" sz="700" noProof="0" dirty="0">
+                        <a:solidFill>
+                          <a:srgbClr val="003B4C"/>
+                        </a:solidFill>
+                        <a:latin typeface="+mn-lt"/>
+                      </a:endParaRPr>
+                    </a:p>
+                    <a:p>
+                      <a:pPr marL="0" marR="0" lvl="0" indent="0" algn="ctr" defTabSz="914395" rtl="0" eaLnBrk="1" fontAlgn="t" latinLnBrk="0" hangingPunct="1">
+                        <a:lnSpc>
+                          <a:spcPct val="100000"/>
+                        </a:lnSpc>
+                        <a:spcBef>
+                          <a:spcPts val="0"/>
+                        </a:spcBef>
+                        <a:spcAft>
+                          <a:spcPts val="0"/>
+                        </a:spcAft>
+                        <a:buClrTx/>
+                        <a:buSzTx/>
+                        <a:buFontTx/>
+                        <a:buNone/>
+                        <a:tabLst/>
+                        <a:defRPr/>
+                      </a:pPr>
+                      <a:endParaRPr lang="en-US" sz="700" noProof="0" dirty="0">
+                        <a:solidFill>
+                          <a:srgbClr val="003B4C"/>
+                        </a:solidFill>
+                        <a:latin typeface="+mn-lt"/>
+                      </a:endParaRPr>
+                    </a:p>
+                    <a:p>
+                      <a:pPr marL="0" marR="0" lvl="0" indent="0" algn="ctr" defTabSz="914395" rtl="0" eaLnBrk="1" fontAlgn="t" latinLnBrk="0" hangingPunct="1">
+                        <a:lnSpc>
+                          <a:spcPct val="100000"/>
+                        </a:lnSpc>
+                        <a:spcBef>
+                          <a:spcPts val="0"/>
+                        </a:spcBef>
+                        <a:spcAft>
+                          <a:spcPts val="0"/>
+                        </a:spcAft>
+                        <a:buClrTx/>
+                        <a:buSzTx/>
+                        <a:buFontTx/>
+                        <a:buNone/>
+                        <a:tabLst/>
+                        <a:defRPr/>
+                      </a:pPr>
+                      <a:endParaRPr lang="en-US" sz="700" noProof="0" dirty="0">
+                        <a:solidFill>
+                          <a:srgbClr val="003B4C"/>
+                        </a:solidFill>
+                        <a:latin typeface="+mn-lt"/>
+                      </a:endParaRPr>
+                    </a:p>
+                    <a:p>
+                      <a:pPr marL="0" marR="0" lvl="0" indent="0" algn="ctr" defTabSz="914395" rtl="0" eaLnBrk="1" fontAlgn="t" latinLnBrk="0" hangingPunct="1">
+                        <a:lnSpc>
+                          <a:spcPct val="100000"/>
+                        </a:lnSpc>
+                        <a:spcBef>
+                          <a:spcPts val="0"/>
+                        </a:spcBef>
+                        <a:spcAft>
+                          <a:spcPts val="0"/>
+                        </a:spcAft>
+                        <a:buClrTx/>
+                        <a:buSzTx/>
+                        <a:buFontTx/>
+                        <a:buNone/>
+                        <a:tabLst/>
+                        <a:defRPr/>
+                      </a:pPr>
+                      <a:endParaRPr lang="en-US" sz="700" noProof="0" dirty="0">
+                        <a:solidFill>
+                          <a:srgbClr val="003B4C"/>
+                        </a:solidFill>
+                        <a:latin typeface="+mn-lt"/>
+                      </a:endParaRPr>
+                    </a:p>
+                    <a:p>
+                      <a:pPr marL="0" marR="0" lvl="0" indent="0" algn="ctr" defTabSz="914395" rtl="0" eaLnBrk="1" fontAlgn="t" latinLnBrk="0" hangingPunct="1">
+                        <a:lnSpc>
+                          <a:spcPct val="100000"/>
+                        </a:lnSpc>
+                        <a:spcBef>
+                          <a:spcPts val="0"/>
+                        </a:spcBef>
+                        <a:spcAft>
+                          <a:spcPts val="0"/>
+                        </a:spcAft>
+                        <a:buClrTx/>
+                        <a:buSzTx/>
+                        <a:buFontTx/>
+                        <a:buNone/>
+                        <a:tabLst/>
+                        <a:defRPr/>
+                      </a:pPr>
+                      <a:r>
+                        <a:rPr lang="en-US" sz="700" noProof="0" dirty="0">
+                          <a:solidFill>
+                            <a:srgbClr val="003B4C"/>
+                          </a:solidFill>
+                          <a:latin typeface="+mn-lt"/>
+                        </a:rPr>
+                        <a:t>Investment3</a:t>
+                      </a:r>
+                    </a:p>
+                  </a:txBody>
+                  <a:tcPr marL="0" marR="0" marT="0" marB="0" anchor="ctr">
+                    <a:lnL>
+                      <a:noFill/>
+                    </a:lnL>
+                    <a:lnR cap="flat">
+                      <a:noFill/>
+                    </a:lnR>
+                    <a:lnT w="6350" cap="flat" cmpd="sng" algn="ctr">
+                      <a:solidFill>
+                        <a:srgbClr val="DBD5CD"/>
+                      </a:solidFill>
+                      <a:prstDash val="solid"/>
+                      <a:round/>
+                      <a:headEnd type="none" w="med" len="med"/>
+                      <a:tailEnd type="none" w="med" len="med"/>
+                    </a:lnT>
+                    <a:lnB w="6350" cap="flat" cmpd="sng" algn="ctr">
+                      <a:solidFill>
+                        <a:srgbClr val="DBD5CD"/>
+                      </a:solidFill>
+                      <a:prstDash val="solid"/>
+                      <a:round/>
+                      <a:headEnd type="none" w="med" len="med"/>
+                      <a:tailEnd type="none" w="med" len="med"/>
+                    </a:lnB>
+                    <a:lnTlToBr>
+                      <a:noFill/>
+                    </a:lnTlToBr>
+                    <a:lnBlToTr>
+                      <a:noFill/>
+                    </a:lnBlToTr>
+                    <a:noFill/>
+                  </a:tcPr>
+                </a:tc>
+                <a:extLst>
+                  <a:ext uri="{0D108BD9-81ED-4DB2-BD59-A6C34878D82A}">
+                    <a16:rowId xmlns:a16="http://schemas.microsoft.com/office/drawing/2014/main" val="4263838716"/>
+                  </a:ext>
+                </a:extLst>
+              </a:tr>
+              <a:tr h="936243">
+                <a:tc>
+                  <a:txBody>
+                    <a:bodyPr/>
+                    <a:lstStyle/>
+                    <a:p>
+                      <a:pPr marL="0" marR="0" lvl="0" indent="0" algn="ctr" defTabSz="958850" rtl="0" eaLnBrk="1" fontAlgn="base" latinLnBrk="0" hangingPunct="1">
+                        <a:lnSpc>
+                          <a:spcPct val="100000"/>
+                        </a:lnSpc>
+                        <a:spcBef>
+                          <a:spcPct val="0"/>
+                        </a:spcBef>
+                        <a:spcAft>
+                          <a:spcPct val="0"/>
+                        </a:spcAft>
+                        <a:buClr>
+                          <a:srgbClr val="000080"/>
+                        </a:buClr>
+                        <a:buSzTx/>
+                        <a:buFont typeface="Wingdings" pitchFamily="2" charset="2"/>
+                        <a:buNone/>
+                        <a:tabLst/>
+                        <a:defRPr/>
+                      </a:pPr>
+                      <a:r>
+                        <a:rPr kumimoji="0" lang="en-US" sz="600" b="1" i="0" u="none" strike="noStrike" kern="1200" cap="none" spc="0" normalizeH="0" baseline="0" noProof="0" dirty="0">
+                          <a:ln>
+                            <a:noFill/>
+                          </a:ln>
+                          <a:solidFill>
+                            <a:srgbClr val="003B4C"/>
+                          </a:solidFill>
+                          <a:effectLst/>
+                          <a:uLnTx/>
+                          <a:uFillTx/>
+                          <a:latin typeface="Arial" panose="020B0604020202020204" pitchFamily="34" charset="0"/>
+                          <a:ea typeface="+mn-ea"/>
+                          <a:cs typeface="+mn-cs"/>
+                        </a:rPr>
+                        <a:t>#</a:t>
+                      </a:r>
+                      <a:endParaRPr lang="en-US" sz="600" b="1" i="0" u="none" kern="1200" noProof="0" dirty="0">
+                        <a:solidFill>
+                          <a:schemeClr val="tx2"/>
+                        </a:solidFill>
+                        <a:latin typeface="Arial" panose="020B0604020202020204" pitchFamily="34" charset="0"/>
+                        <a:ea typeface="+mn-ea"/>
+                        <a:cs typeface="+mn-cs"/>
+                      </a:endParaRPr>
+                    </a:p>
+                  </a:txBody>
+                  <a:tcPr marL="0" marR="84406" marT="0" marB="0" anchor="ctr" horzOverflow="overflow">
+                    <a:lnL cap="flat">
+                      <a:noFill/>
+                    </a:lnL>
+                    <a:lnR>
+                      <a:noFill/>
+                    </a:lnR>
+                    <a:lnT w="6350" cap="flat" cmpd="sng" algn="ctr">
+                      <a:solidFill>
+                        <a:srgbClr val="DBD5CD"/>
+                      </a:solidFill>
+                      <a:prstDash val="solid"/>
+                      <a:round/>
+                      <a:headEnd type="none" w="med" len="med"/>
+                      <a:tailEnd type="none" w="med" len="med"/>
+                    </a:lnT>
+                    <a:lnB w="6350" cap="flat" cmpd="sng" algn="ctr">
+                      <a:solidFill>
+                        <a:srgbClr val="DBD5CD"/>
+                      </a:solidFill>
+                      <a:prstDash val="solid"/>
+                      <a:round/>
+                      <a:headEnd type="none" w="med" len="med"/>
+                      <a:tailEnd type="none" w="med" len="med"/>
+                    </a:lnB>
+                    <a:lnTlToBr>
+                      <a:noFill/>
+                    </a:lnTlToBr>
+                    <a:lnBlToTr>
+                      <a:noFill/>
+                    </a:lnBlToTr>
+                    <a:solidFill>
+                      <a:srgbClr val="F0F5F7"/>
+                    </a:solidFill>
+                  </a:tcPr>
+                </a:tc>
+                <a:tc>
+                  <a:txBody>
+                    <a:bodyPr/>
+                    <a:lstStyle/>
+                    <a:p>
+                      <a:pPr marL="0" marR="0" lvl="0" indent="0" algn="l" defTabSz="958850" rtl="0" eaLnBrk="1" fontAlgn="base" latinLnBrk="0" hangingPunct="1">
+                        <a:lnSpc>
+                          <a:spcPct val="100000"/>
+                        </a:lnSpc>
+                        <a:spcBef>
+                          <a:spcPct val="0"/>
+                        </a:spcBef>
+                        <a:spcAft>
+                          <a:spcPct val="0"/>
+                        </a:spcAft>
+                        <a:buClr>
+                          <a:srgbClr val="000080"/>
+                        </a:buClr>
+                        <a:buSzTx/>
+                        <a:buFont typeface="Wingdings" pitchFamily="2" charset="2"/>
+                        <a:buNone/>
+                        <a:tabLst/>
+                        <a:defRPr/>
+                      </a:pPr>
+                      <a:endParaRPr kumimoji="0" lang="en-US" sz="700" b="0" i="0" u="none" strike="noStrike" kern="1200" cap="none" spc="0" normalizeH="0" baseline="0" noProof="0" dirty="0">
+                        <a:ln>
+                          <a:noFill/>
+                        </a:ln>
+                        <a:solidFill>
+                          <a:srgbClr val="003B4C"/>
+                        </a:solidFill>
+                        <a:effectLst/>
+                        <a:highlight>
+                          <a:srgbClr val="FFFF00"/>
+                        </a:highlight>
+                        <a:uLnTx/>
+                        <a:uFillTx/>
+                        <a:latin typeface="Arial" panose="020B0604020202020204" pitchFamily="34" charset="0"/>
+                        <a:ea typeface="+mn-ea"/>
+                        <a:cs typeface="+mn-cs"/>
+                      </a:endParaRPr>
+                    </a:p>
+                    <a:p>
+                      <a:pPr marL="0" marR="0" lvl="0" indent="0" algn="l" defTabSz="958850" rtl="0" eaLnBrk="1" fontAlgn="base" latinLnBrk="0" hangingPunct="1">
+                        <a:lnSpc>
+                          <a:spcPct val="100000"/>
+                        </a:lnSpc>
+                        <a:spcBef>
+                          <a:spcPct val="0"/>
+                        </a:spcBef>
+                        <a:spcAft>
+                          <a:spcPct val="0"/>
+                        </a:spcAft>
+                        <a:buClr>
+                          <a:srgbClr val="000080"/>
+                        </a:buClr>
+                        <a:buSzTx/>
+                        <a:buFont typeface="Wingdings" pitchFamily="2" charset="2"/>
+                        <a:buNone/>
+                        <a:tabLst/>
+                        <a:defRPr/>
+                      </a:pPr>
+                      <a:endParaRPr kumimoji="0" lang="en-US" sz="700" b="0" i="0" u="none" strike="noStrike" kern="1200" cap="none" spc="0" normalizeH="0" baseline="0" noProof="0" dirty="0">
+                        <a:ln>
+                          <a:noFill/>
+                        </a:ln>
+                        <a:solidFill>
+                          <a:srgbClr val="003B4C"/>
+                        </a:solidFill>
+                        <a:effectLst/>
+                        <a:highlight>
+                          <a:srgbClr val="FFFF00"/>
+                        </a:highlight>
+                        <a:uLnTx/>
+                        <a:uFillTx/>
+                        <a:latin typeface="Arial" panose="020B0604020202020204" pitchFamily="34" charset="0"/>
+                        <a:ea typeface="+mn-ea"/>
+                        <a:cs typeface="+mn-cs"/>
+                      </a:endParaRPr>
+                    </a:p>
+                    <a:p>
+                      <a:pPr marL="0" marR="0" lvl="0" indent="0" algn="l" defTabSz="958850" rtl="0" eaLnBrk="1" fontAlgn="base" latinLnBrk="0" hangingPunct="1">
+                        <a:lnSpc>
+                          <a:spcPct val="100000"/>
+                        </a:lnSpc>
+                        <a:spcBef>
+                          <a:spcPct val="0"/>
+                        </a:spcBef>
+                        <a:spcAft>
+                          <a:spcPct val="0"/>
+                        </a:spcAft>
+                        <a:buClr>
+                          <a:srgbClr val="000080"/>
+                        </a:buClr>
+                        <a:buSzTx/>
+                        <a:buFont typeface="Wingdings" pitchFamily="2" charset="2"/>
+                        <a:buNone/>
+                        <a:tabLst/>
+                        <a:defRPr/>
+                      </a:pPr>
+                      <a:endParaRPr kumimoji="0" lang="en-US" sz="700" b="0" i="0" u="none" strike="noStrike" kern="1200" cap="none" spc="0" normalizeH="0" baseline="0" noProof="0" dirty="0">
+                        <a:ln>
+                          <a:noFill/>
+                        </a:ln>
+                        <a:solidFill>
+                          <a:srgbClr val="003B4C"/>
+                        </a:solidFill>
+                        <a:effectLst/>
+                        <a:highlight>
+                          <a:srgbClr val="FFFF00"/>
+                        </a:highlight>
+                        <a:uLnTx/>
+                        <a:uFillTx/>
+                        <a:latin typeface="Arial" panose="020B0604020202020204" pitchFamily="34" charset="0"/>
+                        <a:ea typeface="+mn-ea"/>
+                        <a:cs typeface="+mn-cs"/>
+                      </a:endParaRPr>
+                    </a:p>
+                    <a:p>
+                      <a:pPr marL="0" marR="0" lvl="0" indent="0" algn="l" defTabSz="958850" rtl="0" eaLnBrk="1" fontAlgn="base" latinLnBrk="0" hangingPunct="1">
+                        <a:lnSpc>
+                          <a:spcPct val="100000"/>
+                        </a:lnSpc>
+                        <a:spcBef>
+                          <a:spcPct val="0"/>
+                        </a:spcBef>
+                        <a:spcAft>
+                          <a:spcPct val="0"/>
+                        </a:spcAft>
+                        <a:buClr>
+                          <a:srgbClr val="000080"/>
+                        </a:buClr>
+                        <a:buSzTx/>
+                        <a:buFont typeface="Wingdings" pitchFamily="2" charset="2"/>
+                        <a:buNone/>
+                        <a:tabLst/>
+                        <a:defRPr/>
+                      </a:pPr>
+                      <a:endParaRPr kumimoji="0" lang="en-US" sz="700" b="0" i="0" u="none" strike="noStrike" kern="1200" cap="none" spc="0" normalizeH="0" baseline="0" noProof="0" dirty="0">
+                        <a:ln>
+                          <a:noFill/>
+                        </a:ln>
+                        <a:solidFill>
+                          <a:srgbClr val="003B4C"/>
+                        </a:solidFill>
+                        <a:effectLst/>
+                        <a:highlight>
+                          <a:srgbClr val="FFFF00"/>
+                        </a:highlight>
+                        <a:uLnTx/>
+                        <a:uFillTx/>
+                        <a:latin typeface="Arial" panose="020B0604020202020204" pitchFamily="34" charset="0"/>
+                        <a:ea typeface="+mn-ea"/>
+                        <a:cs typeface="+mn-cs"/>
+                      </a:endParaRPr>
+                    </a:p>
+                    <a:p>
+                      <a:pPr marL="0" marR="0" lvl="0" indent="0" algn="l" defTabSz="958850" rtl="0" eaLnBrk="1" fontAlgn="base" latinLnBrk="0" hangingPunct="1">
+                        <a:lnSpc>
+                          <a:spcPct val="100000"/>
+                        </a:lnSpc>
+                        <a:spcBef>
+                          <a:spcPct val="0"/>
+                        </a:spcBef>
+                        <a:spcAft>
+                          <a:spcPct val="0"/>
+                        </a:spcAft>
+                        <a:buClr>
+                          <a:srgbClr val="000080"/>
+                        </a:buClr>
+                        <a:buSzTx/>
+                        <a:buFont typeface="Wingdings" pitchFamily="2" charset="2"/>
+                        <a:buNone/>
+                        <a:tabLst/>
+                        <a:defRPr/>
+                      </a:pPr>
+                      <a:endParaRPr kumimoji="0" lang="en-US" sz="700" b="0" i="0" u="none" strike="noStrike" kern="1200" cap="none" spc="0" normalizeH="0" baseline="0" noProof="0" dirty="0">
+                        <a:ln>
+                          <a:noFill/>
+                        </a:ln>
+                        <a:solidFill>
+                          <a:srgbClr val="003B4C"/>
+                        </a:solidFill>
+                        <a:effectLst/>
+                        <a:highlight>
+                          <a:srgbClr val="FFFF00"/>
+                        </a:highlight>
+                        <a:uLnTx/>
+                        <a:uFillTx/>
+                        <a:latin typeface="Arial" panose="020B0604020202020204" pitchFamily="34" charset="0"/>
+                        <a:ea typeface="+mn-ea"/>
+                        <a:cs typeface="+mn-cs"/>
+                      </a:endParaRPr>
+                    </a:p>
+                    <a:p>
+                      <a:pPr marL="0" marR="0" lvl="0" indent="0" algn="l" defTabSz="958850" rtl="0" eaLnBrk="1" fontAlgn="base" latinLnBrk="0" hangingPunct="1">
+                        <a:lnSpc>
+                          <a:spcPct val="100000"/>
+                        </a:lnSpc>
+                        <a:spcBef>
+                          <a:spcPct val="0"/>
+                        </a:spcBef>
+                        <a:spcAft>
+                          <a:spcPct val="0"/>
+                        </a:spcAft>
+                        <a:buClr>
+                          <a:srgbClr val="000080"/>
+                        </a:buClr>
+                        <a:buSzTx/>
+                        <a:buFont typeface="Wingdings" pitchFamily="2" charset="2"/>
+                        <a:buNone/>
+                        <a:tabLst/>
+                        <a:defRPr/>
+                      </a:pPr>
+                      <a:endParaRPr kumimoji="0" lang="en-US" sz="700" b="0" i="0" u="none" strike="noStrike" kern="1200" cap="none" spc="0" normalizeH="0" baseline="0" noProof="0" dirty="0">
+                        <a:ln>
+                          <a:noFill/>
+                        </a:ln>
+                        <a:solidFill>
+                          <a:srgbClr val="003B4C"/>
+                        </a:solidFill>
+                        <a:effectLst/>
+                        <a:highlight>
+                          <a:srgbClr val="FFFF00"/>
+                        </a:highlight>
+                        <a:uLnTx/>
+                        <a:uFillTx/>
+                        <a:latin typeface="Arial" panose="020B0604020202020204" pitchFamily="34" charset="0"/>
+                        <a:ea typeface="+mn-ea"/>
+                        <a:cs typeface="+mn-cs"/>
+                      </a:endParaRPr>
+                    </a:p>
+                    <a:p>
+                      <a:pPr marL="0" marR="0" lvl="0" indent="0" algn="l" defTabSz="958850" rtl="0" eaLnBrk="1" fontAlgn="base" latinLnBrk="0" hangingPunct="1">
+                        <a:lnSpc>
+                          <a:spcPct val="100000"/>
+                        </a:lnSpc>
+                        <a:spcBef>
+                          <a:spcPct val="0"/>
+                        </a:spcBef>
+                        <a:spcAft>
+                          <a:spcPct val="0"/>
+                        </a:spcAft>
+                        <a:buClr>
+                          <a:srgbClr val="000080"/>
+                        </a:buClr>
+                        <a:buSzTx/>
+                        <a:buFont typeface="Wingdings" pitchFamily="2" charset="2"/>
+                        <a:buNone/>
+                        <a:tabLst/>
+                        <a:defRPr/>
+                      </a:pPr>
+                      <a:r>
+                        <a:rPr kumimoji="0" lang="en-US" sz="700" b="0" i="0" u="none" strike="noStrike" kern="1200" cap="none" spc="0" normalizeH="0" baseline="0" noProof="0" dirty="0">
+                          <a:ln>
+                            <a:noFill/>
+                          </a:ln>
+                          <a:solidFill>
+                            <a:srgbClr val="003B4C"/>
+                          </a:solidFill>
+                          <a:effectLst/>
+                          <a:uLnTx/>
+                          <a:uFillTx/>
+                          <a:latin typeface="Arial" panose="020B0604020202020204" pitchFamily="34" charset="0"/>
+                          <a:ea typeface="+mn-ea"/>
+                          <a:cs typeface="+mn-cs"/>
+                        </a:rPr>
+                        <a:t>Country2</a:t>
+                      </a:r>
+                    </a:p>
+                  </a:txBody>
+                  <a:tcPr marL="0" marR="84406" marT="0" marB="0" anchor="ctr" horzOverflow="overflow">
+                    <a:lnL cap="flat">
+                      <a:noFill/>
+                    </a:lnL>
+                    <a:lnR>
+                      <a:noFill/>
+                    </a:lnR>
+                    <a:lnT w="6350" cap="flat" cmpd="sng" algn="ctr">
+                      <a:solidFill>
+                        <a:srgbClr val="DBD5CD"/>
+                      </a:solidFill>
+                      <a:prstDash val="solid"/>
+                      <a:round/>
+                      <a:headEnd type="none" w="med" len="med"/>
+                      <a:tailEnd type="none" w="med" len="med"/>
+                    </a:lnT>
+                    <a:lnB w="6350" cap="flat" cmpd="sng" algn="ctr">
+                      <a:solidFill>
+                        <a:srgbClr val="DBD5CD"/>
+                      </a:solidFill>
+                      <a:prstDash val="solid"/>
+                      <a:round/>
+                      <a:headEnd type="none" w="med" len="med"/>
+                      <a:tailEnd type="none" w="med" len="med"/>
+                    </a:lnB>
+                    <a:lnTlToBr>
+                      <a:noFill/>
+                    </a:lnTlToBr>
+                    <a:lnBlToTr>
+                      <a:noFill/>
+                    </a:lnBlToTr>
+                    <a:solidFill>
+                      <a:srgbClr val="F0F5F7"/>
+                    </a:solidFill>
+                  </a:tcPr>
+                </a:tc>
+                <a:tc>
+                  <a:txBody>
+                    <a:bodyPr/>
+                    <a:lstStyle/>
+                    <a:p>
+                      <a:pPr marL="0" marR="0" lvl="0" indent="0" algn="l" defTabSz="914395" rtl="0" eaLnBrk="1" fontAlgn="t" latinLnBrk="0" hangingPunct="1">
+                        <a:lnSpc>
+                          <a:spcPct val="100000"/>
+                        </a:lnSpc>
+                        <a:spcBef>
+                          <a:spcPts val="0"/>
+                        </a:spcBef>
+                        <a:spcAft>
+                          <a:spcPts val="0"/>
+                        </a:spcAft>
+                        <a:buClr>
+                          <a:srgbClr val="003B4C"/>
+                        </a:buClr>
+                        <a:buSzTx/>
+                        <a:buFont typeface="Wingdings" panose="05000000000000000000" pitchFamily="2" charset="2"/>
+                        <a:buNone/>
+                        <a:tabLst/>
+                        <a:defRPr/>
+                      </a:pPr>
+                      <a:r>
+                        <a:rPr kumimoji="0" lang="en-US" sz="700" b="0" i="0" u="none" strike="noStrike" kern="1200" cap="none" spc="0" normalizeH="0" baseline="0" noProof="0" dirty="0">
+                          <a:ln>
+                            <a:noFill/>
+                          </a:ln>
+                          <a:solidFill>
+                            <a:srgbClr val="003B4C"/>
+                          </a:solidFill>
+                          <a:effectLst/>
+                          <a:uLnTx/>
+                          <a:uFillTx/>
+                          <a:latin typeface="Arial" panose="020B0604020202020204" pitchFamily="34" charset="0"/>
+                          <a:ea typeface="+mn-ea"/>
+                          <a:cs typeface="+mn-cs"/>
+                        </a:rPr>
+                        <a:t>Type2</a:t>
+                      </a:r>
+                    </a:p>
+                  </a:txBody>
+                  <a:tcPr marL="168812" marR="0" marT="0" marB="0" anchor="ctr">
+                    <a:lnL>
+                      <a:noFill/>
+                    </a:lnL>
+                    <a:lnR>
+                      <a:noFill/>
+                    </a:lnR>
+                    <a:lnT w="6350" cap="flat" cmpd="sng" algn="ctr">
+                      <a:solidFill>
+                        <a:srgbClr val="DBD5CD"/>
+                      </a:solidFill>
+                      <a:prstDash val="solid"/>
+                      <a:round/>
+                      <a:headEnd type="none" w="med" len="med"/>
+                      <a:tailEnd type="none" w="med" len="med"/>
+                    </a:lnT>
+                    <a:lnB w="6350" cap="flat" cmpd="sng" algn="ctr">
+                      <a:solidFill>
+                        <a:srgbClr val="DBD5CD"/>
+                      </a:solidFill>
+                      <a:prstDash val="solid"/>
+                      <a:round/>
+                      <a:headEnd type="none" w="med" len="med"/>
+                      <a:tailEnd type="none" w="med" len="med"/>
+                    </a:lnB>
+                    <a:lnTlToBr>
+                      <a:noFill/>
+                    </a:lnTlToBr>
+                    <a:lnBlToTr>
+                      <a:noFill/>
+                    </a:lnBlToTr>
+                    <a:solidFill>
+                      <a:srgbClr val="F0F5F7"/>
+                    </a:solidFill>
+                  </a:tcPr>
+                </a:tc>
+                <a:tc>
+                  <a:txBody>
+                    <a:bodyPr/>
+                    <a:lstStyle/>
+                    <a:p>
+                      <a:pPr marL="0" marR="0" lvl="0" indent="0" algn="ctr" defTabSz="914395" rtl="0" eaLnBrk="1" fontAlgn="t" latinLnBrk="0" hangingPunct="1">
+                        <a:lnSpc>
+                          <a:spcPct val="100000"/>
+                        </a:lnSpc>
+                        <a:spcBef>
+                          <a:spcPts val="0"/>
+                        </a:spcBef>
+                        <a:spcAft>
+                          <a:spcPts val="0"/>
+                        </a:spcAft>
+                        <a:buClrTx/>
+                        <a:buSzTx/>
+                        <a:buFontTx/>
+                        <a:buNone/>
+                        <a:tabLst/>
+                        <a:defRPr/>
+                      </a:pPr>
+                      <a:r>
+                        <a:rPr kumimoji="0" lang="en-US" sz="700" b="0" i="0" u="none" strike="noStrike" kern="1200" cap="none" spc="0" normalizeH="0" baseline="0" noProof="0" dirty="0">
+                          <a:ln>
+                            <a:noFill/>
+                          </a:ln>
+                          <a:solidFill>
+                            <a:srgbClr val="003B4C"/>
+                          </a:solidFill>
+                          <a:effectLst/>
+                          <a:uLnTx/>
+                          <a:uFillTx/>
+                          <a:latin typeface="Arial" panose="020B0604020202020204" pitchFamily="34" charset="0"/>
+                          <a:ea typeface="+mn-ea"/>
+                          <a:cs typeface="+mn-cs"/>
+                        </a:rPr>
+                        <a:t>DryPowder2</a:t>
+                      </a:r>
+                    </a:p>
+                    <a:p>
+                      <a:pPr marL="0" marR="0" lvl="0" indent="0" algn="ctr" defTabSz="914395" rtl="0" eaLnBrk="1" fontAlgn="t" latinLnBrk="0" hangingPunct="1">
+                        <a:lnSpc>
+                          <a:spcPct val="100000"/>
+                        </a:lnSpc>
+                        <a:spcBef>
+                          <a:spcPts val="0"/>
+                        </a:spcBef>
+                        <a:spcAft>
+                          <a:spcPts val="0"/>
+                        </a:spcAft>
+                        <a:buClrTx/>
+                        <a:buSzTx/>
+                        <a:buFontTx/>
+                        <a:buNone/>
+                        <a:tabLst/>
+                        <a:defRPr/>
+                      </a:pPr>
+                      <a:r>
+                        <a:rPr kumimoji="0" lang="en-US" sz="700" b="0" i="0" u="none" strike="noStrike" kern="1200" cap="none" spc="0" normalizeH="0" baseline="0" noProof="0" dirty="0">
+                          <a:ln>
+                            <a:noFill/>
+                          </a:ln>
+                          <a:solidFill>
+                            <a:srgbClr val="003B4C"/>
+                          </a:solidFill>
+                          <a:effectLst/>
+                          <a:uLnTx/>
+                          <a:uFillTx/>
+                          <a:latin typeface="Arial" panose="020B0604020202020204" pitchFamily="34" charset="0"/>
+                          <a:ea typeface="+mn-ea"/>
+                          <a:cs typeface="+mn-cs"/>
+                        </a:rPr>
+                        <a:t>AUM2</a:t>
+                      </a:r>
+                      <a:endParaRPr kumimoji="0" lang="en-US" sz="700" b="0" i="0" u="none" strike="noStrike" kern="1200" cap="none" spc="0" normalizeH="0" baseline="0" noProof="0" dirty="0">
+                        <a:ln>
+                          <a:noFill/>
+                        </a:ln>
+                        <a:solidFill>
+                          <a:srgbClr val="FF0000"/>
+                        </a:solidFill>
+                        <a:effectLst/>
+                        <a:uLnTx/>
+                        <a:uFillTx/>
+                        <a:latin typeface="+mn-lt"/>
+                        <a:ea typeface="+mn-ea"/>
+                        <a:cs typeface="+mn-cs"/>
+                      </a:endParaRPr>
+                    </a:p>
+                  </a:txBody>
+                  <a:tcPr marL="0" marR="0" marT="0" marB="0" anchor="ctr">
+                    <a:lnL>
+                      <a:noFill/>
+                    </a:lnL>
+                    <a:lnR cap="flat">
+                      <a:noFill/>
+                    </a:lnR>
+                    <a:lnT w="6350" cap="flat" cmpd="sng" algn="ctr">
+                      <a:solidFill>
+                        <a:srgbClr val="DBD5CD"/>
+                      </a:solidFill>
+                      <a:prstDash val="solid"/>
+                      <a:round/>
+                      <a:headEnd type="none" w="med" len="med"/>
+                      <a:tailEnd type="none" w="med" len="med"/>
+                    </a:lnT>
+                    <a:lnB w="6350" cap="flat" cmpd="sng" algn="ctr">
+                      <a:solidFill>
+                        <a:srgbClr val="DBD5CD"/>
+                      </a:solidFill>
+                      <a:prstDash val="solid"/>
+                      <a:round/>
+                      <a:headEnd type="none" w="med" len="med"/>
+                      <a:tailEnd type="none" w="med" len="med"/>
+                    </a:lnB>
+                    <a:lnTlToBr>
+                      <a:noFill/>
+                    </a:lnTlToBr>
+                    <a:lnBlToTr>
+                      <a:noFill/>
+                    </a:lnBlToTr>
+                    <a:solidFill>
+                      <a:srgbClr val="F0F5F7"/>
+                    </a:solidFill>
+                  </a:tcPr>
+                </a:tc>
+                <a:tc>
+                  <a:txBody>
+                    <a:bodyPr/>
+                    <a:lstStyle/>
+                    <a:p>
+                      <a:pPr marL="0" marR="0" lvl="0" indent="0" algn="ctr" defTabSz="914395" rtl="0" eaLnBrk="1" fontAlgn="t" latinLnBrk="0" hangingPunct="1">
+                        <a:lnSpc>
+                          <a:spcPct val="100000"/>
+                        </a:lnSpc>
+                        <a:spcBef>
+                          <a:spcPts val="0"/>
+                        </a:spcBef>
+                        <a:spcAft>
+                          <a:spcPts val="0"/>
+                        </a:spcAft>
+                        <a:buClrTx/>
+                        <a:buSzTx/>
+                        <a:buFontTx/>
+                        <a:buNone/>
+                        <a:tabLst/>
+                        <a:defRPr/>
+                      </a:pPr>
+                      <a:r>
+                        <a:rPr kumimoji="0" lang="en-US" sz="2200" b="0" i="0" u="none" strike="noStrike" kern="1200" cap="none" spc="0" normalizeH="0" baseline="0" noProof="0" dirty="0">
+                          <a:ln>
+                            <a:noFill/>
+                          </a:ln>
+                          <a:solidFill>
+                            <a:srgbClr val="00A87E"/>
+                          </a:solidFill>
+                          <a:effectLst/>
+                          <a:uLnTx/>
+                          <a:uFillTx/>
+                          <a:latin typeface="+mn-lt"/>
+                          <a:ea typeface="+mn-ea"/>
+                          <a:cs typeface="+mn-cs"/>
+                          <a:sym typeface="Wingdings"/>
+                        </a:rPr>
+                        <a:t></a:t>
+                      </a:r>
+                      <a:endParaRPr kumimoji="0" lang="en-US" sz="2200" b="0" i="0" u="none" strike="noStrike" kern="1200" cap="none" spc="0" normalizeH="0" baseline="0" noProof="0" dirty="0">
+                        <a:ln>
+                          <a:noFill/>
+                        </a:ln>
+                        <a:solidFill>
+                          <a:srgbClr val="FF0000"/>
+                        </a:solidFill>
+                        <a:effectLst/>
+                        <a:uLnTx/>
+                        <a:uFillTx/>
+                        <a:latin typeface="+mn-lt"/>
+                        <a:ea typeface="+mn-ea"/>
+                        <a:cs typeface="+mn-cs"/>
+                      </a:endParaRPr>
+                    </a:p>
+                  </a:txBody>
+                  <a:tcPr marL="0" marR="0" marT="0" marB="0" anchor="ctr">
+                    <a:lnL>
+                      <a:noFill/>
+                    </a:lnL>
+                    <a:lnR cap="flat">
+                      <a:noFill/>
+                    </a:lnR>
+                    <a:lnT w="6350" cap="flat" cmpd="sng" algn="ctr">
+                      <a:solidFill>
+                        <a:srgbClr val="DBD5CD"/>
+                      </a:solidFill>
+                      <a:prstDash val="solid"/>
+                      <a:round/>
+                      <a:headEnd type="none" w="med" len="med"/>
+                      <a:tailEnd type="none" w="med" len="med"/>
+                    </a:lnT>
+                    <a:lnB w="6350" cap="flat" cmpd="sng" algn="ctr">
+                      <a:solidFill>
+                        <a:srgbClr val="DBD5CD"/>
+                      </a:solidFill>
+                      <a:prstDash val="solid"/>
+                      <a:round/>
+                      <a:headEnd type="none" w="med" len="med"/>
+                      <a:tailEnd type="none" w="med" len="med"/>
+                    </a:lnB>
+                    <a:lnTlToBr>
+                      <a:noFill/>
+                    </a:lnTlToBr>
+                    <a:lnBlToTr>
+                      <a:noFill/>
+                    </a:lnBlToTr>
+                    <a:solidFill>
+                      <a:srgbClr val="F0F5F7"/>
+                    </a:solidFill>
+                  </a:tcPr>
+                </a:tc>
+                <a:tc>
+                  <a:txBody>
+                    <a:bodyPr/>
+                    <a:lstStyle/>
+                    <a:p>
+                      <a:pPr marL="0" marR="0" lvl="0" indent="0" algn="ctr" defTabSz="914395" rtl="0" eaLnBrk="1" fontAlgn="t" latinLnBrk="0" hangingPunct="1">
+                        <a:lnSpc>
+                          <a:spcPct val="100000"/>
+                        </a:lnSpc>
+                        <a:spcBef>
+                          <a:spcPts val="0"/>
+                        </a:spcBef>
+                        <a:spcAft>
+                          <a:spcPts val="0"/>
+                        </a:spcAft>
+                        <a:buClrTx/>
+                        <a:buSzTx/>
+                        <a:buFontTx/>
+                        <a:buNone/>
+                        <a:tabLst/>
+                        <a:defRPr/>
+                      </a:pPr>
+                      <a:endParaRPr lang="en-US" sz="700" noProof="0" dirty="0">
+                        <a:solidFill>
+                          <a:srgbClr val="003B4C"/>
+                        </a:solidFill>
+                        <a:latin typeface="+mn-lt"/>
+                      </a:endParaRPr>
+                    </a:p>
+                    <a:p>
+                      <a:pPr marL="0" marR="0" lvl="0" indent="0" algn="ctr" defTabSz="914395" rtl="0" eaLnBrk="1" fontAlgn="t" latinLnBrk="0" hangingPunct="1">
+                        <a:lnSpc>
+                          <a:spcPct val="100000"/>
+                        </a:lnSpc>
+                        <a:spcBef>
+                          <a:spcPts val="0"/>
+                        </a:spcBef>
+                        <a:spcAft>
+                          <a:spcPts val="0"/>
+                        </a:spcAft>
+                        <a:buClrTx/>
+                        <a:buSzTx/>
+                        <a:buFontTx/>
+                        <a:buNone/>
+                        <a:tabLst/>
+                        <a:defRPr/>
+                      </a:pPr>
+                      <a:endParaRPr lang="en-US" sz="700" noProof="0" dirty="0">
+                        <a:solidFill>
+                          <a:srgbClr val="003B4C"/>
+                        </a:solidFill>
+                        <a:latin typeface="+mn-lt"/>
+                      </a:endParaRPr>
+                    </a:p>
+                    <a:p>
+                      <a:pPr marL="0" marR="0" lvl="0" indent="0" algn="ctr" defTabSz="914395" rtl="0" eaLnBrk="1" fontAlgn="t" latinLnBrk="0" hangingPunct="1">
+                        <a:lnSpc>
+                          <a:spcPct val="100000"/>
+                        </a:lnSpc>
+                        <a:spcBef>
+                          <a:spcPts val="0"/>
+                        </a:spcBef>
+                        <a:spcAft>
+                          <a:spcPts val="0"/>
+                        </a:spcAft>
+                        <a:buClrTx/>
+                        <a:buSzTx/>
+                        <a:buFontTx/>
+                        <a:buNone/>
+                        <a:tabLst/>
+                        <a:defRPr/>
+                      </a:pPr>
+                      <a:endParaRPr lang="en-US" sz="700" noProof="0" dirty="0">
+                        <a:solidFill>
+                          <a:srgbClr val="003B4C"/>
+                        </a:solidFill>
+                        <a:latin typeface="+mn-lt"/>
+                      </a:endParaRPr>
+                    </a:p>
+                    <a:p>
+                      <a:pPr marL="0" marR="0" lvl="0" indent="0" algn="ctr" defTabSz="914395" rtl="0" eaLnBrk="1" fontAlgn="t" latinLnBrk="0" hangingPunct="1">
+                        <a:lnSpc>
+                          <a:spcPct val="100000"/>
+                        </a:lnSpc>
+                        <a:spcBef>
+                          <a:spcPts val="0"/>
+                        </a:spcBef>
+                        <a:spcAft>
+                          <a:spcPts val="0"/>
+                        </a:spcAft>
+                        <a:buClrTx/>
+                        <a:buSzTx/>
+                        <a:buFontTx/>
+                        <a:buNone/>
+                        <a:tabLst/>
+                        <a:defRPr/>
+                      </a:pPr>
+                      <a:endParaRPr lang="en-US" sz="700" noProof="0" dirty="0">
+                        <a:solidFill>
+                          <a:srgbClr val="003B4C"/>
+                        </a:solidFill>
+                        <a:latin typeface="+mn-lt"/>
+                      </a:endParaRPr>
+                    </a:p>
+                    <a:p>
+                      <a:pPr marL="0" marR="0" lvl="0" indent="0" algn="ctr" defTabSz="914395" rtl="0" eaLnBrk="1" fontAlgn="t" latinLnBrk="0" hangingPunct="1">
+                        <a:lnSpc>
+                          <a:spcPct val="100000"/>
+                        </a:lnSpc>
+                        <a:spcBef>
+                          <a:spcPts val="0"/>
+                        </a:spcBef>
+                        <a:spcAft>
+                          <a:spcPts val="0"/>
+                        </a:spcAft>
+                        <a:buClrTx/>
+                        <a:buSzTx/>
+                        <a:buFontTx/>
+                        <a:buNone/>
+                        <a:tabLst/>
+                        <a:defRPr/>
+                      </a:pPr>
+                      <a:endParaRPr lang="en-US" sz="700" noProof="0" dirty="0">
+                        <a:solidFill>
+                          <a:srgbClr val="003B4C"/>
+                        </a:solidFill>
+                        <a:latin typeface="+mn-lt"/>
+                      </a:endParaRPr>
+                    </a:p>
+                    <a:p>
+                      <a:pPr marL="0" marR="0" lvl="0" indent="0" algn="ctr" defTabSz="914395" rtl="0" eaLnBrk="1" fontAlgn="t" latinLnBrk="0" hangingPunct="1">
+                        <a:lnSpc>
+                          <a:spcPct val="100000"/>
+                        </a:lnSpc>
+                        <a:spcBef>
+                          <a:spcPts val="0"/>
+                        </a:spcBef>
+                        <a:spcAft>
+                          <a:spcPts val="0"/>
+                        </a:spcAft>
+                        <a:buClrTx/>
+                        <a:buSzTx/>
+                        <a:buFontTx/>
+                        <a:buNone/>
+                        <a:tabLst/>
+                        <a:defRPr/>
+                      </a:pPr>
+                      <a:r>
+                        <a:rPr lang="en-US" sz="700" noProof="0" dirty="0">
+                          <a:solidFill>
+                            <a:srgbClr val="003B4C"/>
+                          </a:solidFill>
+                          <a:latin typeface="+mn-lt"/>
+                        </a:rPr>
+                        <a:t>Investment1</a:t>
+                      </a:r>
+                    </a:p>
+                  </a:txBody>
+                  <a:tcPr marL="0" marR="0" marT="0" marB="0" anchor="ctr">
+                    <a:lnL>
+                      <a:noFill/>
+                    </a:lnL>
+                    <a:lnR cap="flat">
+                      <a:noFill/>
+                    </a:lnR>
+                    <a:lnT w="6350" cap="flat" cmpd="sng" algn="ctr">
+                      <a:solidFill>
+                        <a:srgbClr val="DBD5CD"/>
+                      </a:solidFill>
+                      <a:prstDash val="solid"/>
+                      <a:round/>
+                      <a:headEnd type="none" w="med" len="med"/>
+                      <a:tailEnd type="none" w="med" len="med"/>
+                    </a:lnT>
+                    <a:lnB w="6350" cap="flat" cmpd="sng" algn="ctr">
+                      <a:solidFill>
+                        <a:srgbClr val="DBD5CD"/>
+                      </a:solidFill>
+                      <a:prstDash val="solid"/>
+                      <a:round/>
+                      <a:headEnd type="none" w="med" len="med"/>
+                      <a:tailEnd type="none" w="med" len="med"/>
+                    </a:lnB>
+                    <a:lnTlToBr>
+                      <a:noFill/>
+                    </a:lnTlToBr>
+                    <a:lnBlToTr>
+                      <a:noFill/>
+                    </a:lnBlToTr>
+                    <a:solidFill>
+                      <a:srgbClr val="F0F5F7"/>
+                    </a:solidFill>
+                  </a:tcPr>
+                </a:tc>
+                <a:tc>
+                  <a:txBody>
+                    <a:bodyPr/>
+                    <a:lstStyle/>
+                    <a:p>
+                      <a:pPr marL="0" marR="0" lvl="0" indent="0" algn="ctr" defTabSz="914395" rtl="0" eaLnBrk="1" fontAlgn="t" latinLnBrk="0" hangingPunct="1">
+                        <a:lnSpc>
+                          <a:spcPct val="100000"/>
+                        </a:lnSpc>
+                        <a:spcBef>
+                          <a:spcPts val="0"/>
+                        </a:spcBef>
+                        <a:spcAft>
+                          <a:spcPts val="0"/>
+                        </a:spcAft>
+                        <a:buClrTx/>
+                        <a:buSzTx/>
+                        <a:buFontTx/>
+                        <a:buNone/>
+                        <a:tabLst/>
+                        <a:defRPr/>
+                      </a:pPr>
+                      <a:endParaRPr lang="en-US" sz="700" noProof="0" dirty="0">
+                        <a:solidFill>
+                          <a:srgbClr val="003B4C"/>
+                        </a:solidFill>
+                        <a:latin typeface="+mn-lt"/>
+                      </a:endParaRPr>
+                    </a:p>
+                    <a:p>
+                      <a:pPr marL="0" marR="0" lvl="0" indent="0" algn="ctr" defTabSz="914395" rtl="0" eaLnBrk="1" fontAlgn="t" latinLnBrk="0" hangingPunct="1">
+                        <a:lnSpc>
+                          <a:spcPct val="100000"/>
+                        </a:lnSpc>
+                        <a:spcBef>
+                          <a:spcPts val="0"/>
+                        </a:spcBef>
+                        <a:spcAft>
+                          <a:spcPts val="0"/>
+                        </a:spcAft>
+                        <a:buClrTx/>
+                        <a:buSzTx/>
+                        <a:buFontTx/>
+                        <a:buNone/>
+                        <a:tabLst/>
+                        <a:defRPr/>
+                      </a:pPr>
+                      <a:endParaRPr lang="en-US" sz="700" noProof="0" dirty="0">
+                        <a:solidFill>
+                          <a:srgbClr val="003B4C"/>
+                        </a:solidFill>
+                        <a:latin typeface="+mn-lt"/>
+                      </a:endParaRPr>
+                    </a:p>
+                    <a:p>
+                      <a:pPr marL="0" marR="0" lvl="0" indent="0" algn="ctr" defTabSz="914395" rtl="0" eaLnBrk="1" fontAlgn="t" latinLnBrk="0" hangingPunct="1">
+                        <a:lnSpc>
+                          <a:spcPct val="100000"/>
+                        </a:lnSpc>
+                        <a:spcBef>
+                          <a:spcPts val="0"/>
+                        </a:spcBef>
+                        <a:spcAft>
+                          <a:spcPts val="0"/>
+                        </a:spcAft>
+                        <a:buClrTx/>
+                        <a:buSzTx/>
+                        <a:buFontTx/>
+                        <a:buNone/>
+                        <a:tabLst/>
+                        <a:defRPr/>
+                      </a:pPr>
+                      <a:endParaRPr lang="en-US" sz="700" noProof="0" dirty="0">
+                        <a:solidFill>
+                          <a:srgbClr val="003B4C"/>
+                        </a:solidFill>
+                        <a:latin typeface="+mn-lt"/>
+                      </a:endParaRPr>
+                    </a:p>
+                    <a:p>
+                      <a:pPr marL="0" marR="0" lvl="0" indent="0" algn="ctr" defTabSz="914395" rtl="0" eaLnBrk="1" fontAlgn="t" latinLnBrk="0" hangingPunct="1">
+                        <a:lnSpc>
+                          <a:spcPct val="100000"/>
+                        </a:lnSpc>
+                        <a:spcBef>
+                          <a:spcPts val="0"/>
+                        </a:spcBef>
+                        <a:spcAft>
+                          <a:spcPts val="0"/>
+                        </a:spcAft>
+                        <a:buClrTx/>
+                        <a:buSzTx/>
+                        <a:buFontTx/>
+                        <a:buNone/>
+                        <a:tabLst/>
+                        <a:defRPr/>
+                      </a:pPr>
+                      <a:endParaRPr lang="en-US" sz="700" noProof="0" dirty="0">
+                        <a:solidFill>
+                          <a:srgbClr val="003B4C"/>
+                        </a:solidFill>
+                        <a:latin typeface="+mn-lt"/>
+                      </a:endParaRPr>
+                    </a:p>
+                    <a:p>
+                      <a:pPr marL="0" marR="0" lvl="0" indent="0" algn="ctr" defTabSz="914395" rtl="0" eaLnBrk="1" fontAlgn="t" latinLnBrk="0" hangingPunct="1">
+                        <a:lnSpc>
+                          <a:spcPct val="100000"/>
+                        </a:lnSpc>
+                        <a:spcBef>
+                          <a:spcPts val="0"/>
+                        </a:spcBef>
+                        <a:spcAft>
+                          <a:spcPts val="0"/>
+                        </a:spcAft>
+                        <a:buClrTx/>
+                        <a:buSzTx/>
+                        <a:buFontTx/>
+                        <a:buNone/>
+                        <a:tabLst/>
+                        <a:defRPr/>
+                      </a:pPr>
+                      <a:endParaRPr lang="en-US" sz="700" noProof="0" dirty="0">
+                        <a:solidFill>
+                          <a:srgbClr val="003B4C"/>
+                        </a:solidFill>
+                        <a:latin typeface="+mn-lt"/>
+                      </a:endParaRPr>
+                    </a:p>
+                    <a:p>
+                      <a:pPr marL="0" marR="0" lvl="0" indent="0" algn="ctr" defTabSz="914395" rtl="0" eaLnBrk="1" fontAlgn="t" latinLnBrk="0" hangingPunct="1">
+                        <a:lnSpc>
+                          <a:spcPct val="100000"/>
+                        </a:lnSpc>
+                        <a:spcBef>
+                          <a:spcPts val="0"/>
+                        </a:spcBef>
+                        <a:spcAft>
+                          <a:spcPts val="0"/>
+                        </a:spcAft>
+                        <a:buClrTx/>
+                        <a:buSzTx/>
+                        <a:buFontTx/>
+                        <a:buNone/>
+                        <a:tabLst/>
+                        <a:defRPr/>
+                      </a:pPr>
+                      <a:r>
+                        <a:rPr lang="en-US" sz="700" noProof="0" dirty="0">
+                          <a:solidFill>
+                            <a:srgbClr val="003B4C"/>
+                          </a:solidFill>
+                          <a:latin typeface="+mn-lt"/>
+                        </a:rPr>
+                        <a:t>Investment2</a:t>
+                      </a:r>
+                    </a:p>
+                  </a:txBody>
+                  <a:tcPr marL="0" marR="0" marT="0" marB="0" anchor="ctr">
+                    <a:lnL>
+                      <a:noFill/>
+                    </a:lnL>
+                    <a:lnR cap="flat">
+                      <a:noFill/>
+                    </a:lnR>
+                    <a:lnT w="6350" cap="flat" cmpd="sng" algn="ctr">
+                      <a:solidFill>
+                        <a:srgbClr val="DBD5CD"/>
+                      </a:solidFill>
+                      <a:prstDash val="solid"/>
+                      <a:round/>
+                      <a:headEnd type="none" w="med" len="med"/>
+                      <a:tailEnd type="none" w="med" len="med"/>
+                    </a:lnT>
+                    <a:lnB w="6350" cap="flat" cmpd="sng" algn="ctr">
+                      <a:solidFill>
+                        <a:srgbClr val="DBD5CD"/>
+                      </a:solidFill>
+                      <a:prstDash val="solid"/>
+                      <a:round/>
+                      <a:headEnd type="none" w="med" len="med"/>
+                      <a:tailEnd type="none" w="med" len="med"/>
+                    </a:lnB>
+                    <a:lnTlToBr>
+                      <a:noFill/>
+                    </a:lnTlToBr>
+                    <a:lnBlToTr>
+                      <a:noFill/>
+                    </a:lnBlToTr>
+                    <a:solidFill>
+                      <a:srgbClr val="F0F5F7"/>
+                    </a:solidFill>
+                  </a:tcPr>
+                </a:tc>
+                <a:tc>
+                  <a:txBody>
+                    <a:bodyPr/>
+                    <a:lstStyle/>
+                    <a:p>
+                      <a:pPr marL="0" marR="0" lvl="0" indent="0" algn="ctr" defTabSz="914395" rtl="0" eaLnBrk="1" fontAlgn="t" latinLnBrk="0" hangingPunct="1">
+                        <a:lnSpc>
+                          <a:spcPct val="100000"/>
+                        </a:lnSpc>
+                        <a:spcBef>
+                          <a:spcPts val="0"/>
+                        </a:spcBef>
+                        <a:spcAft>
+                          <a:spcPts val="0"/>
+                        </a:spcAft>
+                        <a:buClrTx/>
+                        <a:buSzTx/>
+                        <a:buFontTx/>
+                        <a:buNone/>
+                        <a:tabLst/>
+                        <a:defRPr/>
+                      </a:pPr>
+                      <a:endParaRPr lang="en-US" sz="700" noProof="0" dirty="0">
+                        <a:solidFill>
+                          <a:srgbClr val="003B4C"/>
+                        </a:solidFill>
+                        <a:latin typeface="+mn-lt"/>
+                      </a:endParaRPr>
+                    </a:p>
+                    <a:p>
+                      <a:pPr marL="0" marR="0" lvl="0" indent="0" algn="ctr" defTabSz="914395" rtl="0" eaLnBrk="1" fontAlgn="t" latinLnBrk="0" hangingPunct="1">
+                        <a:lnSpc>
+                          <a:spcPct val="100000"/>
+                        </a:lnSpc>
+                        <a:spcBef>
+                          <a:spcPts val="0"/>
+                        </a:spcBef>
+                        <a:spcAft>
+                          <a:spcPts val="0"/>
+                        </a:spcAft>
+                        <a:buClrTx/>
+                        <a:buSzTx/>
+                        <a:buFontTx/>
+                        <a:buNone/>
+                        <a:tabLst/>
+                        <a:defRPr/>
+                      </a:pPr>
+                      <a:endParaRPr lang="en-US" sz="700" noProof="0" dirty="0">
+                        <a:solidFill>
+                          <a:srgbClr val="003B4C"/>
+                        </a:solidFill>
+                        <a:latin typeface="+mn-lt"/>
+                      </a:endParaRPr>
+                    </a:p>
+                    <a:p>
+                      <a:pPr marL="0" marR="0" lvl="0" indent="0" algn="ctr" defTabSz="914395" rtl="0" eaLnBrk="1" fontAlgn="t" latinLnBrk="0" hangingPunct="1">
+                        <a:lnSpc>
+                          <a:spcPct val="100000"/>
+                        </a:lnSpc>
+                        <a:spcBef>
+                          <a:spcPts val="0"/>
+                        </a:spcBef>
+                        <a:spcAft>
+                          <a:spcPts val="0"/>
+                        </a:spcAft>
+                        <a:buClrTx/>
+                        <a:buSzTx/>
+                        <a:buFontTx/>
+                        <a:buNone/>
+                        <a:tabLst/>
+                        <a:defRPr/>
+                      </a:pPr>
+                      <a:endParaRPr lang="en-US" sz="700" noProof="0" dirty="0">
+                        <a:solidFill>
+                          <a:srgbClr val="003B4C"/>
+                        </a:solidFill>
+                        <a:latin typeface="+mn-lt"/>
+                      </a:endParaRPr>
+                    </a:p>
+                    <a:p>
+                      <a:pPr marL="0" marR="0" lvl="0" indent="0" algn="ctr" defTabSz="914395" rtl="0" eaLnBrk="1" fontAlgn="t" latinLnBrk="0" hangingPunct="1">
+                        <a:lnSpc>
+                          <a:spcPct val="100000"/>
+                        </a:lnSpc>
+                        <a:spcBef>
+                          <a:spcPts val="0"/>
+                        </a:spcBef>
+                        <a:spcAft>
+                          <a:spcPts val="0"/>
+                        </a:spcAft>
+                        <a:buClrTx/>
+                        <a:buSzTx/>
+                        <a:buFontTx/>
+                        <a:buNone/>
+                        <a:tabLst/>
+                        <a:defRPr/>
+                      </a:pPr>
+                      <a:endParaRPr lang="en-US" sz="700" noProof="0" dirty="0">
+                        <a:solidFill>
+                          <a:srgbClr val="003B4C"/>
+                        </a:solidFill>
+                        <a:latin typeface="+mn-lt"/>
+                      </a:endParaRPr>
+                    </a:p>
+                    <a:p>
+                      <a:pPr marL="0" marR="0" lvl="0" indent="0" algn="ctr" defTabSz="914395" rtl="0" eaLnBrk="1" fontAlgn="t" latinLnBrk="0" hangingPunct="1">
+                        <a:lnSpc>
+                          <a:spcPct val="100000"/>
+                        </a:lnSpc>
+                        <a:spcBef>
+                          <a:spcPts val="0"/>
+                        </a:spcBef>
+                        <a:spcAft>
+                          <a:spcPts val="0"/>
+                        </a:spcAft>
+                        <a:buClrTx/>
+                        <a:buSzTx/>
+                        <a:buFontTx/>
+                        <a:buNone/>
+                        <a:tabLst/>
+                        <a:defRPr/>
+                      </a:pPr>
+                      <a:endParaRPr lang="en-US" sz="700" noProof="0" dirty="0">
+                        <a:solidFill>
+                          <a:srgbClr val="003B4C"/>
+                        </a:solidFill>
+                        <a:latin typeface="+mn-lt"/>
+                      </a:endParaRPr>
+                    </a:p>
+                    <a:p>
+                      <a:pPr marL="0" marR="0" lvl="0" indent="0" algn="ctr" defTabSz="914395" rtl="0" eaLnBrk="1" fontAlgn="t" latinLnBrk="0" hangingPunct="1">
+                        <a:lnSpc>
+                          <a:spcPct val="100000"/>
+                        </a:lnSpc>
+                        <a:spcBef>
+                          <a:spcPts val="0"/>
+                        </a:spcBef>
+                        <a:spcAft>
+                          <a:spcPts val="0"/>
+                        </a:spcAft>
+                        <a:buClrTx/>
+                        <a:buSzTx/>
+                        <a:buFontTx/>
+                        <a:buNone/>
+                        <a:tabLst/>
+                        <a:defRPr/>
+                      </a:pPr>
+                      <a:r>
+                        <a:rPr lang="en-US" sz="700" noProof="0" dirty="0">
+                          <a:solidFill>
+                            <a:srgbClr val="003B4C"/>
+                          </a:solidFill>
+                          <a:latin typeface="+mn-lt"/>
+                        </a:rPr>
+                        <a:t>Investment3</a:t>
+                      </a:r>
+                    </a:p>
+                  </a:txBody>
+                  <a:tcPr marL="0" marR="0" marT="0" marB="0" anchor="ctr">
+                    <a:lnL>
+                      <a:noFill/>
+                    </a:lnL>
+                    <a:lnR cap="flat">
+                      <a:noFill/>
+                    </a:lnR>
+                    <a:lnT w="6350" cap="flat" cmpd="sng" algn="ctr">
+                      <a:solidFill>
+                        <a:srgbClr val="DBD5CD"/>
+                      </a:solidFill>
+                      <a:prstDash val="solid"/>
+                      <a:round/>
+                      <a:headEnd type="none" w="med" len="med"/>
+                      <a:tailEnd type="none" w="med" len="med"/>
+                    </a:lnT>
+                    <a:lnB w="6350" cap="flat" cmpd="sng" algn="ctr">
+                      <a:solidFill>
+                        <a:srgbClr val="DBD5CD"/>
+                      </a:solidFill>
+                      <a:prstDash val="solid"/>
+                      <a:round/>
+                      <a:headEnd type="none" w="med" len="med"/>
+                      <a:tailEnd type="none" w="med" len="med"/>
+                    </a:lnB>
+                    <a:lnTlToBr>
+                      <a:noFill/>
+                    </a:lnTlToBr>
+                    <a:lnBlToTr>
+                      <a:noFill/>
+                    </a:lnBlToTr>
+                    <a:solidFill>
+                      <a:srgbClr val="F0F5F7"/>
+                    </a:solidFill>
+                  </a:tcPr>
+                </a:tc>
+                <a:extLst>
+                  <a:ext uri="{0D108BD9-81ED-4DB2-BD59-A6C34878D82A}">
+                    <a16:rowId xmlns:a16="http://schemas.microsoft.com/office/drawing/2014/main" val="2943688724"/>
+                  </a:ext>
+                </a:extLst>
+              </a:tr>
+              <a:tr h="936243">
+                <a:tc>
+                  <a:txBody>
+                    <a:bodyPr/>
+                    <a:lstStyle/>
+                    <a:p>
+                      <a:pPr marL="0" marR="0" lvl="0" indent="0" algn="ctr" defTabSz="958850" rtl="0" eaLnBrk="1" fontAlgn="base" latinLnBrk="0" hangingPunct="1">
+                        <a:lnSpc>
+                          <a:spcPct val="100000"/>
+                        </a:lnSpc>
+                        <a:spcBef>
+                          <a:spcPct val="0"/>
+                        </a:spcBef>
+                        <a:spcAft>
+                          <a:spcPct val="0"/>
+                        </a:spcAft>
+                        <a:buClr>
+                          <a:srgbClr val="000080"/>
+                        </a:buClr>
+                        <a:buSzTx/>
+                        <a:buFont typeface="Wingdings" pitchFamily="2" charset="2"/>
+                        <a:buNone/>
+                        <a:tabLst/>
+                        <a:defRPr/>
+                      </a:pPr>
+                      <a:r>
+                        <a:rPr kumimoji="0" lang="en-US" sz="600" b="1" i="0" u="none" strike="noStrike" kern="1200" cap="none" spc="0" normalizeH="0" baseline="0" noProof="0" dirty="0">
+                          <a:ln>
+                            <a:noFill/>
+                          </a:ln>
+                          <a:solidFill>
+                            <a:srgbClr val="003B4C"/>
+                          </a:solidFill>
+                          <a:effectLst/>
+                          <a:uLnTx/>
+                          <a:uFillTx/>
+                          <a:latin typeface="Arial" panose="020B0604020202020204" pitchFamily="34" charset="0"/>
+                          <a:ea typeface="+mn-ea"/>
+                          <a:cs typeface="+mn-cs"/>
+                        </a:rPr>
+                        <a:t>#</a:t>
+                      </a:r>
+                      <a:endParaRPr lang="en-US" sz="600" b="1" i="0" u="none" kern="1200" noProof="0" dirty="0">
+                        <a:solidFill>
+                          <a:schemeClr val="tx2"/>
+                        </a:solidFill>
+                        <a:latin typeface="Arial" panose="020B0604020202020204" pitchFamily="34" charset="0"/>
+                        <a:ea typeface="+mn-ea"/>
+                        <a:cs typeface="+mn-cs"/>
+                      </a:endParaRPr>
+                    </a:p>
+                  </a:txBody>
+                  <a:tcPr marL="0" marR="84406" marT="0" marB="0" anchor="ctr" horzOverflow="overflow">
+                    <a:lnL cap="flat">
+                      <a:noFill/>
+                    </a:lnL>
+                    <a:lnR>
+                      <a:noFill/>
+                    </a:lnR>
+                    <a:lnT w="6350" cap="flat" cmpd="sng" algn="ctr">
+                      <a:solidFill>
+                        <a:srgbClr val="DBD5CD"/>
+                      </a:solidFill>
+                      <a:prstDash val="solid"/>
+                      <a:round/>
+                      <a:headEnd type="none" w="med" len="med"/>
+                      <a:tailEnd type="none" w="med" len="med"/>
+                    </a:lnT>
+                    <a:lnB w="9525" cap="flat" cmpd="sng" algn="ctr">
+                      <a:solidFill>
+                        <a:schemeClr val="bg2"/>
+                      </a:solidFill>
+                      <a:prstDash val="solid"/>
+                      <a:round/>
+                      <a:headEnd type="none" w="med" len="med"/>
+                      <a:tailEnd type="none" w="med" len="med"/>
+                    </a:lnB>
+                    <a:lnTlToBr>
+                      <a:noFill/>
+                    </a:lnTlToBr>
+                    <a:lnBlToTr>
+                      <a:noFill/>
+                    </a:lnBlToTr>
+                    <a:solidFill>
+                      <a:srgbClr val="FFFFFF"/>
+                    </a:solidFill>
+                  </a:tcPr>
+                </a:tc>
+                <a:tc>
+                  <a:txBody>
+                    <a:bodyPr/>
+                    <a:lstStyle/>
+                    <a:p>
+                      <a:pPr marL="0" marR="0" lvl="0" indent="0" algn="l" defTabSz="958850" rtl="0" eaLnBrk="1" fontAlgn="base" latinLnBrk="0" hangingPunct="1">
+                        <a:lnSpc>
+                          <a:spcPct val="100000"/>
+                        </a:lnSpc>
+                        <a:spcBef>
+                          <a:spcPct val="0"/>
+                        </a:spcBef>
+                        <a:spcAft>
+                          <a:spcPct val="0"/>
+                        </a:spcAft>
+                        <a:buClr>
+                          <a:srgbClr val="000080"/>
+                        </a:buClr>
+                        <a:buSzTx/>
+                        <a:buFont typeface="Wingdings" pitchFamily="2" charset="2"/>
+                        <a:buNone/>
+                        <a:tabLst/>
+                        <a:defRPr/>
+                      </a:pPr>
+                      <a:endParaRPr kumimoji="0" lang="en-US" sz="700" b="0" i="0" u="none" strike="noStrike" kern="1200" cap="none" spc="0" normalizeH="0" baseline="0" noProof="0" dirty="0">
+                        <a:ln>
+                          <a:noFill/>
+                        </a:ln>
+                        <a:solidFill>
+                          <a:srgbClr val="003B4C"/>
+                        </a:solidFill>
+                        <a:effectLst/>
+                        <a:highlight>
+                          <a:srgbClr val="FFFF00"/>
+                        </a:highlight>
+                        <a:uLnTx/>
+                        <a:uFillTx/>
+                        <a:latin typeface="Arial" panose="020B0604020202020204" pitchFamily="34" charset="0"/>
+                        <a:ea typeface="+mn-ea"/>
+                        <a:cs typeface="+mn-cs"/>
+                      </a:endParaRPr>
+                    </a:p>
+                    <a:p>
+                      <a:pPr marL="0" marR="0" lvl="0" indent="0" algn="l" defTabSz="958850" rtl="0" eaLnBrk="1" fontAlgn="base" latinLnBrk="0" hangingPunct="1">
+                        <a:lnSpc>
+                          <a:spcPct val="100000"/>
+                        </a:lnSpc>
+                        <a:spcBef>
+                          <a:spcPct val="0"/>
+                        </a:spcBef>
+                        <a:spcAft>
+                          <a:spcPct val="0"/>
+                        </a:spcAft>
+                        <a:buClr>
+                          <a:srgbClr val="000080"/>
+                        </a:buClr>
+                        <a:buSzTx/>
+                        <a:buFont typeface="Wingdings" pitchFamily="2" charset="2"/>
+                        <a:buNone/>
+                        <a:tabLst/>
+                        <a:defRPr/>
+                      </a:pPr>
+                      <a:endParaRPr kumimoji="0" lang="en-US" sz="700" b="0" i="0" u="none" strike="noStrike" kern="1200" cap="none" spc="0" normalizeH="0" baseline="0" noProof="0" dirty="0">
+                        <a:ln>
+                          <a:noFill/>
+                        </a:ln>
+                        <a:solidFill>
+                          <a:srgbClr val="003B4C"/>
+                        </a:solidFill>
+                        <a:effectLst/>
+                        <a:highlight>
+                          <a:srgbClr val="FFFF00"/>
+                        </a:highlight>
+                        <a:uLnTx/>
+                        <a:uFillTx/>
+                        <a:latin typeface="Arial" panose="020B0604020202020204" pitchFamily="34" charset="0"/>
+                        <a:ea typeface="+mn-ea"/>
+                        <a:cs typeface="+mn-cs"/>
+                      </a:endParaRPr>
+                    </a:p>
+                    <a:p>
+                      <a:pPr marL="0" marR="0" lvl="0" indent="0" algn="l" defTabSz="958850" rtl="0" eaLnBrk="1" fontAlgn="base" latinLnBrk="0" hangingPunct="1">
+                        <a:lnSpc>
+                          <a:spcPct val="100000"/>
+                        </a:lnSpc>
+                        <a:spcBef>
+                          <a:spcPct val="0"/>
+                        </a:spcBef>
+                        <a:spcAft>
+                          <a:spcPct val="0"/>
+                        </a:spcAft>
+                        <a:buClr>
+                          <a:srgbClr val="000080"/>
+                        </a:buClr>
+                        <a:buSzTx/>
+                        <a:buFont typeface="Wingdings" pitchFamily="2" charset="2"/>
+                        <a:buNone/>
+                        <a:tabLst/>
+                        <a:defRPr/>
+                      </a:pPr>
+                      <a:endParaRPr kumimoji="0" lang="en-US" sz="700" b="0" i="0" u="none" strike="noStrike" kern="1200" cap="none" spc="0" normalizeH="0" baseline="0" noProof="0" dirty="0">
+                        <a:ln>
+                          <a:noFill/>
+                        </a:ln>
+                        <a:solidFill>
+                          <a:srgbClr val="003B4C"/>
+                        </a:solidFill>
+                        <a:effectLst/>
+                        <a:highlight>
+                          <a:srgbClr val="FFFF00"/>
+                        </a:highlight>
+                        <a:uLnTx/>
+                        <a:uFillTx/>
+                        <a:latin typeface="Arial" panose="020B0604020202020204" pitchFamily="34" charset="0"/>
+                        <a:ea typeface="+mn-ea"/>
+                        <a:cs typeface="+mn-cs"/>
+                      </a:endParaRPr>
+                    </a:p>
+                    <a:p>
+                      <a:pPr marL="0" marR="0" lvl="0" indent="0" algn="l" defTabSz="958850" rtl="0" eaLnBrk="1" fontAlgn="base" latinLnBrk="0" hangingPunct="1">
+                        <a:lnSpc>
+                          <a:spcPct val="100000"/>
+                        </a:lnSpc>
+                        <a:spcBef>
+                          <a:spcPct val="0"/>
+                        </a:spcBef>
+                        <a:spcAft>
+                          <a:spcPct val="0"/>
+                        </a:spcAft>
+                        <a:buClr>
+                          <a:srgbClr val="000080"/>
+                        </a:buClr>
+                        <a:buSzTx/>
+                        <a:buFont typeface="Wingdings" pitchFamily="2" charset="2"/>
+                        <a:buNone/>
+                        <a:tabLst/>
+                        <a:defRPr/>
+                      </a:pPr>
+                      <a:endParaRPr kumimoji="0" lang="en-US" sz="700" b="0" i="0" u="none" strike="noStrike" kern="1200" cap="none" spc="0" normalizeH="0" baseline="0" noProof="0" dirty="0">
+                        <a:ln>
+                          <a:noFill/>
+                        </a:ln>
+                        <a:solidFill>
+                          <a:srgbClr val="003B4C"/>
+                        </a:solidFill>
+                        <a:effectLst/>
+                        <a:highlight>
+                          <a:srgbClr val="FFFF00"/>
+                        </a:highlight>
+                        <a:uLnTx/>
+                        <a:uFillTx/>
+                        <a:latin typeface="Arial" panose="020B0604020202020204" pitchFamily="34" charset="0"/>
+                        <a:ea typeface="+mn-ea"/>
+                        <a:cs typeface="+mn-cs"/>
+                      </a:endParaRPr>
+                    </a:p>
+                    <a:p>
+                      <a:pPr marL="0" marR="0" lvl="0" indent="0" algn="l" defTabSz="958850" rtl="0" eaLnBrk="1" fontAlgn="base" latinLnBrk="0" hangingPunct="1">
+                        <a:lnSpc>
+                          <a:spcPct val="100000"/>
+                        </a:lnSpc>
+                        <a:spcBef>
+                          <a:spcPct val="0"/>
+                        </a:spcBef>
+                        <a:spcAft>
+                          <a:spcPct val="0"/>
+                        </a:spcAft>
+                        <a:buClr>
+                          <a:srgbClr val="000080"/>
+                        </a:buClr>
+                        <a:buSzTx/>
+                        <a:buFont typeface="Wingdings" pitchFamily="2" charset="2"/>
+                        <a:buNone/>
+                        <a:tabLst/>
+                        <a:defRPr/>
+                      </a:pPr>
+                      <a:endParaRPr kumimoji="0" lang="en-US" sz="700" b="0" i="0" u="none" strike="noStrike" kern="1200" cap="none" spc="0" normalizeH="0" baseline="0" noProof="0" dirty="0">
+                        <a:ln>
+                          <a:noFill/>
+                        </a:ln>
+                        <a:solidFill>
+                          <a:srgbClr val="003B4C"/>
+                        </a:solidFill>
+                        <a:effectLst/>
+                        <a:highlight>
+                          <a:srgbClr val="FFFF00"/>
+                        </a:highlight>
+                        <a:uLnTx/>
+                        <a:uFillTx/>
+                        <a:latin typeface="Arial" panose="020B0604020202020204" pitchFamily="34" charset="0"/>
+                        <a:ea typeface="+mn-ea"/>
+                        <a:cs typeface="+mn-cs"/>
+                      </a:endParaRPr>
+                    </a:p>
+                    <a:p>
+                      <a:pPr marL="0" marR="0" lvl="0" indent="0" algn="l" defTabSz="958850" rtl="0" eaLnBrk="1" fontAlgn="base" latinLnBrk="0" hangingPunct="1">
+                        <a:lnSpc>
+                          <a:spcPct val="100000"/>
+                        </a:lnSpc>
+                        <a:spcBef>
+                          <a:spcPct val="0"/>
+                        </a:spcBef>
+                        <a:spcAft>
+                          <a:spcPct val="0"/>
+                        </a:spcAft>
+                        <a:buClr>
+                          <a:srgbClr val="000080"/>
+                        </a:buClr>
+                        <a:buSzTx/>
+                        <a:buFont typeface="Wingdings" pitchFamily="2" charset="2"/>
+                        <a:buNone/>
+                        <a:tabLst/>
+                        <a:defRPr/>
+                      </a:pPr>
+                      <a:endParaRPr kumimoji="0" lang="en-US" sz="700" b="0" i="0" u="none" strike="noStrike" kern="1200" cap="none" spc="0" normalizeH="0" baseline="0" noProof="0" dirty="0">
+                        <a:ln>
+                          <a:noFill/>
+                        </a:ln>
+                        <a:solidFill>
+                          <a:srgbClr val="003B4C"/>
+                        </a:solidFill>
+                        <a:effectLst/>
+                        <a:highlight>
+                          <a:srgbClr val="FFFF00"/>
+                        </a:highlight>
+                        <a:uLnTx/>
+                        <a:uFillTx/>
+                        <a:latin typeface="Arial" panose="020B0604020202020204" pitchFamily="34" charset="0"/>
+                        <a:ea typeface="+mn-ea"/>
+                        <a:cs typeface="+mn-cs"/>
+                      </a:endParaRPr>
+                    </a:p>
+                    <a:p>
+                      <a:pPr marL="0" marR="0" lvl="0" indent="0" algn="l" defTabSz="958850" rtl="0" eaLnBrk="1" fontAlgn="base" latinLnBrk="0" hangingPunct="1">
+                        <a:lnSpc>
+                          <a:spcPct val="100000"/>
+                        </a:lnSpc>
+                        <a:spcBef>
+                          <a:spcPct val="0"/>
+                        </a:spcBef>
+                        <a:spcAft>
+                          <a:spcPct val="0"/>
+                        </a:spcAft>
+                        <a:buClr>
+                          <a:srgbClr val="000080"/>
+                        </a:buClr>
+                        <a:buSzTx/>
+                        <a:buFont typeface="Wingdings" pitchFamily="2" charset="2"/>
+                        <a:buNone/>
+                        <a:tabLst/>
+                        <a:defRPr/>
+                      </a:pPr>
+                      <a:r>
+                        <a:rPr kumimoji="0" lang="en-US" sz="700" b="0" i="0" u="none" strike="noStrike" kern="1200" cap="none" spc="0" normalizeH="0" baseline="0" noProof="0" dirty="0">
+                          <a:ln>
+                            <a:noFill/>
+                          </a:ln>
+                          <a:solidFill>
+                            <a:srgbClr val="003B4C"/>
+                          </a:solidFill>
+                          <a:effectLst/>
+                          <a:uLnTx/>
+                          <a:uFillTx/>
+                          <a:latin typeface="Arial" panose="020B0604020202020204" pitchFamily="34" charset="0"/>
+                          <a:ea typeface="+mn-ea"/>
+                          <a:cs typeface="+mn-cs"/>
+                        </a:rPr>
+                        <a:t>Country3</a:t>
+                      </a:r>
+                    </a:p>
+                  </a:txBody>
+                  <a:tcPr marL="0" marR="84406" marT="0" marB="0" anchor="ctr" horzOverflow="overflow">
+                    <a:lnL cap="flat">
+                      <a:noFill/>
+                    </a:lnL>
+                    <a:lnR>
+                      <a:noFill/>
+                    </a:lnR>
+                    <a:lnT w="6350" cap="flat" cmpd="sng" algn="ctr">
+                      <a:solidFill>
+                        <a:srgbClr val="DBD5CD"/>
+                      </a:solidFill>
+                      <a:prstDash val="solid"/>
+                      <a:round/>
+                      <a:headEnd type="none" w="med" len="med"/>
+                      <a:tailEnd type="none" w="med" len="med"/>
+                    </a:lnT>
+                    <a:lnB w="9525" cap="flat" cmpd="sng" algn="ctr">
+                      <a:solidFill>
+                        <a:schemeClr val="bg2"/>
+                      </a:solidFill>
+                      <a:prstDash val="solid"/>
+                      <a:round/>
+                      <a:headEnd type="none" w="med" len="med"/>
+                      <a:tailEnd type="none" w="med" len="med"/>
+                    </a:lnB>
+                    <a:lnTlToBr>
+                      <a:noFill/>
+                    </a:lnTlToBr>
+                    <a:lnBlToTr>
+                      <a:noFill/>
+                    </a:lnBlToTr>
+                    <a:solidFill>
+                      <a:srgbClr val="FFFFFF"/>
+                    </a:solidFill>
+                  </a:tcPr>
+                </a:tc>
+                <a:tc>
+                  <a:txBody>
+                    <a:bodyPr/>
+                    <a:lstStyle/>
+                    <a:p>
+                      <a:pPr marL="0" marR="0" lvl="0" indent="0" algn="l" defTabSz="914395" rtl="0" eaLnBrk="1" fontAlgn="t" latinLnBrk="0" hangingPunct="1">
+                        <a:lnSpc>
+                          <a:spcPct val="100000"/>
+                        </a:lnSpc>
+                        <a:spcBef>
+                          <a:spcPts val="0"/>
+                        </a:spcBef>
+                        <a:spcAft>
+                          <a:spcPts val="0"/>
+                        </a:spcAft>
+                        <a:buClr>
+                          <a:srgbClr val="003B4C"/>
+                        </a:buClr>
+                        <a:buSzTx/>
+                        <a:buFont typeface="Wingdings" panose="05000000000000000000" pitchFamily="2" charset="2"/>
+                        <a:buNone/>
+                        <a:tabLst/>
+                        <a:defRPr/>
+                      </a:pPr>
+                      <a:r>
+                        <a:rPr kumimoji="0" lang="en-US" sz="700" b="0" i="0" u="none" strike="noStrike" kern="1200" cap="none" spc="0" normalizeH="0" baseline="0" noProof="0" dirty="0">
+                          <a:ln>
+                            <a:noFill/>
+                          </a:ln>
+                          <a:solidFill>
+                            <a:srgbClr val="003B4C"/>
+                          </a:solidFill>
+                          <a:effectLst/>
+                          <a:uLnTx/>
+                          <a:uFillTx/>
+                          <a:latin typeface="Arial" panose="020B0604020202020204" pitchFamily="34" charset="0"/>
+                          <a:ea typeface="+mn-ea"/>
+                          <a:cs typeface="+mn-cs"/>
+                        </a:rPr>
+                        <a:t>Type3</a:t>
+                      </a:r>
+                    </a:p>
+                  </a:txBody>
+                  <a:tcPr marL="168812" marR="0" marT="0" marB="0" anchor="ctr">
+                    <a:lnL>
+                      <a:noFill/>
+                    </a:lnL>
+                    <a:lnR w="12700" cap="flat" cmpd="sng" algn="ctr">
+                      <a:noFill/>
+                      <a:prstDash val="solid"/>
+                      <a:round/>
+                      <a:headEnd type="none" w="med" len="med"/>
+                      <a:tailEnd type="none" w="med" len="med"/>
+                    </a:lnR>
+                    <a:lnT w="6350" cap="flat" cmpd="sng" algn="ctr">
+                      <a:solidFill>
+                        <a:srgbClr val="DBD5CD"/>
+                      </a:solidFill>
+                      <a:prstDash val="solid"/>
+                      <a:round/>
+                      <a:headEnd type="none" w="med" len="med"/>
+                      <a:tailEnd type="none" w="med" len="med"/>
+                    </a:lnT>
+                    <a:lnB w="9525" cap="flat" cmpd="sng" algn="ctr">
+                      <a:solidFill>
+                        <a:schemeClr val="bg2"/>
+                      </a:solidFill>
+                      <a:prstDash val="solid"/>
+                      <a:round/>
+                      <a:headEnd type="none" w="med" len="med"/>
+                      <a:tailEnd type="none" w="med" len="med"/>
+                    </a:lnB>
+                    <a:lnTlToBr>
+                      <a:noFill/>
+                    </a:lnTlToBr>
+                    <a:lnBlToTr>
+                      <a:noFill/>
+                    </a:lnBlToTr>
+                    <a:solidFill>
+                      <a:srgbClr val="FFFFFF"/>
+                    </a:solidFill>
+                  </a:tcPr>
+                </a:tc>
+                <a:tc>
+                  <a:txBody>
+                    <a:bodyPr/>
+                    <a:lstStyle/>
+                    <a:p>
+                      <a:pPr marL="0" marR="0" lvl="0" indent="0" algn="ctr" defTabSz="914395" rtl="0" eaLnBrk="1" fontAlgn="t" latinLnBrk="0" hangingPunct="1">
+                        <a:lnSpc>
+                          <a:spcPct val="100000"/>
+                        </a:lnSpc>
+                        <a:spcBef>
+                          <a:spcPts val="0"/>
+                        </a:spcBef>
+                        <a:spcAft>
+                          <a:spcPts val="0"/>
+                        </a:spcAft>
+                        <a:buClrTx/>
+                        <a:buSzTx/>
+                        <a:buFontTx/>
+                        <a:buNone/>
+                        <a:tabLst/>
+                        <a:defRPr/>
+                      </a:pPr>
+                      <a:r>
+                        <a:rPr kumimoji="0" lang="en-US" sz="700" b="0" i="0" u="none" strike="noStrike" kern="1200" cap="none" spc="0" normalizeH="0" baseline="0" noProof="0" dirty="0">
+                          <a:ln>
+                            <a:noFill/>
+                          </a:ln>
+                          <a:solidFill>
+                            <a:srgbClr val="003B4C"/>
+                          </a:solidFill>
+                          <a:effectLst/>
+                          <a:uLnTx/>
+                          <a:uFillTx/>
+                          <a:latin typeface="Arial" panose="020B0604020202020204" pitchFamily="34" charset="0"/>
+                          <a:ea typeface="+mn-ea"/>
+                          <a:cs typeface="+mn-cs"/>
+                        </a:rPr>
+                        <a:t>DryPowder3</a:t>
+                      </a:r>
+                    </a:p>
+                    <a:p>
+                      <a:pPr marL="0" marR="0" lvl="0" indent="0" algn="ctr" defTabSz="914395" rtl="0" eaLnBrk="1" fontAlgn="t" latinLnBrk="0" hangingPunct="1">
+                        <a:lnSpc>
+                          <a:spcPct val="100000"/>
+                        </a:lnSpc>
+                        <a:spcBef>
+                          <a:spcPts val="0"/>
+                        </a:spcBef>
+                        <a:spcAft>
+                          <a:spcPts val="0"/>
+                        </a:spcAft>
+                        <a:buClrTx/>
+                        <a:buSzTx/>
+                        <a:buFontTx/>
+                        <a:buNone/>
+                        <a:tabLst/>
+                        <a:defRPr/>
+                      </a:pPr>
+                      <a:r>
+                        <a:rPr kumimoji="0" lang="en-US" sz="700" b="0" i="0" u="none" strike="noStrike" kern="1200" cap="none" spc="0" normalizeH="0" baseline="0" noProof="0" dirty="0">
+                          <a:ln>
+                            <a:noFill/>
+                          </a:ln>
+                          <a:solidFill>
+                            <a:srgbClr val="003B4C"/>
+                          </a:solidFill>
+                          <a:effectLst/>
+                          <a:uLnTx/>
+                          <a:uFillTx/>
+                          <a:latin typeface="Arial" panose="020B0604020202020204" pitchFamily="34" charset="0"/>
+                          <a:ea typeface="+mn-ea"/>
+                          <a:cs typeface="+mn-cs"/>
+                        </a:rPr>
+                        <a:t>AUM3</a:t>
+                      </a:r>
+                      <a:endParaRPr kumimoji="0" lang="en-US" sz="700" b="0" i="0" u="none" strike="noStrike" kern="1200" cap="none" spc="0" normalizeH="0" baseline="0" noProof="0" dirty="0">
+                        <a:ln>
+                          <a:noFill/>
+                        </a:ln>
+                        <a:solidFill>
+                          <a:srgbClr val="FF0000"/>
+                        </a:solidFill>
+                        <a:effectLst/>
+                        <a:uLnTx/>
+                        <a:uFillTx/>
+                        <a:latin typeface="+mn-lt"/>
+                        <a:ea typeface="+mn-ea"/>
+                        <a:cs typeface="+mn-cs"/>
+                      </a:endParaRPr>
+                    </a:p>
+                  </a:txBody>
+                  <a:tcPr marL="0" marR="0" marT="0" marB="0" anchor="ctr">
+                    <a:lnL>
+                      <a:noFill/>
+                    </a:lnL>
+                    <a:lnR cap="flat">
+                      <a:noFill/>
+                    </a:lnR>
+                    <a:lnT w="6350" cap="flat" cmpd="sng" algn="ctr">
+                      <a:solidFill>
+                        <a:srgbClr val="DBD5CD"/>
+                      </a:solidFill>
+                      <a:prstDash val="solid"/>
+                      <a:round/>
+                      <a:headEnd type="none" w="med" len="med"/>
+                      <a:tailEnd type="none" w="med" len="med"/>
+                    </a:lnT>
+                    <a:lnB w="9525" cap="flat" cmpd="sng" algn="ctr">
+                      <a:solidFill>
+                        <a:schemeClr val="bg2"/>
+                      </a:solidFill>
+                      <a:prstDash val="solid"/>
+                      <a:round/>
+                      <a:headEnd type="none" w="med" len="med"/>
+                      <a:tailEnd type="none" w="med" len="med"/>
+                    </a:lnB>
+                    <a:lnTlToBr>
+                      <a:noFill/>
+                    </a:lnTlToBr>
+                    <a:lnBlToTr>
+                      <a:noFill/>
+                    </a:lnBlToTr>
+                    <a:solidFill>
+                      <a:srgbClr val="FFFFFF"/>
+                    </a:solidFill>
+                  </a:tcPr>
+                </a:tc>
+                <a:tc>
+                  <a:txBody>
+                    <a:bodyPr/>
+                    <a:lstStyle/>
+                    <a:p>
+                      <a:pPr marL="0" marR="0" lvl="0" indent="0" algn="ctr" defTabSz="914395" rtl="0" eaLnBrk="1" fontAlgn="t" latinLnBrk="0" hangingPunct="1">
+                        <a:lnSpc>
+                          <a:spcPct val="100000"/>
+                        </a:lnSpc>
+                        <a:spcBef>
+                          <a:spcPts val="0"/>
+                        </a:spcBef>
+                        <a:spcAft>
+                          <a:spcPts val="0"/>
+                        </a:spcAft>
+                        <a:buClrTx/>
+                        <a:buSzTx/>
+                        <a:buFontTx/>
+                        <a:buNone/>
+                        <a:tabLst/>
+                        <a:defRPr/>
+                      </a:pPr>
+                      <a:r>
+                        <a:rPr kumimoji="0" lang="en-US" sz="2200" b="1" i="0" u="none" strike="noStrike" kern="1200" cap="none" spc="0" normalizeH="0" baseline="0" noProof="0" dirty="0">
+                          <a:ln>
+                            <a:noFill/>
+                          </a:ln>
+                          <a:solidFill>
+                            <a:srgbClr val="C00000"/>
+                          </a:solidFill>
+                          <a:effectLst/>
+                          <a:uLnTx/>
+                          <a:uFillTx/>
+                          <a:latin typeface="+mn-lt"/>
+                          <a:ea typeface="+mn-ea"/>
+                          <a:cs typeface="Arial"/>
+                          <a:sym typeface="Wingdings" panose="05000000000000000000" pitchFamily="2" charset="2"/>
+                        </a:rPr>
+                        <a:t></a:t>
+                      </a:r>
+                      <a:endParaRPr kumimoji="0" lang="en-US" sz="2200" b="0" i="0" u="none" strike="noStrike" kern="1200" cap="none" spc="0" normalizeH="0" baseline="0" noProof="0" dirty="0">
+                        <a:ln>
+                          <a:noFill/>
+                        </a:ln>
+                        <a:solidFill>
+                          <a:srgbClr val="FF0000"/>
+                        </a:solidFill>
+                        <a:effectLst/>
+                        <a:uLnTx/>
+                        <a:uFillTx/>
+                        <a:latin typeface="+mn-lt"/>
+                        <a:ea typeface="+mn-ea"/>
+                        <a:cs typeface="+mn-cs"/>
+                      </a:endParaRPr>
+                    </a:p>
+                  </a:txBody>
+                  <a:tcPr marL="0" marR="0" marT="0" marB="0" anchor="ctr">
+                    <a:lnL>
+                      <a:noFill/>
+                    </a:lnL>
+                    <a:lnR cap="flat">
+                      <a:noFill/>
+                    </a:lnR>
+                    <a:lnT w="6350" cap="flat" cmpd="sng" algn="ctr">
+                      <a:solidFill>
+                        <a:srgbClr val="DBD5CD"/>
+                      </a:solidFill>
+                      <a:prstDash val="solid"/>
+                      <a:round/>
+                      <a:headEnd type="none" w="med" len="med"/>
+                      <a:tailEnd type="none" w="med" len="med"/>
+                    </a:lnT>
+                    <a:lnB w="9525" cap="flat" cmpd="sng" algn="ctr">
+                      <a:solidFill>
+                        <a:schemeClr val="bg2"/>
+                      </a:solidFill>
+                      <a:prstDash val="solid"/>
+                      <a:round/>
+                      <a:headEnd type="none" w="med" len="med"/>
+                      <a:tailEnd type="none" w="med" len="med"/>
+                    </a:lnB>
+                    <a:lnTlToBr>
+                      <a:noFill/>
+                    </a:lnTlToBr>
+                    <a:lnBlToTr>
+                      <a:noFill/>
+                    </a:lnBlToTr>
+                    <a:solidFill>
+                      <a:srgbClr val="FFFFFF"/>
+                    </a:solidFill>
+                  </a:tcPr>
+                </a:tc>
+                <a:tc>
+                  <a:txBody>
+                    <a:bodyPr/>
+                    <a:lstStyle/>
+                    <a:p>
+                      <a:pPr marL="0" marR="0" lvl="0" indent="0" algn="ctr" defTabSz="914395" rtl="0" eaLnBrk="1" fontAlgn="t" latinLnBrk="0" hangingPunct="1">
+                        <a:lnSpc>
+                          <a:spcPct val="100000"/>
+                        </a:lnSpc>
+                        <a:spcBef>
+                          <a:spcPts val="0"/>
+                        </a:spcBef>
+                        <a:spcAft>
+                          <a:spcPts val="0"/>
+                        </a:spcAft>
+                        <a:buClrTx/>
+                        <a:buSzTx/>
+                        <a:buFontTx/>
+                        <a:buNone/>
+                        <a:tabLst/>
+                        <a:defRPr/>
+                      </a:pPr>
+                      <a:endParaRPr lang="en-US" sz="700" noProof="0" dirty="0">
+                        <a:solidFill>
+                          <a:srgbClr val="003B4C"/>
+                        </a:solidFill>
+                        <a:latin typeface="+mn-lt"/>
+                      </a:endParaRPr>
+                    </a:p>
+                    <a:p>
+                      <a:pPr marL="0" marR="0" lvl="0" indent="0" algn="ctr" defTabSz="914395" rtl="0" eaLnBrk="1" fontAlgn="t" latinLnBrk="0" hangingPunct="1">
+                        <a:lnSpc>
+                          <a:spcPct val="100000"/>
+                        </a:lnSpc>
+                        <a:spcBef>
+                          <a:spcPts val="0"/>
+                        </a:spcBef>
+                        <a:spcAft>
+                          <a:spcPts val="0"/>
+                        </a:spcAft>
+                        <a:buClrTx/>
+                        <a:buSzTx/>
+                        <a:buFontTx/>
+                        <a:buNone/>
+                        <a:tabLst/>
+                        <a:defRPr/>
+                      </a:pPr>
+                      <a:endParaRPr lang="en-US" sz="700" noProof="0" dirty="0">
+                        <a:solidFill>
+                          <a:srgbClr val="003B4C"/>
+                        </a:solidFill>
+                        <a:latin typeface="+mn-lt"/>
+                      </a:endParaRPr>
+                    </a:p>
+                    <a:p>
+                      <a:pPr marL="0" marR="0" lvl="0" indent="0" algn="ctr" defTabSz="914395" rtl="0" eaLnBrk="1" fontAlgn="t" latinLnBrk="0" hangingPunct="1">
+                        <a:lnSpc>
+                          <a:spcPct val="100000"/>
+                        </a:lnSpc>
+                        <a:spcBef>
+                          <a:spcPts val="0"/>
+                        </a:spcBef>
+                        <a:spcAft>
+                          <a:spcPts val="0"/>
+                        </a:spcAft>
+                        <a:buClrTx/>
+                        <a:buSzTx/>
+                        <a:buFontTx/>
+                        <a:buNone/>
+                        <a:tabLst/>
+                        <a:defRPr/>
+                      </a:pPr>
+                      <a:endParaRPr lang="en-US" sz="700" noProof="0" dirty="0">
+                        <a:solidFill>
+                          <a:srgbClr val="003B4C"/>
+                        </a:solidFill>
+                        <a:latin typeface="+mn-lt"/>
+                      </a:endParaRPr>
+                    </a:p>
+                    <a:p>
+                      <a:pPr marL="0" marR="0" lvl="0" indent="0" algn="ctr" defTabSz="914395" rtl="0" eaLnBrk="1" fontAlgn="t" latinLnBrk="0" hangingPunct="1">
+                        <a:lnSpc>
+                          <a:spcPct val="100000"/>
+                        </a:lnSpc>
+                        <a:spcBef>
+                          <a:spcPts val="0"/>
+                        </a:spcBef>
+                        <a:spcAft>
+                          <a:spcPts val="0"/>
+                        </a:spcAft>
+                        <a:buClrTx/>
+                        <a:buSzTx/>
+                        <a:buFontTx/>
+                        <a:buNone/>
+                        <a:tabLst/>
+                        <a:defRPr/>
+                      </a:pPr>
+                      <a:endParaRPr lang="en-US" sz="700" noProof="0" dirty="0">
+                        <a:solidFill>
+                          <a:srgbClr val="003B4C"/>
+                        </a:solidFill>
+                        <a:latin typeface="+mn-lt"/>
+                      </a:endParaRPr>
+                    </a:p>
+                    <a:p>
+                      <a:pPr marL="0" marR="0" lvl="0" indent="0" algn="ctr" defTabSz="914395" rtl="0" eaLnBrk="1" fontAlgn="t" latinLnBrk="0" hangingPunct="1">
+                        <a:lnSpc>
+                          <a:spcPct val="100000"/>
+                        </a:lnSpc>
+                        <a:spcBef>
+                          <a:spcPts val="0"/>
+                        </a:spcBef>
+                        <a:spcAft>
+                          <a:spcPts val="0"/>
+                        </a:spcAft>
+                        <a:buClrTx/>
+                        <a:buSzTx/>
+                        <a:buFontTx/>
+                        <a:buNone/>
+                        <a:tabLst/>
+                        <a:defRPr/>
+                      </a:pPr>
+                      <a:endParaRPr lang="en-US" sz="700" noProof="0" dirty="0">
+                        <a:solidFill>
+                          <a:srgbClr val="003B4C"/>
+                        </a:solidFill>
+                        <a:latin typeface="+mn-lt"/>
+                      </a:endParaRPr>
+                    </a:p>
+                    <a:p>
+                      <a:pPr marL="0" marR="0" lvl="0" indent="0" algn="ctr" defTabSz="914395" rtl="0" eaLnBrk="1" fontAlgn="t" latinLnBrk="0" hangingPunct="1">
+                        <a:lnSpc>
+                          <a:spcPct val="100000"/>
+                        </a:lnSpc>
+                        <a:spcBef>
+                          <a:spcPts val="0"/>
+                        </a:spcBef>
+                        <a:spcAft>
+                          <a:spcPts val="0"/>
+                        </a:spcAft>
+                        <a:buClrTx/>
+                        <a:buSzTx/>
+                        <a:buFontTx/>
+                        <a:buNone/>
+                        <a:tabLst/>
+                        <a:defRPr/>
+                      </a:pPr>
+                      <a:r>
+                        <a:rPr lang="en-US" sz="700" noProof="0" dirty="0">
+                          <a:solidFill>
+                            <a:srgbClr val="003B4C"/>
+                          </a:solidFill>
+                          <a:latin typeface="+mn-lt"/>
+                        </a:rPr>
+                        <a:t>Investment1</a:t>
+                      </a:r>
+                    </a:p>
+                  </a:txBody>
+                  <a:tcPr marL="0" marR="0" marT="0" marB="0" anchor="ctr">
+                    <a:lnL>
+                      <a:noFill/>
+                    </a:lnL>
+                    <a:lnR cap="flat">
+                      <a:noFill/>
+                    </a:lnR>
+                    <a:lnT w="6350" cap="flat" cmpd="sng" algn="ctr">
+                      <a:solidFill>
+                        <a:srgbClr val="DBD5CD"/>
+                      </a:solidFill>
+                      <a:prstDash val="solid"/>
+                      <a:round/>
+                      <a:headEnd type="none" w="med" len="med"/>
+                      <a:tailEnd type="none" w="med" len="med"/>
+                    </a:lnT>
+                    <a:lnB w="9525" cap="flat" cmpd="sng" algn="ctr">
+                      <a:solidFill>
+                        <a:schemeClr val="bg2"/>
+                      </a:solidFill>
+                      <a:prstDash val="solid"/>
+                      <a:round/>
+                      <a:headEnd type="none" w="med" len="med"/>
+                      <a:tailEnd type="none" w="med" len="med"/>
+                    </a:lnB>
+                    <a:lnTlToBr>
+                      <a:noFill/>
+                    </a:lnTlToBr>
+                    <a:lnBlToTr>
+                      <a:noFill/>
+                    </a:lnBlToTr>
+                    <a:solidFill>
+                      <a:srgbClr val="FFFFFF"/>
+                    </a:solidFill>
+                  </a:tcPr>
+                </a:tc>
+                <a:tc>
+                  <a:txBody>
+                    <a:bodyPr/>
+                    <a:lstStyle/>
+                    <a:p>
+                      <a:pPr marL="0" marR="0" lvl="0" indent="0" algn="ctr" defTabSz="914395" rtl="0" eaLnBrk="1" fontAlgn="t" latinLnBrk="0" hangingPunct="1">
+                        <a:lnSpc>
+                          <a:spcPct val="100000"/>
+                        </a:lnSpc>
+                        <a:spcBef>
+                          <a:spcPts val="0"/>
+                        </a:spcBef>
+                        <a:spcAft>
+                          <a:spcPts val="0"/>
+                        </a:spcAft>
+                        <a:buClrTx/>
+                        <a:buSzTx/>
+                        <a:buFontTx/>
+                        <a:buNone/>
+                        <a:tabLst/>
+                        <a:defRPr/>
+                      </a:pPr>
+                      <a:endParaRPr lang="en-US" sz="700" noProof="0" dirty="0">
+                        <a:solidFill>
+                          <a:srgbClr val="003B4C"/>
+                        </a:solidFill>
+                        <a:latin typeface="+mn-lt"/>
+                      </a:endParaRPr>
+                    </a:p>
+                    <a:p>
+                      <a:pPr marL="0" marR="0" lvl="0" indent="0" algn="ctr" defTabSz="914395" rtl="0" eaLnBrk="1" fontAlgn="t" latinLnBrk="0" hangingPunct="1">
+                        <a:lnSpc>
+                          <a:spcPct val="100000"/>
+                        </a:lnSpc>
+                        <a:spcBef>
+                          <a:spcPts val="0"/>
+                        </a:spcBef>
+                        <a:spcAft>
+                          <a:spcPts val="0"/>
+                        </a:spcAft>
+                        <a:buClrTx/>
+                        <a:buSzTx/>
+                        <a:buFontTx/>
+                        <a:buNone/>
+                        <a:tabLst/>
+                        <a:defRPr/>
+                      </a:pPr>
+                      <a:endParaRPr lang="en-US" sz="700" noProof="0" dirty="0">
+                        <a:solidFill>
+                          <a:srgbClr val="003B4C"/>
+                        </a:solidFill>
+                        <a:latin typeface="+mn-lt"/>
+                      </a:endParaRPr>
+                    </a:p>
+                    <a:p>
+                      <a:pPr marL="0" marR="0" lvl="0" indent="0" algn="ctr" defTabSz="914395" rtl="0" eaLnBrk="1" fontAlgn="t" latinLnBrk="0" hangingPunct="1">
+                        <a:lnSpc>
+                          <a:spcPct val="100000"/>
+                        </a:lnSpc>
+                        <a:spcBef>
+                          <a:spcPts val="0"/>
+                        </a:spcBef>
+                        <a:spcAft>
+                          <a:spcPts val="0"/>
+                        </a:spcAft>
+                        <a:buClrTx/>
+                        <a:buSzTx/>
+                        <a:buFontTx/>
+                        <a:buNone/>
+                        <a:tabLst/>
+                        <a:defRPr/>
+                      </a:pPr>
+                      <a:endParaRPr lang="en-US" sz="700" noProof="0" dirty="0">
+                        <a:solidFill>
+                          <a:srgbClr val="003B4C"/>
+                        </a:solidFill>
+                        <a:latin typeface="+mn-lt"/>
+                      </a:endParaRPr>
+                    </a:p>
+                    <a:p>
+                      <a:pPr marL="0" marR="0" lvl="0" indent="0" algn="ctr" defTabSz="914395" rtl="0" eaLnBrk="1" fontAlgn="t" latinLnBrk="0" hangingPunct="1">
+                        <a:lnSpc>
+                          <a:spcPct val="100000"/>
+                        </a:lnSpc>
+                        <a:spcBef>
+                          <a:spcPts val="0"/>
+                        </a:spcBef>
+                        <a:spcAft>
+                          <a:spcPts val="0"/>
+                        </a:spcAft>
+                        <a:buClrTx/>
+                        <a:buSzTx/>
+                        <a:buFontTx/>
+                        <a:buNone/>
+                        <a:tabLst/>
+                        <a:defRPr/>
+                      </a:pPr>
+                      <a:endParaRPr lang="en-US" sz="700" noProof="0" dirty="0">
+                        <a:solidFill>
+                          <a:srgbClr val="003B4C"/>
+                        </a:solidFill>
+                        <a:latin typeface="+mn-lt"/>
+                      </a:endParaRPr>
+                    </a:p>
+                    <a:p>
+                      <a:pPr marL="0" marR="0" lvl="0" indent="0" algn="ctr" defTabSz="914395" rtl="0" eaLnBrk="1" fontAlgn="t" latinLnBrk="0" hangingPunct="1">
+                        <a:lnSpc>
+                          <a:spcPct val="100000"/>
+                        </a:lnSpc>
+                        <a:spcBef>
+                          <a:spcPts val="0"/>
+                        </a:spcBef>
+                        <a:spcAft>
+                          <a:spcPts val="0"/>
+                        </a:spcAft>
+                        <a:buClrTx/>
+                        <a:buSzTx/>
+                        <a:buFontTx/>
+                        <a:buNone/>
+                        <a:tabLst/>
+                        <a:defRPr/>
+                      </a:pPr>
+                      <a:endParaRPr lang="en-US" sz="700" noProof="0" dirty="0">
+                        <a:solidFill>
+                          <a:srgbClr val="003B4C"/>
+                        </a:solidFill>
+                        <a:latin typeface="+mn-lt"/>
+                      </a:endParaRPr>
+                    </a:p>
+                    <a:p>
+                      <a:pPr marL="0" marR="0" lvl="0" indent="0" algn="ctr" defTabSz="914395" rtl="0" eaLnBrk="1" fontAlgn="t" latinLnBrk="0" hangingPunct="1">
+                        <a:lnSpc>
+                          <a:spcPct val="100000"/>
+                        </a:lnSpc>
+                        <a:spcBef>
+                          <a:spcPts val="0"/>
+                        </a:spcBef>
+                        <a:spcAft>
+                          <a:spcPts val="0"/>
+                        </a:spcAft>
+                        <a:buClrTx/>
+                        <a:buSzTx/>
+                        <a:buFontTx/>
+                        <a:buNone/>
+                        <a:tabLst/>
+                        <a:defRPr/>
+                      </a:pPr>
+                      <a:r>
+                        <a:rPr lang="en-US" sz="700" noProof="0" dirty="0">
+                          <a:solidFill>
+                            <a:srgbClr val="003B4C"/>
+                          </a:solidFill>
+                          <a:latin typeface="+mn-lt"/>
+                        </a:rPr>
+                        <a:t>Investment2</a:t>
+                      </a:r>
+                    </a:p>
+                  </a:txBody>
+                  <a:tcPr marL="0" marR="0" marT="0" marB="0" anchor="ctr">
+                    <a:lnL>
+                      <a:noFill/>
+                    </a:lnL>
+                    <a:lnR cap="flat">
+                      <a:noFill/>
+                    </a:lnR>
+                    <a:lnT w="6350" cap="flat" cmpd="sng" algn="ctr">
+                      <a:solidFill>
+                        <a:srgbClr val="DBD5CD"/>
+                      </a:solidFill>
+                      <a:prstDash val="solid"/>
+                      <a:round/>
+                      <a:headEnd type="none" w="med" len="med"/>
+                      <a:tailEnd type="none" w="med" len="med"/>
+                    </a:lnT>
+                    <a:lnB w="9525" cap="flat" cmpd="sng" algn="ctr">
+                      <a:solidFill>
+                        <a:schemeClr val="bg2"/>
+                      </a:solidFill>
+                      <a:prstDash val="solid"/>
+                      <a:round/>
+                      <a:headEnd type="none" w="med" len="med"/>
+                      <a:tailEnd type="none" w="med" len="med"/>
+                    </a:lnB>
+                    <a:lnTlToBr>
+                      <a:noFill/>
+                    </a:lnTlToBr>
+                    <a:lnBlToTr>
+                      <a:noFill/>
+                    </a:lnBlToTr>
+                    <a:solidFill>
+                      <a:srgbClr val="FFFFFF"/>
+                    </a:solidFill>
+                  </a:tcPr>
+                </a:tc>
+                <a:tc>
+                  <a:txBody>
+                    <a:bodyPr/>
+                    <a:lstStyle/>
+                    <a:p>
+                      <a:pPr marL="0" marR="0" lvl="0" indent="0" algn="ctr" defTabSz="914395" rtl="0" eaLnBrk="1" fontAlgn="t" latinLnBrk="0" hangingPunct="1">
+                        <a:lnSpc>
+                          <a:spcPct val="100000"/>
+                        </a:lnSpc>
+                        <a:spcBef>
+                          <a:spcPts val="0"/>
+                        </a:spcBef>
+                        <a:spcAft>
+                          <a:spcPts val="0"/>
+                        </a:spcAft>
+                        <a:buClrTx/>
+                        <a:buSzTx/>
+                        <a:buFontTx/>
+                        <a:buNone/>
+                        <a:tabLst/>
+                        <a:defRPr/>
+                      </a:pPr>
+                      <a:endParaRPr lang="en-US" sz="700" noProof="0" dirty="0">
+                        <a:solidFill>
+                          <a:srgbClr val="003B4C"/>
+                        </a:solidFill>
+                        <a:latin typeface="+mn-lt"/>
+                      </a:endParaRPr>
+                    </a:p>
+                    <a:p>
+                      <a:pPr marL="0" marR="0" lvl="0" indent="0" algn="ctr" defTabSz="914395" rtl="0" eaLnBrk="1" fontAlgn="t" latinLnBrk="0" hangingPunct="1">
+                        <a:lnSpc>
+                          <a:spcPct val="100000"/>
+                        </a:lnSpc>
+                        <a:spcBef>
+                          <a:spcPts val="0"/>
+                        </a:spcBef>
+                        <a:spcAft>
+                          <a:spcPts val="0"/>
+                        </a:spcAft>
+                        <a:buClrTx/>
+                        <a:buSzTx/>
+                        <a:buFontTx/>
+                        <a:buNone/>
+                        <a:tabLst/>
+                        <a:defRPr/>
+                      </a:pPr>
+                      <a:endParaRPr lang="en-US" sz="700" noProof="0" dirty="0">
+                        <a:solidFill>
+                          <a:srgbClr val="003B4C"/>
+                        </a:solidFill>
+                        <a:latin typeface="+mn-lt"/>
+                      </a:endParaRPr>
+                    </a:p>
+                    <a:p>
+                      <a:pPr marL="0" marR="0" lvl="0" indent="0" algn="ctr" defTabSz="914395" rtl="0" eaLnBrk="1" fontAlgn="t" latinLnBrk="0" hangingPunct="1">
+                        <a:lnSpc>
+                          <a:spcPct val="100000"/>
+                        </a:lnSpc>
+                        <a:spcBef>
+                          <a:spcPts val="0"/>
+                        </a:spcBef>
+                        <a:spcAft>
+                          <a:spcPts val="0"/>
+                        </a:spcAft>
+                        <a:buClrTx/>
+                        <a:buSzTx/>
+                        <a:buFontTx/>
+                        <a:buNone/>
+                        <a:tabLst/>
+                        <a:defRPr/>
+                      </a:pPr>
+                      <a:endParaRPr lang="en-US" sz="700" noProof="0" dirty="0">
+                        <a:solidFill>
+                          <a:srgbClr val="003B4C"/>
+                        </a:solidFill>
+                        <a:latin typeface="+mn-lt"/>
+                      </a:endParaRPr>
+                    </a:p>
+                    <a:p>
+                      <a:pPr marL="0" marR="0" lvl="0" indent="0" algn="ctr" defTabSz="914395" rtl="0" eaLnBrk="1" fontAlgn="t" latinLnBrk="0" hangingPunct="1">
+                        <a:lnSpc>
+                          <a:spcPct val="100000"/>
+                        </a:lnSpc>
+                        <a:spcBef>
+                          <a:spcPts val="0"/>
+                        </a:spcBef>
+                        <a:spcAft>
+                          <a:spcPts val="0"/>
+                        </a:spcAft>
+                        <a:buClrTx/>
+                        <a:buSzTx/>
+                        <a:buFontTx/>
+                        <a:buNone/>
+                        <a:tabLst/>
+                        <a:defRPr/>
+                      </a:pPr>
+                      <a:endParaRPr lang="en-US" sz="700" noProof="0" dirty="0">
+                        <a:solidFill>
+                          <a:srgbClr val="003B4C"/>
+                        </a:solidFill>
+                        <a:latin typeface="+mn-lt"/>
+                      </a:endParaRPr>
+                    </a:p>
+                    <a:p>
+                      <a:pPr marL="0" marR="0" lvl="0" indent="0" algn="ctr" defTabSz="914395" rtl="0" eaLnBrk="1" fontAlgn="t" latinLnBrk="0" hangingPunct="1">
+                        <a:lnSpc>
+                          <a:spcPct val="100000"/>
+                        </a:lnSpc>
+                        <a:spcBef>
+                          <a:spcPts val="0"/>
+                        </a:spcBef>
+                        <a:spcAft>
+                          <a:spcPts val="0"/>
+                        </a:spcAft>
+                        <a:buClrTx/>
+                        <a:buSzTx/>
+                        <a:buFontTx/>
+                        <a:buNone/>
+                        <a:tabLst/>
+                        <a:defRPr/>
+                      </a:pPr>
+                      <a:endParaRPr lang="en-US" sz="700" noProof="0" dirty="0">
+                        <a:solidFill>
+                          <a:srgbClr val="003B4C"/>
+                        </a:solidFill>
+                        <a:latin typeface="+mn-lt"/>
+                      </a:endParaRPr>
+                    </a:p>
+                    <a:p>
+                      <a:pPr marL="0" marR="0" lvl="0" indent="0" algn="ctr" defTabSz="914395" rtl="0" eaLnBrk="1" fontAlgn="t" latinLnBrk="0" hangingPunct="1">
+                        <a:lnSpc>
+                          <a:spcPct val="100000"/>
+                        </a:lnSpc>
+                        <a:spcBef>
+                          <a:spcPts val="0"/>
+                        </a:spcBef>
+                        <a:spcAft>
+                          <a:spcPts val="0"/>
+                        </a:spcAft>
+                        <a:buClrTx/>
+                        <a:buSzTx/>
+                        <a:buFontTx/>
+                        <a:buNone/>
+                        <a:tabLst/>
+                        <a:defRPr/>
+                      </a:pPr>
+                      <a:r>
+                        <a:rPr lang="en-US" sz="700" noProof="0" dirty="0">
+                          <a:solidFill>
+                            <a:srgbClr val="003B4C"/>
+                          </a:solidFill>
+                          <a:latin typeface="+mn-lt"/>
+                        </a:rPr>
+                        <a:t>Investment3</a:t>
+                      </a:r>
+                    </a:p>
+                  </a:txBody>
+                  <a:tcPr marL="0" marR="0" marT="0" marB="0" anchor="ctr">
+                    <a:lnL>
+                      <a:noFill/>
+                    </a:lnL>
+                    <a:lnR cap="flat">
+                      <a:noFill/>
+                    </a:lnR>
+                    <a:lnT w="6350" cap="flat" cmpd="sng" algn="ctr">
+                      <a:solidFill>
+                        <a:srgbClr val="DBD5CD"/>
+                      </a:solidFill>
+                      <a:prstDash val="solid"/>
+                      <a:round/>
+                      <a:headEnd type="none" w="med" len="med"/>
+                      <a:tailEnd type="none" w="med" len="med"/>
+                    </a:lnT>
+                    <a:lnB w="9525" cap="flat" cmpd="sng" algn="ctr">
+                      <a:solidFill>
+                        <a:schemeClr val="bg2"/>
+                      </a:solidFill>
+                      <a:prstDash val="solid"/>
+                      <a:round/>
+                      <a:headEnd type="none" w="med" len="med"/>
+                      <a:tailEnd type="none" w="med" len="med"/>
+                    </a:lnB>
+                    <a:lnTlToBr>
+                      <a:noFill/>
+                    </a:lnTlToBr>
+                    <a:lnBlToTr>
+                      <a:noFill/>
+                    </a:lnBlToTr>
+                    <a:solidFill>
+                      <a:srgbClr val="FFFFFF"/>
+                    </a:solidFill>
+                  </a:tcPr>
+                </a:tc>
+                <a:extLst>
+                  <a:ext uri="{0D108BD9-81ED-4DB2-BD59-A6C34878D82A}">
+                    <a16:rowId xmlns:a16="http://schemas.microsoft.com/office/drawing/2014/main" val="10003"/>
+                  </a:ext>
+                </a:extLst>
+              </a:tr>
+              <a:tr h="936243">
+                <a:tc>
+                  <a:txBody>
+                    <a:bodyPr/>
+                    <a:lstStyle/>
+                    <a:p>
+                      <a:pPr marL="0" marR="0" lvl="0" indent="0" algn="ctr" defTabSz="958850" rtl="0" eaLnBrk="1" fontAlgn="base" latinLnBrk="0" hangingPunct="1">
+                        <a:lnSpc>
+                          <a:spcPct val="100000"/>
+                        </a:lnSpc>
+                        <a:spcBef>
+                          <a:spcPct val="0"/>
+                        </a:spcBef>
+                        <a:spcAft>
+                          <a:spcPct val="0"/>
+                        </a:spcAft>
+                        <a:buClr>
+                          <a:srgbClr val="000080"/>
+                        </a:buClr>
+                        <a:buSzTx/>
+                        <a:buFont typeface="Wingdings" pitchFamily="2" charset="2"/>
+                        <a:buNone/>
+                        <a:tabLst/>
+                        <a:defRPr/>
+                      </a:pPr>
+                      <a:r>
+                        <a:rPr kumimoji="0" lang="en-US" sz="600" b="1" i="0" u="none" strike="noStrike" kern="1200" cap="none" spc="0" normalizeH="0" baseline="0" noProof="0" dirty="0">
+                          <a:ln>
+                            <a:noFill/>
+                          </a:ln>
+                          <a:solidFill>
+                            <a:srgbClr val="003B4C"/>
+                          </a:solidFill>
+                          <a:effectLst/>
+                          <a:uLnTx/>
+                          <a:uFillTx/>
+                          <a:latin typeface="Arial" panose="020B0604020202020204" pitchFamily="34" charset="0"/>
+                          <a:ea typeface="+mn-ea"/>
+                          <a:cs typeface="+mn-cs"/>
+                        </a:rPr>
+                        <a:t>#</a:t>
+                      </a:r>
+                      <a:endParaRPr lang="en-US" sz="600" b="1" i="0" u="none" kern="1200" noProof="0" dirty="0">
+                        <a:solidFill>
+                          <a:schemeClr val="tx2"/>
+                        </a:solidFill>
+                        <a:latin typeface="Arial" panose="020B0604020202020204" pitchFamily="34" charset="0"/>
+                        <a:ea typeface="+mn-ea"/>
+                        <a:cs typeface="+mn-cs"/>
+                      </a:endParaRPr>
+                    </a:p>
+                  </a:txBody>
+                  <a:tcPr marL="0" marR="84406" marT="0" marB="0" anchor="ctr" horzOverflow="overflow">
+                    <a:lnL cap="flat">
+                      <a:noFill/>
+                    </a:lnL>
+                    <a:lnR>
+                      <a:noFill/>
+                    </a:lnR>
+                    <a:lnT w="9525" cap="flat" cmpd="sng" algn="ctr">
+                      <a:solidFill>
+                        <a:schemeClr val="bg2"/>
+                      </a:solidFill>
+                      <a:prstDash val="solid"/>
+                      <a:round/>
+                      <a:headEnd type="none" w="med" len="med"/>
+                      <a:tailEnd type="none" w="med" len="med"/>
+                    </a:lnT>
+                    <a:lnB w="9525" cap="flat" cmpd="sng" algn="ctr">
+                      <a:solidFill>
+                        <a:schemeClr val="bg2"/>
+                      </a:solidFill>
+                      <a:prstDash val="solid"/>
+                      <a:round/>
+                      <a:headEnd type="none" w="med" len="med"/>
+                      <a:tailEnd type="none" w="med" len="med"/>
+                    </a:lnB>
+                    <a:lnTlToBr>
+                      <a:noFill/>
+                    </a:lnTlToBr>
+                    <a:lnBlToTr>
+                      <a:noFill/>
+                    </a:lnBlToTr>
+                    <a:solidFill>
+                      <a:srgbClr val="F0F5F7"/>
+                    </a:solidFill>
+                  </a:tcPr>
+                </a:tc>
+                <a:tc>
+                  <a:txBody>
+                    <a:bodyPr/>
+                    <a:lstStyle/>
+                    <a:p>
+                      <a:pPr marL="0" marR="0" lvl="0" indent="0" algn="l" defTabSz="958850" rtl="0" eaLnBrk="1" fontAlgn="base" latinLnBrk="0" hangingPunct="1">
+                        <a:lnSpc>
+                          <a:spcPct val="100000"/>
+                        </a:lnSpc>
+                        <a:spcBef>
+                          <a:spcPct val="0"/>
+                        </a:spcBef>
+                        <a:spcAft>
+                          <a:spcPct val="0"/>
+                        </a:spcAft>
+                        <a:buClr>
+                          <a:srgbClr val="000080"/>
+                        </a:buClr>
+                        <a:buSzTx/>
+                        <a:buFont typeface="Wingdings" pitchFamily="2" charset="2"/>
+                        <a:buNone/>
+                        <a:tabLst/>
+                        <a:defRPr/>
+                      </a:pPr>
+                      <a:endParaRPr lang="en-US" sz="700" b="0" i="0" u="none" kern="1200" noProof="0" dirty="0">
+                        <a:solidFill>
+                          <a:schemeClr val="tx2"/>
+                        </a:solidFill>
+                        <a:highlight>
+                          <a:srgbClr val="FFFF00"/>
+                        </a:highlight>
+                        <a:latin typeface="Arial" panose="020B0604020202020204" pitchFamily="34" charset="0"/>
+                        <a:ea typeface="+mn-ea"/>
+                        <a:cs typeface="+mn-cs"/>
+                      </a:endParaRPr>
+                    </a:p>
+                    <a:p>
+                      <a:pPr marL="0" marR="0" lvl="0" indent="0" algn="l" defTabSz="958850" rtl="0" eaLnBrk="1" fontAlgn="base" latinLnBrk="0" hangingPunct="1">
+                        <a:lnSpc>
+                          <a:spcPct val="100000"/>
+                        </a:lnSpc>
+                        <a:spcBef>
+                          <a:spcPct val="0"/>
+                        </a:spcBef>
+                        <a:spcAft>
+                          <a:spcPct val="0"/>
+                        </a:spcAft>
+                        <a:buClr>
+                          <a:srgbClr val="000080"/>
+                        </a:buClr>
+                        <a:buSzTx/>
+                        <a:buFont typeface="Wingdings" pitchFamily="2" charset="2"/>
+                        <a:buNone/>
+                        <a:tabLst/>
+                        <a:defRPr/>
+                      </a:pPr>
+                      <a:endParaRPr lang="en-US" sz="700" b="0" i="0" u="none" kern="1200" noProof="0" dirty="0">
+                        <a:solidFill>
+                          <a:schemeClr val="tx2"/>
+                        </a:solidFill>
+                        <a:highlight>
+                          <a:srgbClr val="FFFF00"/>
+                        </a:highlight>
+                        <a:latin typeface="Arial" panose="020B0604020202020204" pitchFamily="34" charset="0"/>
+                        <a:ea typeface="+mn-ea"/>
+                        <a:cs typeface="+mn-cs"/>
+                      </a:endParaRPr>
+                    </a:p>
+                    <a:p>
+                      <a:pPr marL="0" marR="0" lvl="0" indent="0" algn="l" defTabSz="958850" rtl="0" eaLnBrk="1" fontAlgn="base" latinLnBrk="0" hangingPunct="1">
+                        <a:lnSpc>
+                          <a:spcPct val="100000"/>
+                        </a:lnSpc>
+                        <a:spcBef>
+                          <a:spcPct val="0"/>
+                        </a:spcBef>
+                        <a:spcAft>
+                          <a:spcPct val="0"/>
+                        </a:spcAft>
+                        <a:buClr>
+                          <a:srgbClr val="000080"/>
+                        </a:buClr>
+                        <a:buSzTx/>
+                        <a:buFont typeface="Wingdings" pitchFamily="2" charset="2"/>
+                        <a:buNone/>
+                        <a:tabLst/>
+                        <a:defRPr/>
+                      </a:pPr>
+                      <a:endParaRPr lang="en-US" sz="700" b="0" i="0" u="none" kern="1200" noProof="0" dirty="0">
+                        <a:solidFill>
+                          <a:schemeClr val="tx2"/>
+                        </a:solidFill>
+                        <a:highlight>
+                          <a:srgbClr val="FFFF00"/>
+                        </a:highlight>
+                        <a:latin typeface="Arial" panose="020B0604020202020204" pitchFamily="34" charset="0"/>
+                        <a:ea typeface="+mn-ea"/>
+                        <a:cs typeface="+mn-cs"/>
+                      </a:endParaRPr>
+                    </a:p>
+                    <a:p>
+                      <a:pPr marL="0" marR="0" lvl="0" indent="0" algn="l" defTabSz="958850" rtl="0" eaLnBrk="1" fontAlgn="base" latinLnBrk="0" hangingPunct="1">
+                        <a:lnSpc>
+                          <a:spcPct val="100000"/>
+                        </a:lnSpc>
+                        <a:spcBef>
+                          <a:spcPct val="0"/>
+                        </a:spcBef>
+                        <a:spcAft>
+                          <a:spcPct val="0"/>
+                        </a:spcAft>
+                        <a:buClr>
+                          <a:srgbClr val="000080"/>
+                        </a:buClr>
+                        <a:buSzTx/>
+                        <a:buFont typeface="Wingdings" pitchFamily="2" charset="2"/>
+                        <a:buNone/>
+                        <a:tabLst/>
+                        <a:defRPr/>
+                      </a:pPr>
+                      <a:endParaRPr lang="en-US" sz="700" b="0" i="0" u="none" kern="1200" noProof="0" dirty="0">
+                        <a:solidFill>
+                          <a:schemeClr val="tx2"/>
+                        </a:solidFill>
+                        <a:highlight>
+                          <a:srgbClr val="FFFF00"/>
+                        </a:highlight>
+                        <a:latin typeface="Arial" panose="020B0604020202020204" pitchFamily="34" charset="0"/>
+                        <a:ea typeface="+mn-ea"/>
+                        <a:cs typeface="+mn-cs"/>
+                      </a:endParaRPr>
+                    </a:p>
+                    <a:p>
+                      <a:pPr marL="0" marR="0" lvl="0" indent="0" algn="l" defTabSz="958850" rtl="0" eaLnBrk="1" fontAlgn="base" latinLnBrk="0" hangingPunct="1">
+                        <a:lnSpc>
+                          <a:spcPct val="100000"/>
+                        </a:lnSpc>
+                        <a:spcBef>
+                          <a:spcPct val="0"/>
+                        </a:spcBef>
+                        <a:spcAft>
+                          <a:spcPct val="0"/>
+                        </a:spcAft>
+                        <a:buClr>
+                          <a:srgbClr val="000080"/>
+                        </a:buClr>
+                        <a:buSzTx/>
+                        <a:buFont typeface="Wingdings" pitchFamily="2" charset="2"/>
+                        <a:buNone/>
+                        <a:tabLst/>
+                        <a:defRPr/>
+                      </a:pPr>
+                      <a:endParaRPr kumimoji="0" lang="en-US" sz="700" b="0" i="0" u="none" strike="noStrike" kern="1200" cap="none" spc="0" normalizeH="0" baseline="0" noProof="0" dirty="0">
+                        <a:ln>
+                          <a:noFill/>
+                        </a:ln>
+                        <a:solidFill>
+                          <a:srgbClr val="003B4C"/>
+                        </a:solidFill>
+                        <a:effectLst/>
+                        <a:uLnTx/>
+                        <a:uFillTx/>
+                        <a:latin typeface="Arial" panose="020B0604020202020204" pitchFamily="34" charset="0"/>
+                        <a:ea typeface="+mn-ea"/>
+                        <a:cs typeface="+mn-cs"/>
+                      </a:endParaRPr>
+                    </a:p>
+                    <a:p>
+                      <a:pPr marL="0" marR="0" lvl="0" indent="0" algn="l" defTabSz="958850" rtl="0" eaLnBrk="1" fontAlgn="base" latinLnBrk="0" hangingPunct="1">
+                        <a:lnSpc>
+                          <a:spcPct val="100000"/>
+                        </a:lnSpc>
+                        <a:spcBef>
+                          <a:spcPct val="0"/>
+                        </a:spcBef>
+                        <a:spcAft>
+                          <a:spcPct val="0"/>
+                        </a:spcAft>
+                        <a:buClr>
+                          <a:srgbClr val="000080"/>
+                        </a:buClr>
+                        <a:buSzTx/>
+                        <a:buFont typeface="Wingdings" pitchFamily="2" charset="2"/>
+                        <a:buNone/>
+                        <a:tabLst/>
+                        <a:defRPr/>
+                      </a:pPr>
+                      <a:endParaRPr kumimoji="0" lang="en-US" sz="700" b="0" i="0" u="none" strike="noStrike" kern="1200" cap="none" spc="0" normalizeH="0" baseline="0" noProof="0" dirty="0">
+                        <a:ln>
+                          <a:noFill/>
+                        </a:ln>
+                        <a:solidFill>
+                          <a:srgbClr val="003B4C"/>
+                        </a:solidFill>
+                        <a:effectLst/>
+                        <a:uLnTx/>
+                        <a:uFillTx/>
+                        <a:latin typeface="Arial" panose="020B0604020202020204" pitchFamily="34" charset="0"/>
+                        <a:ea typeface="+mn-ea"/>
+                        <a:cs typeface="+mn-cs"/>
+                      </a:endParaRPr>
+                    </a:p>
+                    <a:p>
+                      <a:pPr marL="0" marR="0" lvl="0" indent="0" algn="l" defTabSz="958850" rtl="0" eaLnBrk="1" fontAlgn="base" latinLnBrk="0" hangingPunct="1">
+                        <a:lnSpc>
+                          <a:spcPct val="100000"/>
+                        </a:lnSpc>
+                        <a:spcBef>
+                          <a:spcPct val="0"/>
+                        </a:spcBef>
+                        <a:spcAft>
+                          <a:spcPct val="0"/>
+                        </a:spcAft>
+                        <a:buClr>
+                          <a:srgbClr val="000080"/>
+                        </a:buClr>
+                        <a:buSzTx/>
+                        <a:buFont typeface="Wingdings" pitchFamily="2" charset="2"/>
+                        <a:buNone/>
+                        <a:tabLst/>
+                        <a:defRPr/>
+                      </a:pPr>
+                      <a:r>
+                        <a:rPr kumimoji="0" lang="en-US" sz="700" b="0" i="0" u="none" strike="noStrike" kern="1200" cap="none" spc="0" normalizeH="0" baseline="0" noProof="0" dirty="0">
+                          <a:ln>
+                            <a:noFill/>
+                          </a:ln>
+                          <a:solidFill>
+                            <a:srgbClr val="003B4C"/>
+                          </a:solidFill>
+                          <a:effectLst/>
+                          <a:uLnTx/>
+                          <a:uFillTx/>
+                          <a:latin typeface="Arial" panose="020B0604020202020204" pitchFamily="34" charset="0"/>
+                          <a:ea typeface="+mn-ea"/>
+                          <a:cs typeface="+mn-cs"/>
+                        </a:rPr>
+                        <a:t>Country4</a:t>
+                      </a:r>
+                    </a:p>
+                  </a:txBody>
+                  <a:tcPr marL="0" marR="84406" marT="0" marB="0" anchor="ctr" horzOverflow="overflow">
+                    <a:lnL cap="flat">
+                      <a:noFill/>
+                    </a:lnL>
+                    <a:lnR>
+                      <a:noFill/>
+                    </a:lnR>
+                    <a:lnT w="9525" cap="flat" cmpd="sng" algn="ctr">
+                      <a:solidFill>
+                        <a:schemeClr val="bg2"/>
+                      </a:solidFill>
+                      <a:prstDash val="solid"/>
+                      <a:round/>
+                      <a:headEnd type="none" w="med" len="med"/>
+                      <a:tailEnd type="none" w="med" len="med"/>
+                    </a:lnT>
+                    <a:lnB w="9525" cap="flat" cmpd="sng" algn="ctr">
+                      <a:solidFill>
+                        <a:schemeClr val="bg2"/>
+                      </a:solidFill>
+                      <a:prstDash val="solid"/>
+                      <a:round/>
+                      <a:headEnd type="none" w="med" len="med"/>
+                      <a:tailEnd type="none" w="med" len="med"/>
+                    </a:lnB>
+                    <a:lnTlToBr>
+                      <a:noFill/>
+                    </a:lnTlToBr>
+                    <a:lnBlToTr>
+                      <a:noFill/>
+                    </a:lnBlToTr>
+                    <a:solidFill>
+                      <a:srgbClr val="F0F5F7"/>
+                    </a:solidFill>
+                  </a:tcPr>
+                </a:tc>
+                <a:tc>
+                  <a:txBody>
+                    <a:bodyPr/>
+                    <a:lstStyle/>
+                    <a:p>
+                      <a:pPr marL="0" marR="0" lvl="0" indent="0" algn="l" defTabSz="914395" rtl="0" eaLnBrk="1" fontAlgn="t" latinLnBrk="0" hangingPunct="1">
+                        <a:lnSpc>
+                          <a:spcPct val="100000"/>
+                        </a:lnSpc>
+                        <a:spcBef>
+                          <a:spcPts val="0"/>
+                        </a:spcBef>
+                        <a:spcAft>
+                          <a:spcPts val="0"/>
+                        </a:spcAft>
+                        <a:buClr>
+                          <a:srgbClr val="003B4C"/>
+                        </a:buClr>
+                        <a:buSzTx/>
+                        <a:buFont typeface="Wingdings" panose="05000000000000000000" pitchFamily="2" charset="2"/>
+                        <a:buNone/>
+                        <a:tabLst/>
+                        <a:defRPr/>
+                      </a:pPr>
+                      <a:r>
+                        <a:rPr kumimoji="0" lang="en-US" sz="700" b="0" i="0" u="none" strike="noStrike" kern="1200" cap="none" spc="0" normalizeH="0" baseline="0" noProof="0" dirty="0">
+                          <a:ln>
+                            <a:noFill/>
+                          </a:ln>
+                          <a:solidFill>
+                            <a:srgbClr val="003B4C"/>
+                          </a:solidFill>
+                          <a:effectLst/>
+                          <a:uLnTx/>
+                          <a:uFillTx/>
+                          <a:latin typeface="Arial" panose="020B0604020202020204" pitchFamily="34" charset="0"/>
+                          <a:ea typeface="+mn-ea"/>
+                          <a:cs typeface="+mn-cs"/>
+                        </a:rPr>
+                        <a:t>Type4</a:t>
+                      </a:r>
+                    </a:p>
+                  </a:txBody>
+                  <a:tcPr marL="168812" marR="0" marT="0" marB="0" anchor="ctr">
+                    <a:lnL>
+                      <a:noFill/>
+                    </a:lnL>
+                    <a:lnR>
+                      <a:noFill/>
+                    </a:lnR>
+                    <a:lnT w="9525" cap="flat" cmpd="sng" algn="ctr">
+                      <a:solidFill>
+                        <a:schemeClr val="bg2"/>
+                      </a:solidFill>
+                      <a:prstDash val="solid"/>
+                      <a:round/>
+                      <a:headEnd type="none" w="med" len="med"/>
+                      <a:tailEnd type="none" w="med" len="med"/>
+                    </a:lnT>
+                    <a:lnB w="9525" cap="flat" cmpd="sng" algn="ctr">
+                      <a:solidFill>
+                        <a:schemeClr val="bg2"/>
+                      </a:solidFill>
+                      <a:prstDash val="solid"/>
+                      <a:round/>
+                      <a:headEnd type="none" w="med" len="med"/>
+                      <a:tailEnd type="none" w="med" len="med"/>
+                    </a:lnB>
+                    <a:lnTlToBr>
+                      <a:noFill/>
+                    </a:lnTlToBr>
+                    <a:lnBlToTr>
+                      <a:noFill/>
+                    </a:lnBlToTr>
+                    <a:solidFill>
+                      <a:srgbClr val="F0F5F7"/>
+                    </a:solidFill>
+                  </a:tcPr>
+                </a:tc>
+                <a:tc>
+                  <a:txBody>
+                    <a:bodyPr/>
+                    <a:lstStyle/>
+                    <a:p>
+                      <a:pPr marL="0" marR="0" lvl="0" indent="0" algn="ctr" defTabSz="914395" rtl="0" eaLnBrk="1" fontAlgn="t" latinLnBrk="0" hangingPunct="1">
+                        <a:lnSpc>
+                          <a:spcPct val="100000"/>
+                        </a:lnSpc>
+                        <a:spcBef>
+                          <a:spcPts val="0"/>
+                        </a:spcBef>
+                        <a:spcAft>
+                          <a:spcPts val="0"/>
+                        </a:spcAft>
+                        <a:buClrTx/>
+                        <a:buSzTx/>
+                        <a:buFontTx/>
+                        <a:buNone/>
+                        <a:tabLst/>
+                        <a:defRPr/>
+                      </a:pPr>
+                      <a:r>
+                        <a:rPr kumimoji="0" lang="en-US" sz="700" b="0" i="0" u="none" strike="noStrike" kern="1200" cap="none" spc="0" normalizeH="0" baseline="0" noProof="0" dirty="0">
+                          <a:ln>
+                            <a:noFill/>
+                          </a:ln>
+                          <a:solidFill>
+                            <a:srgbClr val="003B4C"/>
+                          </a:solidFill>
+                          <a:effectLst/>
+                          <a:uLnTx/>
+                          <a:uFillTx/>
+                          <a:latin typeface="Arial" panose="020B0604020202020204" pitchFamily="34" charset="0"/>
+                          <a:ea typeface="+mn-ea"/>
+                          <a:cs typeface="+mn-cs"/>
+                        </a:rPr>
+                        <a:t>DryPowder4</a:t>
+                      </a:r>
+                    </a:p>
+                    <a:p>
+                      <a:pPr marL="0" marR="0" lvl="0" indent="0" algn="ctr" defTabSz="914395" rtl="0" eaLnBrk="1" fontAlgn="t" latinLnBrk="0" hangingPunct="1">
+                        <a:lnSpc>
+                          <a:spcPct val="100000"/>
+                        </a:lnSpc>
+                        <a:spcBef>
+                          <a:spcPts val="0"/>
+                        </a:spcBef>
+                        <a:spcAft>
+                          <a:spcPts val="0"/>
+                        </a:spcAft>
+                        <a:buClrTx/>
+                        <a:buSzTx/>
+                        <a:buFontTx/>
+                        <a:buNone/>
+                        <a:tabLst/>
+                        <a:defRPr/>
+                      </a:pPr>
+                      <a:r>
+                        <a:rPr kumimoji="0" lang="en-US" sz="700" b="0" i="0" u="none" strike="noStrike" kern="1200" cap="none" spc="0" normalizeH="0" baseline="0" noProof="0" dirty="0">
+                          <a:ln>
+                            <a:noFill/>
+                          </a:ln>
+                          <a:solidFill>
+                            <a:srgbClr val="003B4C"/>
+                          </a:solidFill>
+                          <a:effectLst/>
+                          <a:uLnTx/>
+                          <a:uFillTx/>
+                          <a:latin typeface="Arial" panose="020B0604020202020204" pitchFamily="34" charset="0"/>
+                          <a:ea typeface="+mn-ea"/>
+                          <a:cs typeface="+mn-cs"/>
+                        </a:rPr>
+                        <a:t>AUM4</a:t>
+                      </a:r>
+                      <a:endParaRPr kumimoji="0" lang="en-US" sz="700" b="0" i="0" u="none" strike="noStrike" kern="1200" cap="none" spc="0" normalizeH="0" baseline="0" noProof="0" dirty="0">
+                        <a:ln>
+                          <a:noFill/>
+                        </a:ln>
+                        <a:solidFill>
+                          <a:srgbClr val="FF0000"/>
+                        </a:solidFill>
+                        <a:effectLst/>
+                        <a:uLnTx/>
+                        <a:uFillTx/>
+                        <a:latin typeface="+mn-lt"/>
+                        <a:ea typeface="+mn-ea"/>
+                        <a:cs typeface="+mn-cs"/>
+                      </a:endParaRPr>
+                    </a:p>
+                  </a:txBody>
+                  <a:tcPr marL="0" marR="0" marT="0" marB="0" anchor="ctr">
+                    <a:lnL>
+                      <a:noFill/>
+                    </a:lnL>
+                    <a:lnR cap="flat">
+                      <a:noFill/>
+                    </a:lnR>
+                    <a:lnT w="9525" cap="flat" cmpd="sng" algn="ctr">
+                      <a:solidFill>
+                        <a:schemeClr val="bg2"/>
+                      </a:solidFill>
+                      <a:prstDash val="solid"/>
+                      <a:round/>
+                      <a:headEnd type="none" w="med" len="med"/>
+                      <a:tailEnd type="none" w="med" len="med"/>
+                    </a:lnT>
+                    <a:lnB w="9525" cap="flat" cmpd="sng" algn="ctr">
+                      <a:solidFill>
+                        <a:schemeClr val="bg2"/>
+                      </a:solidFill>
+                      <a:prstDash val="solid"/>
+                      <a:round/>
+                      <a:headEnd type="none" w="med" len="med"/>
+                      <a:tailEnd type="none" w="med" len="med"/>
+                    </a:lnB>
+                    <a:lnTlToBr>
+                      <a:noFill/>
+                    </a:lnTlToBr>
+                    <a:lnBlToTr>
+                      <a:noFill/>
+                    </a:lnBlToTr>
+                    <a:solidFill>
+                      <a:srgbClr val="F0F5F7"/>
+                    </a:solidFill>
+                  </a:tcPr>
+                </a:tc>
+                <a:tc>
+                  <a:txBody>
+                    <a:bodyPr/>
+                    <a:lstStyle/>
+                    <a:p>
+                      <a:pPr marL="0" marR="0" lvl="0" indent="0" algn="ctr" defTabSz="914395" rtl="0" eaLnBrk="1" fontAlgn="t" latinLnBrk="0" hangingPunct="1">
+                        <a:lnSpc>
+                          <a:spcPct val="100000"/>
+                        </a:lnSpc>
+                        <a:spcBef>
+                          <a:spcPts val="0"/>
+                        </a:spcBef>
+                        <a:spcAft>
+                          <a:spcPts val="0"/>
+                        </a:spcAft>
+                        <a:buClrTx/>
+                        <a:buSzTx/>
+                        <a:buFontTx/>
+                        <a:buNone/>
+                        <a:tabLst/>
+                        <a:defRPr/>
+                      </a:pPr>
+                      <a:r>
+                        <a:rPr kumimoji="0" lang="en-US" sz="2200" b="0" i="0" u="none" strike="noStrike" kern="1200" cap="none" spc="0" normalizeH="0" baseline="0" noProof="0" dirty="0">
+                          <a:ln>
+                            <a:noFill/>
+                          </a:ln>
+                          <a:solidFill>
+                            <a:srgbClr val="00A87E"/>
+                          </a:solidFill>
+                          <a:effectLst/>
+                          <a:uLnTx/>
+                          <a:uFillTx/>
+                          <a:latin typeface="+mn-lt"/>
+                          <a:ea typeface="+mn-ea"/>
+                          <a:cs typeface="+mn-cs"/>
+                          <a:sym typeface="Wingdings"/>
+                        </a:rPr>
+                        <a:t></a:t>
+                      </a:r>
+                      <a:endParaRPr kumimoji="0" lang="en-US" sz="2200" b="0" i="0" u="none" strike="noStrike" kern="1200" cap="none" spc="0" normalizeH="0" baseline="0" noProof="0" dirty="0">
+                        <a:ln>
+                          <a:noFill/>
+                        </a:ln>
+                        <a:solidFill>
+                          <a:srgbClr val="FF0000"/>
+                        </a:solidFill>
+                        <a:effectLst/>
+                        <a:uLnTx/>
+                        <a:uFillTx/>
+                        <a:latin typeface="+mn-lt"/>
+                        <a:ea typeface="+mn-ea"/>
+                        <a:cs typeface="+mn-cs"/>
+                      </a:endParaRPr>
+                    </a:p>
+                  </a:txBody>
+                  <a:tcPr marL="0" marR="0" marT="0" marB="0" anchor="ctr">
+                    <a:lnL>
+                      <a:noFill/>
+                    </a:lnL>
+                    <a:lnR cap="flat">
+                      <a:noFill/>
+                    </a:lnR>
+                    <a:lnT w="9525" cap="flat" cmpd="sng" algn="ctr">
+                      <a:solidFill>
+                        <a:schemeClr val="bg2"/>
+                      </a:solidFill>
+                      <a:prstDash val="solid"/>
+                      <a:round/>
+                      <a:headEnd type="none" w="med" len="med"/>
+                      <a:tailEnd type="none" w="med" len="med"/>
+                    </a:lnT>
+                    <a:lnB w="9525" cap="flat" cmpd="sng" algn="ctr">
+                      <a:solidFill>
+                        <a:schemeClr val="bg2"/>
+                      </a:solidFill>
+                      <a:prstDash val="solid"/>
+                      <a:round/>
+                      <a:headEnd type="none" w="med" len="med"/>
+                      <a:tailEnd type="none" w="med" len="med"/>
+                    </a:lnB>
+                    <a:lnTlToBr>
+                      <a:noFill/>
+                    </a:lnTlToBr>
+                    <a:lnBlToTr>
+                      <a:noFill/>
+                    </a:lnBlToTr>
+                    <a:solidFill>
+                      <a:srgbClr val="F0F5F7"/>
+                    </a:solidFill>
+                  </a:tcPr>
+                </a:tc>
+                <a:tc>
+                  <a:txBody>
+                    <a:bodyPr/>
+                    <a:lstStyle/>
+                    <a:p>
+                      <a:pPr marL="0" marR="0" lvl="0" indent="0" algn="ctr" defTabSz="914395" rtl="0" eaLnBrk="1" fontAlgn="t" latinLnBrk="0" hangingPunct="1">
+                        <a:lnSpc>
+                          <a:spcPct val="100000"/>
+                        </a:lnSpc>
+                        <a:spcBef>
+                          <a:spcPts val="0"/>
+                        </a:spcBef>
+                        <a:spcAft>
+                          <a:spcPts val="0"/>
+                        </a:spcAft>
+                        <a:buClrTx/>
+                        <a:buSzTx/>
+                        <a:buFontTx/>
+                        <a:buNone/>
+                        <a:tabLst/>
+                        <a:defRPr/>
+                      </a:pPr>
+                      <a:endParaRPr lang="en-US" sz="700" noProof="0" dirty="0">
+                        <a:solidFill>
+                          <a:srgbClr val="003B4C"/>
+                        </a:solidFill>
+                        <a:latin typeface="+mn-lt"/>
+                      </a:endParaRPr>
+                    </a:p>
+                    <a:p>
+                      <a:pPr marL="0" marR="0" lvl="0" indent="0" algn="ctr" defTabSz="914395" rtl="0" eaLnBrk="1" fontAlgn="t" latinLnBrk="0" hangingPunct="1">
+                        <a:lnSpc>
+                          <a:spcPct val="100000"/>
+                        </a:lnSpc>
+                        <a:spcBef>
+                          <a:spcPts val="0"/>
+                        </a:spcBef>
+                        <a:spcAft>
+                          <a:spcPts val="0"/>
+                        </a:spcAft>
+                        <a:buClrTx/>
+                        <a:buSzTx/>
+                        <a:buFontTx/>
+                        <a:buNone/>
+                        <a:tabLst/>
+                        <a:defRPr/>
+                      </a:pPr>
+                      <a:endParaRPr lang="en-US" sz="700" noProof="0" dirty="0">
+                        <a:solidFill>
+                          <a:srgbClr val="003B4C"/>
+                        </a:solidFill>
+                        <a:latin typeface="+mn-lt"/>
+                      </a:endParaRPr>
+                    </a:p>
+                    <a:p>
+                      <a:pPr marL="0" marR="0" lvl="0" indent="0" algn="ctr" defTabSz="914395" rtl="0" eaLnBrk="1" fontAlgn="t" latinLnBrk="0" hangingPunct="1">
+                        <a:lnSpc>
+                          <a:spcPct val="100000"/>
+                        </a:lnSpc>
+                        <a:spcBef>
+                          <a:spcPts val="0"/>
+                        </a:spcBef>
+                        <a:spcAft>
+                          <a:spcPts val="0"/>
+                        </a:spcAft>
+                        <a:buClrTx/>
+                        <a:buSzTx/>
+                        <a:buFontTx/>
+                        <a:buNone/>
+                        <a:tabLst/>
+                        <a:defRPr/>
+                      </a:pPr>
+                      <a:endParaRPr lang="en-US" sz="700" noProof="0" dirty="0">
+                        <a:solidFill>
+                          <a:srgbClr val="003B4C"/>
+                        </a:solidFill>
+                        <a:latin typeface="+mn-lt"/>
+                      </a:endParaRPr>
+                    </a:p>
+                    <a:p>
+                      <a:pPr marL="0" marR="0" lvl="0" indent="0" algn="ctr" defTabSz="914395" rtl="0" eaLnBrk="1" fontAlgn="t" latinLnBrk="0" hangingPunct="1">
+                        <a:lnSpc>
+                          <a:spcPct val="100000"/>
+                        </a:lnSpc>
+                        <a:spcBef>
+                          <a:spcPts val="0"/>
+                        </a:spcBef>
+                        <a:spcAft>
+                          <a:spcPts val="0"/>
+                        </a:spcAft>
+                        <a:buClrTx/>
+                        <a:buSzTx/>
+                        <a:buFontTx/>
+                        <a:buNone/>
+                        <a:tabLst/>
+                        <a:defRPr/>
+                      </a:pPr>
+                      <a:endParaRPr lang="en-US" sz="700" noProof="0" dirty="0">
+                        <a:solidFill>
+                          <a:srgbClr val="003B4C"/>
+                        </a:solidFill>
+                        <a:latin typeface="+mn-lt"/>
+                      </a:endParaRPr>
+                    </a:p>
+                    <a:p>
+                      <a:pPr marL="0" marR="0" lvl="0" indent="0" algn="ctr" defTabSz="914395" rtl="0" eaLnBrk="1" fontAlgn="t" latinLnBrk="0" hangingPunct="1">
+                        <a:lnSpc>
+                          <a:spcPct val="100000"/>
+                        </a:lnSpc>
+                        <a:spcBef>
+                          <a:spcPts val="0"/>
+                        </a:spcBef>
+                        <a:spcAft>
+                          <a:spcPts val="0"/>
+                        </a:spcAft>
+                        <a:buClrTx/>
+                        <a:buSzTx/>
+                        <a:buFontTx/>
+                        <a:buNone/>
+                        <a:tabLst/>
+                        <a:defRPr/>
+                      </a:pPr>
+                      <a:endParaRPr lang="en-US" sz="700" noProof="0" dirty="0">
+                        <a:solidFill>
+                          <a:srgbClr val="003B4C"/>
+                        </a:solidFill>
+                        <a:latin typeface="+mn-lt"/>
+                      </a:endParaRPr>
+                    </a:p>
+                    <a:p>
+                      <a:pPr marL="0" marR="0" lvl="0" indent="0" algn="ctr" defTabSz="914395" rtl="0" eaLnBrk="1" fontAlgn="t" latinLnBrk="0" hangingPunct="1">
+                        <a:lnSpc>
+                          <a:spcPct val="100000"/>
+                        </a:lnSpc>
+                        <a:spcBef>
+                          <a:spcPts val="0"/>
+                        </a:spcBef>
+                        <a:spcAft>
+                          <a:spcPts val="0"/>
+                        </a:spcAft>
+                        <a:buClrTx/>
+                        <a:buSzTx/>
+                        <a:buFontTx/>
+                        <a:buNone/>
+                        <a:tabLst/>
+                        <a:defRPr/>
+                      </a:pPr>
+                      <a:r>
+                        <a:rPr lang="en-US" sz="700" noProof="0" dirty="0">
+                          <a:solidFill>
+                            <a:srgbClr val="003B4C"/>
+                          </a:solidFill>
+                          <a:latin typeface="+mn-lt"/>
+                        </a:rPr>
+                        <a:t>Investment1</a:t>
+                      </a:r>
+                    </a:p>
+                  </a:txBody>
+                  <a:tcPr marL="0" marR="0" marT="0" marB="0" anchor="ctr">
+                    <a:lnL>
+                      <a:noFill/>
+                    </a:lnL>
+                    <a:lnR cap="flat">
+                      <a:noFill/>
+                    </a:lnR>
+                    <a:lnT w="9525" cap="flat" cmpd="sng" algn="ctr">
+                      <a:solidFill>
+                        <a:schemeClr val="bg2"/>
+                      </a:solidFill>
+                      <a:prstDash val="solid"/>
+                      <a:round/>
+                      <a:headEnd type="none" w="med" len="med"/>
+                      <a:tailEnd type="none" w="med" len="med"/>
+                    </a:lnT>
+                    <a:lnB w="9525" cap="flat" cmpd="sng" algn="ctr">
+                      <a:solidFill>
+                        <a:schemeClr val="bg2"/>
+                      </a:solidFill>
+                      <a:prstDash val="solid"/>
+                      <a:round/>
+                      <a:headEnd type="none" w="med" len="med"/>
+                      <a:tailEnd type="none" w="med" len="med"/>
+                    </a:lnB>
+                    <a:lnTlToBr>
+                      <a:noFill/>
+                    </a:lnTlToBr>
+                    <a:lnBlToTr>
+                      <a:noFill/>
+                    </a:lnBlToTr>
+                    <a:solidFill>
+                      <a:srgbClr val="F0F5F7"/>
+                    </a:solidFill>
+                  </a:tcPr>
+                </a:tc>
+                <a:tc>
+                  <a:txBody>
+                    <a:bodyPr/>
+                    <a:lstStyle/>
+                    <a:p>
+                      <a:pPr marL="0" marR="0" lvl="0" indent="0" algn="ctr" defTabSz="914395" rtl="0" eaLnBrk="1" fontAlgn="t" latinLnBrk="0" hangingPunct="1">
+                        <a:lnSpc>
+                          <a:spcPct val="100000"/>
+                        </a:lnSpc>
+                        <a:spcBef>
+                          <a:spcPts val="0"/>
+                        </a:spcBef>
+                        <a:spcAft>
+                          <a:spcPts val="0"/>
+                        </a:spcAft>
+                        <a:buClrTx/>
+                        <a:buSzTx/>
+                        <a:buFontTx/>
+                        <a:buNone/>
+                        <a:tabLst/>
+                        <a:defRPr/>
+                      </a:pPr>
+                      <a:endParaRPr lang="en-US" sz="700" noProof="0" dirty="0">
+                        <a:solidFill>
+                          <a:srgbClr val="003B4C"/>
+                        </a:solidFill>
+                        <a:latin typeface="+mn-lt"/>
+                      </a:endParaRPr>
+                    </a:p>
+                    <a:p>
+                      <a:pPr marL="0" marR="0" lvl="0" indent="0" algn="ctr" defTabSz="914395" rtl="0" eaLnBrk="1" fontAlgn="t" latinLnBrk="0" hangingPunct="1">
+                        <a:lnSpc>
+                          <a:spcPct val="100000"/>
+                        </a:lnSpc>
+                        <a:spcBef>
+                          <a:spcPts val="0"/>
+                        </a:spcBef>
+                        <a:spcAft>
+                          <a:spcPts val="0"/>
+                        </a:spcAft>
+                        <a:buClrTx/>
+                        <a:buSzTx/>
+                        <a:buFontTx/>
+                        <a:buNone/>
+                        <a:tabLst/>
+                        <a:defRPr/>
+                      </a:pPr>
+                      <a:endParaRPr lang="en-US" sz="700" noProof="0" dirty="0">
+                        <a:solidFill>
+                          <a:srgbClr val="003B4C"/>
+                        </a:solidFill>
+                        <a:latin typeface="+mn-lt"/>
+                      </a:endParaRPr>
+                    </a:p>
+                    <a:p>
+                      <a:pPr marL="0" marR="0" lvl="0" indent="0" algn="ctr" defTabSz="914395" rtl="0" eaLnBrk="1" fontAlgn="t" latinLnBrk="0" hangingPunct="1">
+                        <a:lnSpc>
+                          <a:spcPct val="100000"/>
+                        </a:lnSpc>
+                        <a:spcBef>
+                          <a:spcPts val="0"/>
+                        </a:spcBef>
+                        <a:spcAft>
+                          <a:spcPts val="0"/>
+                        </a:spcAft>
+                        <a:buClrTx/>
+                        <a:buSzTx/>
+                        <a:buFontTx/>
+                        <a:buNone/>
+                        <a:tabLst/>
+                        <a:defRPr/>
+                      </a:pPr>
+                      <a:endParaRPr lang="en-US" sz="700" noProof="0" dirty="0">
+                        <a:solidFill>
+                          <a:srgbClr val="003B4C"/>
+                        </a:solidFill>
+                        <a:latin typeface="+mn-lt"/>
+                      </a:endParaRPr>
+                    </a:p>
+                    <a:p>
+                      <a:pPr marL="0" marR="0" lvl="0" indent="0" algn="ctr" defTabSz="914395" rtl="0" eaLnBrk="1" fontAlgn="t" latinLnBrk="0" hangingPunct="1">
+                        <a:lnSpc>
+                          <a:spcPct val="100000"/>
+                        </a:lnSpc>
+                        <a:spcBef>
+                          <a:spcPts val="0"/>
+                        </a:spcBef>
+                        <a:spcAft>
+                          <a:spcPts val="0"/>
+                        </a:spcAft>
+                        <a:buClrTx/>
+                        <a:buSzTx/>
+                        <a:buFontTx/>
+                        <a:buNone/>
+                        <a:tabLst/>
+                        <a:defRPr/>
+                      </a:pPr>
+                      <a:endParaRPr lang="en-US" sz="700" noProof="0" dirty="0">
+                        <a:solidFill>
+                          <a:srgbClr val="003B4C"/>
+                        </a:solidFill>
+                        <a:latin typeface="+mn-lt"/>
+                      </a:endParaRPr>
+                    </a:p>
+                    <a:p>
+                      <a:pPr marL="0" marR="0" lvl="0" indent="0" algn="ctr" defTabSz="914395" rtl="0" eaLnBrk="1" fontAlgn="t" latinLnBrk="0" hangingPunct="1">
+                        <a:lnSpc>
+                          <a:spcPct val="100000"/>
+                        </a:lnSpc>
+                        <a:spcBef>
+                          <a:spcPts val="0"/>
+                        </a:spcBef>
+                        <a:spcAft>
+                          <a:spcPts val="0"/>
+                        </a:spcAft>
+                        <a:buClrTx/>
+                        <a:buSzTx/>
+                        <a:buFontTx/>
+                        <a:buNone/>
+                        <a:tabLst/>
+                        <a:defRPr/>
+                      </a:pPr>
+                      <a:endParaRPr lang="en-US" sz="700" noProof="0" dirty="0">
+                        <a:solidFill>
+                          <a:srgbClr val="003B4C"/>
+                        </a:solidFill>
+                        <a:latin typeface="+mn-lt"/>
+                      </a:endParaRPr>
+                    </a:p>
+                    <a:p>
+                      <a:pPr marL="0" marR="0" lvl="0" indent="0" algn="ctr" defTabSz="914395" rtl="0" eaLnBrk="1" fontAlgn="t" latinLnBrk="0" hangingPunct="1">
+                        <a:lnSpc>
+                          <a:spcPct val="100000"/>
+                        </a:lnSpc>
+                        <a:spcBef>
+                          <a:spcPts val="0"/>
+                        </a:spcBef>
+                        <a:spcAft>
+                          <a:spcPts val="0"/>
+                        </a:spcAft>
+                        <a:buClrTx/>
+                        <a:buSzTx/>
+                        <a:buFontTx/>
+                        <a:buNone/>
+                        <a:tabLst/>
+                        <a:defRPr/>
+                      </a:pPr>
+                      <a:r>
+                        <a:rPr lang="en-US" sz="700" noProof="0" dirty="0">
+                          <a:solidFill>
+                            <a:srgbClr val="003B4C"/>
+                          </a:solidFill>
+                          <a:latin typeface="+mn-lt"/>
+                        </a:rPr>
+                        <a:t>Investment2</a:t>
+                      </a:r>
+                    </a:p>
+                  </a:txBody>
+                  <a:tcPr marL="0" marR="0" marT="0" marB="0" anchor="ctr">
+                    <a:lnL>
+                      <a:noFill/>
+                    </a:lnL>
+                    <a:lnR cap="flat">
+                      <a:noFill/>
+                    </a:lnR>
+                    <a:lnT w="9525" cap="flat" cmpd="sng" algn="ctr">
+                      <a:solidFill>
+                        <a:schemeClr val="bg2"/>
+                      </a:solidFill>
+                      <a:prstDash val="solid"/>
+                      <a:round/>
+                      <a:headEnd type="none" w="med" len="med"/>
+                      <a:tailEnd type="none" w="med" len="med"/>
+                    </a:lnT>
+                    <a:lnB w="9525" cap="flat" cmpd="sng" algn="ctr">
+                      <a:solidFill>
+                        <a:schemeClr val="bg2"/>
+                      </a:solidFill>
+                      <a:prstDash val="solid"/>
+                      <a:round/>
+                      <a:headEnd type="none" w="med" len="med"/>
+                      <a:tailEnd type="none" w="med" len="med"/>
+                    </a:lnB>
+                    <a:lnTlToBr>
+                      <a:noFill/>
+                    </a:lnTlToBr>
+                    <a:lnBlToTr>
+                      <a:noFill/>
+                    </a:lnBlToTr>
+                    <a:solidFill>
+                      <a:srgbClr val="F0F5F7"/>
+                    </a:solidFill>
+                  </a:tcPr>
+                </a:tc>
+                <a:tc>
+                  <a:txBody>
+                    <a:bodyPr/>
+                    <a:lstStyle/>
+                    <a:p>
+                      <a:pPr marL="0" marR="0" lvl="0" indent="0" algn="ctr" defTabSz="914395" rtl="0" eaLnBrk="1" fontAlgn="t" latinLnBrk="0" hangingPunct="1">
+                        <a:lnSpc>
+                          <a:spcPct val="100000"/>
+                        </a:lnSpc>
+                        <a:spcBef>
+                          <a:spcPts val="0"/>
+                        </a:spcBef>
+                        <a:spcAft>
+                          <a:spcPts val="0"/>
+                        </a:spcAft>
+                        <a:buClrTx/>
+                        <a:buSzTx/>
+                        <a:buFontTx/>
+                        <a:buNone/>
+                        <a:tabLst/>
+                        <a:defRPr/>
+                      </a:pPr>
+                      <a:endParaRPr lang="en-US" sz="700" noProof="0" dirty="0">
+                        <a:solidFill>
+                          <a:srgbClr val="003B4C"/>
+                        </a:solidFill>
+                        <a:latin typeface="+mn-lt"/>
+                      </a:endParaRPr>
+                    </a:p>
+                    <a:p>
+                      <a:pPr marL="0" marR="0" lvl="0" indent="0" algn="ctr" defTabSz="914395" rtl="0" eaLnBrk="1" fontAlgn="t" latinLnBrk="0" hangingPunct="1">
+                        <a:lnSpc>
+                          <a:spcPct val="100000"/>
+                        </a:lnSpc>
+                        <a:spcBef>
+                          <a:spcPts val="0"/>
+                        </a:spcBef>
+                        <a:spcAft>
+                          <a:spcPts val="0"/>
+                        </a:spcAft>
+                        <a:buClrTx/>
+                        <a:buSzTx/>
+                        <a:buFontTx/>
+                        <a:buNone/>
+                        <a:tabLst/>
+                        <a:defRPr/>
+                      </a:pPr>
+                      <a:endParaRPr lang="en-US" sz="700" noProof="0" dirty="0">
+                        <a:solidFill>
+                          <a:srgbClr val="003B4C"/>
+                        </a:solidFill>
+                        <a:latin typeface="+mn-lt"/>
+                      </a:endParaRPr>
+                    </a:p>
+                    <a:p>
+                      <a:pPr marL="0" marR="0" lvl="0" indent="0" algn="ctr" defTabSz="914395" rtl="0" eaLnBrk="1" fontAlgn="t" latinLnBrk="0" hangingPunct="1">
+                        <a:lnSpc>
+                          <a:spcPct val="100000"/>
+                        </a:lnSpc>
+                        <a:spcBef>
+                          <a:spcPts val="0"/>
+                        </a:spcBef>
+                        <a:spcAft>
+                          <a:spcPts val="0"/>
+                        </a:spcAft>
+                        <a:buClrTx/>
+                        <a:buSzTx/>
+                        <a:buFontTx/>
+                        <a:buNone/>
+                        <a:tabLst/>
+                        <a:defRPr/>
+                      </a:pPr>
+                      <a:endParaRPr lang="en-US" sz="700" noProof="0" dirty="0">
+                        <a:solidFill>
+                          <a:srgbClr val="003B4C"/>
+                        </a:solidFill>
+                        <a:latin typeface="+mn-lt"/>
+                      </a:endParaRPr>
+                    </a:p>
+                    <a:p>
+                      <a:pPr marL="0" marR="0" lvl="0" indent="0" algn="ctr" defTabSz="914395" rtl="0" eaLnBrk="1" fontAlgn="t" latinLnBrk="0" hangingPunct="1">
+                        <a:lnSpc>
+                          <a:spcPct val="100000"/>
+                        </a:lnSpc>
+                        <a:spcBef>
+                          <a:spcPts val="0"/>
+                        </a:spcBef>
+                        <a:spcAft>
+                          <a:spcPts val="0"/>
+                        </a:spcAft>
+                        <a:buClrTx/>
+                        <a:buSzTx/>
+                        <a:buFontTx/>
+                        <a:buNone/>
+                        <a:tabLst/>
+                        <a:defRPr/>
+                      </a:pPr>
+                      <a:endParaRPr lang="en-US" sz="700" noProof="0" dirty="0">
+                        <a:solidFill>
+                          <a:srgbClr val="003B4C"/>
+                        </a:solidFill>
+                        <a:latin typeface="+mn-lt"/>
+                      </a:endParaRPr>
+                    </a:p>
+                    <a:p>
+                      <a:pPr marL="0" marR="0" lvl="0" indent="0" algn="ctr" defTabSz="914395" rtl="0" eaLnBrk="1" fontAlgn="t" latinLnBrk="0" hangingPunct="1">
+                        <a:lnSpc>
+                          <a:spcPct val="100000"/>
+                        </a:lnSpc>
+                        <a:spcBef>
+                          <a:spcPts val="0"/>
+                        </a:spcBef>
+                        <a:spcAft>
+                          <a:spcPts val="0"/>
+                        </a:spcAft>
+                        <a:buClrTx/>
+                        <a:buSzTx/>
+                        <a:buFontTx/>
+                        <a:buNone/>
+                        <a:tabLst/>
+                        <a:defRPr/>
+                      </a:pPr>
+                      <a:endParaRPr lang="en-US" sz="700" noProof="0" dirty="0">
+                        <a:solidFill>
+                          <a:srgbClr val="003B4C"/>
+                        </a:solidFill>
+                        <a:latin typeface="+mn-lt"/>
+                      </a:endParaRPr>
+                    </a:p>
+                    <a:p>
+                      <a:pPr marL="0" marR="0" lvl="0" indent="0" algn="ctr" defTabSz="914395" rtl="0" eaLnBrk="1" fontAlgn="t" latinLnBrk="0" hangingPunct="1">
+                        <a:lnSpc>
+                          <a:spcPct val="100000"/>
+                        </a:lnSpc>
+                        <a:spcBef>
+                          <a:spcPts val="0"/>
+                        </a:spcBef>
+                        <a:spcAft>
+                          <a:spcPts val="0"/>
+                        </a:spcAft>
+                        <a:buClrTx/>
+                        <a:buSzTx/>
+                        <a:buFontTx/>
+                        <a:buNone/>
+                        <a:tabLst/>
+                        <a:defRPr/>
+                      </a:pPr>
+                      <a:r>
+                        <a:rPr lang="en-US" sz="700" noProof="0" dirty="0">
+                          <a:solidFill>
+                            <a:srgbClr val="003B4C"/>
+                          </a:solidFill>
+                          <a:latin typeface="+mn-lt"/>
+                        </a:rPr>
+                        <a:t>Investment3</a:t>
+                      </a:r>
+                    </a:p>
+                  </a:txBody>
+                  <a:tcPr marL="0" marR="0" marT="0" marB="0" anchor="ctr">
+                    <a:lnL>
+                      <a:noFill/>
+                    </a:lnL>
+                    <a:lnR cap="flat">
+                      <a:noFill/>
+                    </a:lnR>
+                    <a:lnT w="9525" cap="flat" cmpd="sng" algn="ctr">
+                      <a:solidFill>
+                        <a:schemeClr val="bg2"/>
+                      </a:solidFill>
+                      <a:prstDash val="solid"/>
+                      <a:round/>
+                      <a:headEnd type="none" w="med" len="med"/>
+                      <a:tailEnd type="none" w="med" len="med"/>
+                    </a:lnT>
+                    <a:lnB w="9525" cap="flat" cmpd="sng" algn="ctr">
+                      <a:solidFill>
+                        <a:schemeClr val="bg2"/>
+                      </a:solidFill>
+                      <a:prstDash val="solid"/>
+                      <a:round/>
+                      <a:headEnd type="none" w="med" len="med"/>
+                      <a:tailEnd type="none" w="med" len="med"/>
+                    </a:lnB>
+                    <a:lnTlToBr>
+                      <a:noFill/>
+                    </a:lnTlToBr>
+                    <a:lnBlToTr>
+                      <a:noFill/>
+                    </a:lnBlToTr>
+                    <a:solidFill>
+                      <a:srgbClr val="F0F5F7"/>
+                    </a:solidFill>
+                  </a:tcPr>
+                </a:tc>
+                <a:extLst>
+                  <a:ext uri="{0D108BD9-81ED-4DB2-BD59-A6C34878D82A}">
+                    <a16:rowId xmlns:a16="http://schemas.microsoft.com/office/drawing/2014/main" val="3264908770"/>
+                  </a:ext>
+                </a:extLst>
+              </a:tr>
+              <a:tr h="936243">
+                <a:tc>
+                  <a:txBody>
+                    <a:bodyPr/>
+                    <a:lstStyle/>
+                    <a:p>
+                      <a:pPr marL="0" marR="0" lvl="0" indent="0" algn="ctr" defTabSz="958850" rtl="0" eaLnBrk="1" fontAlgn="base" latinLnBrk="0" hangingPunct="1">
+                        <a:lnSpc>
+                          <a:spcPct val="100000"/>
+                        </a:lnSpc>
+                        <a:spcBef>
+                          <a:spcPct val="0"/>
+                        </a:spcBef>
+                        <a:spcAft>
+                          <a:spcPct val="0"/>
+                        </a:spcAft>
+                        <a:buClr>
+                          <a:srgbClr val="000080"/>
+                        </a:buClr>
+                        <a:buSzTx/>
+                        <a:buFont typeface="Wingdings" pitchFamily="2" charset="2"/>
+                        <a:buNone/>
+                        <a:tabLst/>
+                        <a:defRPr/>
+                      </a:pPr>
+                      <a:r>
+                        <a:rPr kumimoji="0" lang="en-US" sz="600" b="1" i="0" u="none" strike="noStrike" kern="1200" cap="none" spc="0" normalizeH="0" baseline="0" noProof="0" dirty="0">
+                          <a:ln>
+                            <a:noFill/>
+                          </a:ln>
+                          <a:solidFill>
+                            <a:srgbClr val="003B4C"/>
+                          </a:solidFill>
+                          <a:effectLst/>
+                          <a:uLnTx/>
+                          <a:uFillTx/>
+                          <a:latin typeface="Arial" panose="020B0604020202020204" pitchFamily="34" charset="0"/>
+                          <a:ea typeface="+mn-ea"/>
+                          <a:cs typeface="+mn-cs"/>
+                        </a:rPr>
+                        <a:t>#</a:t>
+                      </a:r>
+                      <a:endParaRPr lang="en-US" sz="600" b="1" i="0" u="none" kern="1200" noProof="0" dirty="0">
+                        <a:solidFill>
+                          <a:schemeClr val="tx2"/>
+                        </a:solidFill>
+                        <a:latin typeface="Arial" panose="020B0604020202020204" pitchFamily="34" charset="0"/>
+                        <a:ea typeface="+mn-ea"/>
+                        <a:cs typeface="+mn-cs"/>
+                      </a:endParaRPr>
+                    </a:p>
+                  </a:txBody>
+                  <a:tcPr marL="0" marR="84406" marT="0" marB="0" anchor="ctr" horzOverflow="overflow">
+                    <a:lnL cap="flat">
+                      <a:noFill/>
+                    </a:lnL>
+                    <a:lnR>
+                      <a:noFill/>
+                    </a:lnR>
+                    <a:lnT w="9525" cap="flat" cmpd="sng" algn="ctr">
+                      <a:solidFill>
+                        <a:schemeClr val="bg2"/>
+                      </a:solidFill>
+                      <a:prstDash val="solid"/>
+                      <a:round/>
+                      <a:headEnd type="none" w="med" len="med"/>
+                      <a:tailEnd type="none" w="med" len="med"/>
+                    </a:lnT>
+                    <a:lnB w="9525" cap="flat" cmpd="sng" algn="ctr">
+                      <a:solidFill>
+                        <a:schemeClr val="bg2"/>
+                      </a:solidFill>
+                      <a:prstDash val="solid"/>
+                      <a:round/>
+                      <a:headEnd type="none" w="med" len="med"/>
+                      <a:tailEnd type="none" w="med" len="med"/>
+                    </a:lnB>
+                    <a:lnTlToBr>
+                      <a:noFill/>
+                    </a:lnTlToBr>
+                    <a:lnBlToTr>
+                      <a:noFill/>
+                    </a:lnBlToTr>
+                    <a:solidFill>
+                      <a:srgbClr val="FFFFFF"/>
+                    </a:solidFill>
+                  </a:tcPr>
+                </a:tc>
+                <a:tc>
+                  <a:txBody>
+                    <a:bodyPr/>
+                    <a:lstStyle/>
+                    <a:p>
+                      <a:pPr marL="0" marR="0" lvl="0" indent="0" algn="l" defTabSz="958850" rtl="0" eaLnBrk="1" fontAlgn="base" latinLnBrk="0" hangingPunct="1">
+                        <a:lnSpc>
+                          <a:spcPct val="100000"/>
+                        </a:lnSpc>
+                        <a:spcBef>
+                          <a:spcPct val="0"/>
+                        </a:spcBef>
+                        <a:spcAft>
+                          <a:spcPct val="0"/>
+                        </a:spcAft>
+                        <a:buClr>
+                          <a:srgbClr val="000080"/>
+                        </a:buClr>
+                        <a:buSzTx/>
+                        <a:buFont typeface="Wingdings" pitchFamily="2" charset="2"/>
+                        <a:buNone/>
+                        <a:tabLst/>
+                        <a:defRPr/>
+                      </a:pPr>
+                      <a:endParaRPr kumimoji="0" lang="en-US" sz="700" b="0" i="0" u="none" strike="noStrike" kern="1200" cap="none" spc="0" normalizeH="0" baseline="0" noProof="0" dirty="0">
+                        <a:ln>
+                          <a:noFill/>
+                        </a:ln>
+                        <a:solidFill>
+                          <a:srgbClr val="003B4C"/>
+                        </a:solidFill>
+                        <a:effectLst/>
+                        <a:highlight>
+                          <a:srgbClr val="FFFF00"/>
+                        </a:highlight>
+                        <a:uLnTx/>
+                        <a:uFillTx/>
+                        <a:latin typeface="Arial" panose="020B0604020202020204" pitchFamily="34" charset="0"/>
+                        <a:ea typeface="+mn-ea"/>
+                        <a:cs typeface="+mn-cs"/>
+                      </a:endParaRPr>
+                    </a:p>
+                    <a:p>
+                      <a:pPr marL="0" marR="0" lvl="0" indent="0" algn="l" defTabSz="958850" rtl="0" eaLnBrk="1" fontAlgn="base" latinLnBrk="0" hangingPunct="1">
+                        <a:lnSpc>
+                          <a:spcPct val="100000"/>
+                        </a:lnSpc>
+                        <a:spcBef>
+                          <a:spcPct val="0"/>
+                        </a:spcBef>
+                        <a:spcAft>
+                          <a:spcPct val="0"/>
+                        </a:spcAft>
+                        <a:buClr>
+                          <a:srgbClr val="000080"/>
+                        </a:buClr>
+                        <a:buSzTx/>
+                        <a:buFont typeface="Wingdings" pitchFamily="2" charset="2"/>
+                        <a:buNone/>
+                        <a:tabLst/>
+                        <a:defRPr/>
+                      </a:pPr>
+                      <a:endParaRPr kumimoji="0" lang="en-US" sz="700" b="0" i="0" u="none" strike="noStrike" kern="1200" cap="none" spc="0" normalizeH="0" baseline="0" noProof="0" dirty="0">
+                        <a:ln>
+                          <a:noFill/>
+                        </a:ln>
+                        <a:solidFill>
+                          <a:srgbClr val="003B4C"/>
+                        </a:solidFill>
+                        <a:effectLst/>
+                        <a:highlight>
+                          <a:srgbClr val="FFFF00"/>
+                        </a:highlight>
+                        <a:uLnTx/>
+                        <a:uFillTx/>
+                        <a:latin typeface="Arial" panose="020B0604020202020204" pitchFamily="34" charset="0"/>
+                        <a:ea typeface="+mn-ea"/>
+                        <a:cs typeface="+mn-cs"/>
+                      </a:endParaRPr>
+                    </a:p>
+                    <a:p>
+                      <a:pPr marL="0" marR="0" lvl="0" indent="0" algn="l" defTabSz="958850" rtl="0" eaLnBrk="1" fontAlgn="base" latinLnBrk="0" hangingPunct="1">
+                        <a:lnSpc>
+                          <a:spcPct val="100000"/>
+                        </a:lnSpc>
+                        <a:spcBef>
+                          <a:spcPct val="0"/>
+                        </a:spcBef>
+                        <a:spcAft>
+                          <a:spcPct val="0"/>
+                        </a:spcAft>
+                        <a:buClr>
+                          <a:srgbClr val="000080"/>
+                        </a:buClr>
+                        <a:buSzTx/>
+                        <a:buFont typeface="Wingdings" pitchFamily="2" charset="2"/>
+                        <a:buNone/>
+                        <a:tabLst/>
+                        <a:defRPr/>
+                      </a:pPr>
+                      <a:endParaRPr kumimoji="0" lang="en-US" sz="700" b="0" i="0" u="none" strike="noStrike" kern="1200" cap="none" spc="0" normalizeH="0" baseline="0" noProof="0" dirty="0">
+                        <a:ln>
+                          <a:noFill/>
+                        </a:ln>
+                        <a:solidFill>
+                          <a:srgbClr val="003B4C"/>
+                        </a:solidFill>
+                        <a:effectLst/>
+                        <a:highlight>
+                          <a:srgbClr val="FFFF00"/>
+                        </a:highlight>
+                        <a:uLnTx/>
+                        <a:uFillTx/>
+                        <a:latin typeface="Arial" panose="020B0604020202020204" pitchFamily="34" charset="0"/>
+                        <a:ea typeface="+mn-ea"/>
+                        <a:cs typeface="+mn-cs"/>
+                      </a:endParaRPr>
+                    </a:p>
+                    <a:p>
+                      <a:pPr marL="0" marR="0" lvl="0" indent="0" algn="l" defTabSz="958850" rtl="0" eaLnBrk="1" fontAlgn="base" latinLnBrk="0" hangingPunct="1">
+                        <a:lnSpc>
+                          <a:spcPct val="100000"/>
+                        </a:lnSpc>
+                        <a:spcBef>
+                          <a:spcPct val="0"/>
+                        </a:spcBef>
+                        <a:spcAft>
+                          <a:spcPct val="0"/>
+                        </a:spcAft>
+                        <a:buClr>
+                          <a:srgbClr val="000080"/>
+                        </a:buClr>
+                        <a:buSzTx/>
+                        <a:buFont typeface="Wingdings" pitchFamily="2" charset="2"/>
+                        <a:buNone/>
+                        <a:tabLst/>
+                        <a:defRPr/>
+                      </a:pPr>
+                      <a:endParaRPr kumimoji="0" lang="en-US" sz="700" b="0" i="0" u="none" strike="noStrike" kern="1200" cap="none" spc="0" normalizeH="0" baseline="0" noProof="0" dirty="0">
+                        <a:ln>
+                          <a:noFill/>
+                        </a:ln>
+                        <a:solidFill>
+                          <a:srgbClr val="003B4C"/>
+                        </a:solidFill>
+                        <a:effectLst/>
+                        <a:highlight>
+                          <a:srgbClr val="FFFF00"/>
+                        </a:highlight>
+                        <a:uLnTx/>
+                        <a:uFillTx/>
+                        <a:latin typeface="Arial" panose="020B0604020202020204" pitchFamily="34" charset="0"/>
+                        <a:ea typeface="+mn-ea"/>
+                        <a:cs typeface="+mn-cs"/>
+                      </a:endParaRPr>
+                    </a:p>
+                    <a:p>
+                      <a:pPr marL="0" marR="0" lvl="0" indent="0" algn="l" defTabSz="958850" rtl="0" eaLnBrk="1" fontAlgn="base" latinLnBrk="0" hangingPunct="1">
+                        <a:lnSpc>
+                          <a:spcPct val="100000"/>
+                        </a:lnSpc>
+                        <a:spcBef>
+                          <a:spcPct val="0"/>
+                        </a:spcBef>
+                        <a:spcAft>
+                          <a:spcPct val="0"/>
+                        </a:spcAft>
+                        <a:buClr>
+                          <a:srgbClr val="000080"/>
+                        </a:buClr>
+                        <a:buSzTx/>
+                        <a:buFont typeface="Wingdings" pitchFamily="2" charset="2"/>
+                        <a:buNone/>
+                        <a:tabLst/>
+                        <a:defRPr/>
+                      </a:pPr>
+                      <a:endParaRPr kumimoji="0" lang="en-US" sz="700" b="0" i="0" u="none" strike="noStrike" kern="1200" cap="none" spc="0" normalizeH="0" baseline="0" noProof="0" dirty="0">
+                        <a:ln>
+                          <a:noFill/>
+                        </a:ln>
+                        <a:solidFill>
+                          <a:srgbClr val="003B4C"/>
+                        </a:solidFill>
+                        <a:effectLst/>
+                        <a:uLnTx/>
+                        <a:uFillTx/>
+                        <a:latin typeface="Arial" panose="020B0604020202020204" pitchFamily="34" charset="0"/>
+                        <a:ea typeface="+mn-ea"/>
+                        <a:cs typeface="+mn-cs"/>
+                      </a:endParaRPr>
+                    </a:p>
+                    <a:p>
+                      <a:pPr marL="0" marR="0" lvl="0" indent="0" algn="l" defTabSz="958850" rtl="0" eaLnBrk="1" fontAlgn="base" latinLnBrk="0" hangingPunct="1">
+                        <a:lnSpc>
+                          <a:spcPct val="100000"/>
+                        </a:lnSpc>
+                        <a:spcBef>
+                          <a:spcPct val="0"/>
+                        </a:spcBef>
+                        <a:spcAft>
+                          <a:spcPct val="0"/>
+                        </a:spcAft>
+                        <a:buClr>
+                          <a:srgbClr val="000080"/>
+                        </a:buClr>
+                        <a:buSzTx/>
+                        <a:buFont typeface="Wingdings" pitchFamily="2" charset="2"/>
+                        <a:buNone/>
+                        <a:tabLst/>
+                        <a:defRPr/>
+                      </a:pPr>
+                      <a:endParaRPr kumimoji="0" lang="en-US" sz="700" b="0" i="0" u="none" strike="noStrike" kern="1200" cap="none" spc="0" normalizeH="0" baseline="0" noProof="0" dirty="0">
+                        <a:ln>
+                          <a:noFill/>
+                        </a:ln>
+                        <a:solidFill>
+                          <a:srgbClr val="003B4C"/>
+                        </a:solidFill>
+                        <a:effectLst/>
+                        <a:uLnTx/>
+                        <a:uFillTx/>
+                        <a:latin typeface="Arial" panose="020B0604020202020204" pitchFamily="34" charset="0"/>
+                        <a:ea typeface="+mn-ea"/>
+                        <a:cs typeface="+mn-cs"/>
+                      </a:endParaRPr>
+                    </a:p>
+                    <a:p>
+                      <a:pPr marL="0" marR="0" lvl="0" indent="0" algn="l" defTabSz="958850" rtl="0" eaLnBrk="1" fontAlgn="base" latinLnBrk="0" hangingPunct="1">
+                        <a:lnSpc>
+                          <a:spcPct val="100000"/>
+                        </a:lnSpc>
+                        <a:spcBef>
+                          <a:spcPct val="0"/>
+                        </a:spcBef>
+                        <a:spcAft>
+                          <a:spcPct val="0"/>
+                        </a:spcAft>
+                        <a:buClr>
+                          <a:srgbClr val="000080"/>
+                        </a:buClr>
+                        <a:buSzTx/>
+                        <a:buFont typeface="Wingdings" pitchFamily="2" charset="2"/>
+                        <a:buNone/>
+                        <a:tabLst/>
+                        <a:defRPr/>
+                      </a:pPr>
+                      <a:r>
+                        <a:rPr kumimoji="0" lang="en-US" sz="700" b="0" i="0" u="none" strike="noStrike" kern="1200" cap="none" spc="0" normalizeH="0" baseline="0" noProof="0" dirty="0">
+                          <a:ln>
+                            <a:noFill/>
+                          </a:ln>
+                          <a:solidFill>
+                            <a:srgbClr val="003B4C"/>
+                          </a:solidFill>
+                          <a:effectLst/>
+                          <a:uLnTx/>
+                          <a:uFillTx/>
+                          <a:latin typeface="Arial" panose="020B0604020202020204" pitchFamily="34" charset="0"/>
+                          <a:ea typeface="+mn-ea"/>
+                          <a:cs typeface="+mn-cs"/>
+                        </a:rPr>
+                        <a:t>Country5</a:t>
+                      </a:r>
+                    </a:p>
+                  </a:txBody>
+                  <a:tcPr marL="0" marR="84406" marT="0" marB="0" anchor="ctr" horzOverflow="overflow">
+                    <a:lnL cap="flat">
+                      <a:noFill/>
+                    </a:lnL>
+                    <a:lnR>
+                      <a:noFill/>
+                    </a:lnR>
+                    <a:lnT w="9525" cap="flat" cmpd="sng" algn="ctr">
+                      <a:solidFill>
+                        <a:schemeClr val="bg2"/>
+                      </a:solidFill>
+                      <a:prstDash val="solid"/>
+                      <a:round/>
+                      <a:headEnd type="none" w="med" len="med"/>
+                      <a:tailEnd type="none" w="med" len="med"/>
+                    </a:lnT>
+                    <a:lnB w="9525" cap="flat" cmpd="sng" algn="ctr">
+                      <a:solidFill>
+                        <a:schemeClr val="bg2"/>
+                      </a:solidFill>
+                      <a:prstDash val="solid"/>
+                      <a:round/>
+                      <a:headEnd type="none" w="med" len="med"/>
+                      <a:tailEnd type="none" w="med" len="med"/>
+                    </a:lnB>
+                    <a:lnTlToBr>
+                      <a:noFill/>
+                    </a:lnTlToBr>
+                    <a:lnBlToTr>
+                      <a:noFill/>
+                    </a:lnBlToTr>
+                    <a:solidFill>
+                      <a:srgbClr val="FFFFFF"/>
+                    </a:solidFill>
+                  </a:tcPr>
+                </a:tc>
+                <a:tc>
+                  <a:txBody>
+                    <a:bodyPr/>
+                    <a:lstStyle/>
+                    <a:p>
+                      <a:pPr marL="0" marR="0" lvl="0" indent="0" algn="l" defTabSz="914395" rtl="0" eaLnBrk="1" fontAlgn="t" latinLnBrk="0" hangingPunct="1">
+                        <a:lnSpc>
+                          <a:spcPct val="100000"/>
+                        </a:lnSpc>
+                        <a:spcBef>
+                          <a:spcPts val="0"/>
+                        </a:spcBef>
+                        <a:spcAft>
+                          <a:spcPts val="0"/>
+                        </a:spcAft>
+                        <a:buClr>
+                          <a:srgbClr val="003B4C"/>
+                        </a:buClr>
+                        <a:buSzTx/>
+                        <a:buFont typeface="Wingdings" panose="05000000000000000000" pitchFamily="2" charset="2"/>
+                        <a:buNone/>
+                        <a:tabLst/>
+                        <a:defRPr/>
+                      </a:pPr>
+                      <a:r>
+                        <a:rPr kumimoji="0" lang="en-US" sz="700" b="0" i="0" u="none" strike="noStrike" kern="1200" cap="none" spc="0" normalizeH="0" baseline="0" noProof="0" dirty="0">
+                          <a:ln>
+                            <a:noFill/>
+                          </a:ln>
+                          <a:solidFill>
+                            <a:srgbClr val="003B4C"/>
+                          </a:solidFill>
+                          <a:effectLst/>
+                          <a:uLnTx/>
+                          <a:uFillTx/>
+                          <a:latin typeface="Arial" panose="020B0604020202020204" pitchFamily="34" charset="0"/>
+                          <a:ea typeface="+mn-ea"/>
+                          <a:cs typeface="+mn-cs"/>
+                        </a:rPr>
+                        <a:t>Type5</a:t>
+                      </a:r>
+                    </a:p>
+                  </a:txBody>
+                  <a:tcPr marL="168812" marR="0" marT="0" marB="0" anchor="ctr">
+                    <a:lnL>
+                      <a:noFill/>
+                    </a:lnL>
+                    <a:lnR>
+                      <a:noFill/>
+                    </a:lnR>
+                    <a:lnT w="9525" cap="flat" cmpd="sng" algn="ctr">
+                      <a:solidFill>
+                        <a:schemeClr val="bg2"/>
+                      </a:solidFill>
+                      <a:prstDash val="solid"/>
+                      <a:round/>
+                      <a:headEnd type="none" w="med" len="med"/>
+                      <a:tailEnd type="none" w="med" len="med"/>
+                    </a:lnT>
+                    <a:lnB w="9525" cap="flat" cmpd="sng" algn="ctr">
+                      <a:solidFill>
+                        <a:schemeClr val="bg2"/>
+                      </a:solidFill>
+                      <a:prstDash val="solid"/>
+                      <a:round/>
+                      <a:headEnd type="none" w="med" len="med"/>
+                      <a:tailEnd type="none" w="med" len="med"/>
+                    </a:lnB>
+                    <a:lnTlToBr>
+                      <a:noFill/>
+                    </a:lnTlToBr>
+                    <a:lnBlToTr>
+                      <a:noFill/>
+                    </a:lnBlToTr>
+                    <a:solidFill>
+                      <a:srgbClr val="FFFFFF"/>
+                    </a:solidFill>
+                  </a:tcPr>
+                </a:tc>
+                <a:tc>
+                  <a:txBody>
+                    <a:bodyPr/>
+                    <a:lstStyle/>
+                    <a:p>
+                      <a:pPr marL="0" marR="0" lvl="0" indent="0" algn="ctr" defTabSz="914395" rtl="0" eaLnBrk="1" fontAlgn="t" latinLnBrk="0" hangingPunct="1">
+                        <a:lnSpc>
+                          <a:spcPct val="100000"/>
+                        </a:lnSpc>
+                        <a:spcBef>
+                          <a:spcPts val="0"/>
+                        </a:spcBef>
+                        <a:spcAft>
+                          <a:spcPts val="0"/>
+                        </a:spcAft>
+                        <a:buClrTx/>
+                        <a:buSzTx/>
+                        <a:buFontTx/>
+                        <a:buNone/>
+                        <a:tabLst/>
+                        <a:defRPr/>
+                      </a:pPr>
+                      <a:r>
+                        <a:rPr kumimoji="0" lang="en-US" sz="700" b="0" i="0" u="none" strike="noStrike" kern="1200" cap="none" spc="0" normalizeH="0" baseline="0" noProof="0" dirty="0">
+                          <a:ln>
+                            <a:noFill/>
+                          </a:ln>
+                          <a:solidFill>
+                            <a:srgbClr val="003B4C"/>
+                          </a:solidFill>
+                          <a:effectLst/>
+                          <a:uLnTx/>
+                          <a:uFillTx/>
+                          <a:latin typeface="Arial" panose="020B0604020202020204" pitchFamily="34" charset="0"/>
+                          <a:ea typeface="+mn-ea"/>
+                          <a:cs typeface="+mn-cs"/>
+                        </a:rPr>
+                        <a:t>DryPowder5</a:t>
+                      </a:r>
+                    </a:p>
+                    <a:p>
+                      <a:pPr marL="0" marR="0" lvl="0" indent="0" algn="ctr" defTabSz="914395" rtl="0" eaLnBrk="1" fontAlgn="t" latinLnBrk="0" hangingPunct="1">
+                        <a:lnSpc>
+                          <a:spcPct val="100000"/>
+                        </a:lnSpc>
+                        <a:spcBef>
+                          <a:spcPts val="0"/>
+                        </a:spcBef>
+                        <a:spcAft>
+                          <a:spcPts val="0"/>
+                        </a:spcAft>
+                        <a:buClrTx/>
+                        <a:buSzTx/>
+                        <a:buFontTx/>
+                        <a:buNone/>
+                        <a:tabLst/>
+                        <a:defRPr/>
+                      </a:pPr>
+                      <a:r>
+                        <a:rPr kumimoji="0" lang="en-US" sz="700" b="0" i="0" u="none" strike="noStrike" kern="1200" cap="none" spc="0" normalizeH="0" baseline="0" noProof="0" dirty="0">
+                          <a:ln>
+                            <a:noFill/>
+                          </a:ln>
+                          <a:solidFill>
+                            <a:srgbClr val="003B4C"/>
+                          </a:solidFill>
+                          <a:effectLst/>
+                          <a:uLnTx/>
+                          <a:uFillTx/>
+                          <a:latin typeface="Arial" panose="020B0604020202020204" pitchFamily="34" charset="0"/>
+                          <a:ea typeface="+mn-ea"/>
+                          <a:cs typeface="+mn-cs"/>
+                        </a:rPr>
+                        <a:t>AUM5</a:t>
+                      </a:r>
+                    </a:p>
+                  </a:txBody>
+                  <a:tcPr marL="0" marR="0" marT="0" marB="0" anchor="ctr">
+                    <a:lnL>
+                      <a:noFill/>
+                    </a:lnL>
+                    <a:lnR cap="flat">
+                      <a:noFill/>
+                    </a:lnR>
+                    <a:lnT w="9525" cap="flat" cmpd="sng" algn="ctr">
+                      <a:solidFill>
+                        <a:schemeClr val="bg2"/>
+                      </a:solidFill>
+                      <a:prstDash val="solid"/>
+                      <a:round/>
+                      <a:headEnd type="none" w="med" len="med"/>
+                      <a:tailEnd type="none" w="med" len="med"/>
+                    </a:lnT>
+                    <a:lnB w="9525" cap="flat" cmpd="sng" algn="ctr">
+                      <a:solidFill>
+                        <a:schemeClr val="bg2"/>
+                      </a:solidFill>
+                      <a:prstDash val="solid"/>
+                      <a:round/>
+                      <a:headEnd type="none" w="med" len="med"/>
+                      <a:tailEnd type="none" w="med" len="med"/>
+                    </a:lnB>
+                    <a:lnTlToBr>
+                      <a:noFill/>
+                    </a:lnTlToBr>
+                    <a:lnBlToTr>
+                      <a:noFill/>
+                    </a:lnBlToTr>
+                    <a:solidFill>
+                      <a:srgbClr val="FFFFFF"/>
+                    </a:solidFill>
+                  </a:tcPr>
+                </a:tc>
+                <a:tc>
+                  <a:txBody>
+                    <a:bodyPr/>
+                    <a:lstStyle/>
+                    <a:p>
+                      <a:pPr marL="0" marR="0" lvl="0" indent="0" algn="ctr" defTabSz="914395" rtl="0" eaLnBrk="1" fontAlgn="t" latinLnBrk="0" hangingPunct="1">
+                        <a:lnSpc>
+                          <a:spcPct val="100000"/>
+                        </a:lnSpc>
+                        <a:spcBef>
+                          <a:spcPts val="0"/>
+                        </a:spcBef>
+                        <a:spcAft>
+                          <a:spcPts val="0"/>
+                        </a:spcAft>
+                        <a:buClrTx/>
+                        <a:buSzTx/>
+                        <a:buFontTx/>
+                        <a:buNone/>
+                        <a:tabLst/>
+                        <a:defRPr/>
+                      </a:pPr>
+                      <a:r>
+                        <a:rPr kumimoji="0" lang="en-US" sz="2200" b="0" i="0" u="none" strike="noStrike" kern="1200" cap="none" spc="0" normalizeH="0" baseline="0" noProof="0" dirty="0">
+                          <a:ln>
+                            <a:noFill/>
+                          </a:ln>
+                          <a:solidFill>
+                            <a:srgbClr val="00A87E"/>
+                          </a:solidFill>
+                          <a:effectLst/>
+                          <a:uLnTx/>
+                          <a:uFillTx/>
+                          <a:latin typeface="+mn-lt"/>
+                          <a:ea typeface="+mn-ea"/>
+                          <a:cs typeface="+mn-cs"/>
+                          <a:sym typeface="Wingdings"/>
+                        </a:rPr>
+                        <a:t></a:t>
+                      </a:r>
+                      <a:endParaRPr kumimoji="0" lang="en-US" sz="2200" b="0" i="0" u="none" strike="noStrike" kern="1200" cap="none" spc="0" normalizeH="0" baseline="0" noProof="0" dirty="0">
+                        <a:ln>
+                          <a:noFill/>
+                        </a:ln>
+                        <a:solidFill>
+                          <a:srgbClr val="FF0000"/>
+                        </a:solidFill>
+                        <a:effectLst/>
+                        <a:uLnTx/>
+                        <a:uFillTx/>
+                        <a:latin typeface="+mn-lt"/>
+                        <a:ea typeface="+mn-ea"/>
+                        <a:cs typeface="+mn-cs"/>
+                      </a:endParaRPr>
+                    </a:p>
+                  </a:txBody>
+                  <a:tcPr marL="0" marR="0" marT="0" marB="0" anchor="ctr">
+                    <a:lnL>
+                      <a:noFill/>
+                    </a:lnL>
+                    <a:lnR cap="flat">
+                      <a:noFill/>
+                    </a:lnR>
+                    <a:lnT w="9525" cap="flat" cmpd="sng" algn="ctr">
+                      <a:solidFill>
+                        <a:schemeClr val="bg2"/>
+                      </a:solidFill>
+                      <a:prstDash val="solid"/>
+                      <a:round/>
+                      <a:headEnd type="none" w="med" len="med"/>
+                      <a:tailEnd type="none" w="med" len="med"/>
+                    </a:lnT>
+                    <a:lnB w="9525" cap="flat" cmpd="sng" algn="ctr">
+                      <a:solidFill>
+                        <a:schemeClr val="bg2"/>
+                      </a:solidFill>
+                      <a:prstDash val="solid"/>
+                      <a:round/>
+                      <a:headEnd type="none" w="med" len="med"/>
+                      <a:tailEnd type="none" w="med" len="med"/>
+                    </a:lnB>
+                    <a:lnTlToBr>
+                      <a:noFill/>
+                    </a:lnTlToBr>
+                    <a:lnBlToTr>
+                      <a:noFill/>
+                    </a:lnBlToTr>
+                    <a:solidFill>
+                      <a:srgbClr val="FFFFFF"/>
+                    </a:solidFill>
+                  </a:tcPr>
+                </a:tc>
+                <a:tc>
+                  <a:txBody>
+                    <a:bodyPr/>
+                    <a:lstStyle/>
+                    <a:p>
+                      <a:pPr marL="0" marR="0" lvl="0" indent="0" algn="ctr" defTabSz="914395" rtl="0" eaLnBrk="1" fontAlgn="t" latinLnBrk="0" hangingPunct="1">
+                        <a:lnSpc>
+                          <a:spcPct val="100000"/>
+                        </a:lnSpc>
+                        <a:spcBef>
+                          <a:spcPts val="0"/>
+                        </a:spcBef>
+                        <a:spcAft>
+                          <a:spcPts val="0"/>
+                        </a:spcAft>
+                        <a:buClrTx/>
+                        <a:buSzTx/>
+                        <a:buFontTx/>
+                        <a:buNone/>
+                        <a:tabLst/>
+                        <a:defRPr/>
+                      </a:pPr>
+                      <a:endParaRPr lang="en-US" sz="700" noProof="0" dirty="0">
+                        <a:solidFill>
+                          <a:srgbClr val="003B4C"/>
+                        </a:solidFill>
+                        <a:latin typeface="+mn-lt"/>
+                      </a:endParaRPr>
+                    </a:p>
+                    <a:p>
+                      <a:pPr marL="0" marR="0" lvl="0" indent="0" algn="ctr" defTabSz="914395" rtl="0" eaLnBrk="1" fontAlgn="t" latinLnBrk="0" hangingPunct="1">
+                        <a:lnSpc>
+                          <a:spcPct val="100000"/>
+                        </a:lnSpc>
+                        <a:spcBef>
+                          <a:spcPts val="0"/>
+                        </a:spcBef>
+                        <a:spcAft>
+                          <a:spcPts val="0"/>
+                        </a:spcAft>
+                        <a:buClrTx/>
+                        <a:buSzTx/>
+                        <a:buFontTx/>
+                        <a:buNone/>
+                        <a:tabLst/>
+                        <a:defRPr/>
+                      </a:pPr>
+                      <a:endParaRPr lang="en-US" sz="700" noProof="0" dirty="0">
+                        <a:solidFill>
+                          <a:srgbClr val="003B4C"/>
+                        </a:solidFill>
+                        <a:latin typeface="+mn-lt"/>
+                      </a:endParaRPr>
+                    </a:p>
+                    <a:p>
+                      <a:pPr marL="0" marR="0" lvl="0" indent="0" algn="ctr" defTabSz="914395" rtl="0" eaLnBrk="1" fontAlgn="t" latinLnBrk="0" hangingPunct="1">
+                        <a:lnSpc>
+                          <a:spcPct val="100000"/>
+                        </a:lnSpc>
+                        <a:spcBef>
+                          <a:spcPts val="0"/>
+                        </a:spcBef>
+                        <a:spcAft>
+                          <a:spcPts val="0"/>
+                        </a:spcAft>
+                        <a:buClrTx/>
+                        <a:buSzTx/>
+                        <a:buFontTx/>
+                        <a:buNone/>
+                        <a:tabLst/>
+                        <a:defRPr/>
+                      </a:pPr>
+                      <a:endParaRPr lang="en-US" sz="700" noProof="0" dirty="0">
+                        <a:solidFill>
+                          <a:srgbClr val="003B4C"/>
+                        </a:solidFill>
+                        <a:latin typeface="+mn-lt"/>
+                      </a:endParaRPr>
+                    </a:p>
+                    <a:p>
+                      <a:pPr marL="0" marR="0" lvl="0" indent="0" algn="ctr" defTabSz="914395" rtl="0" eaLnBrk="1" fontAlgn="t" latinLnBrk="0" hangingPunct="1">
+                        <a:lnSpc>
+                          <a:spcPct val="100000"/>
+                        </a:lnSpc>
+                        <a:spcBef>
+                          <a:spcPts val="0"/>
+                        </a:spcBef>
+                        <a:spcAft>
+                          <a:spcPts val="0"/>
+                        </a:spcAft>
+                        <a:buClrTx/>
+                        <a:buSzTx/>
+                        <a:buFontTx/>
+                        <a:buNone/>
+                        <a:tabLst/>
+                        <a:defRPr/>
+                      </a:pPr>
+                      <a:endParaRPr lang="en-US" sz="700" noProof="0" dirty="0">
+                        <a:solidFill>
+                          <a:srgbClr val="003B4C"/>
+                        </a:solidFill>
+                        <a:latin typeface="+mn-lt"/>
+                      </a:endParaRPr>
+                    </a:p>
+                    <a:p>
+                      <a:pPr marL="0" marR="0" lvl="0" indent="0" algn="ctr" defTabSz="914395" rtl="0" eaLnBrk="1" fontAlgn="t" latinLnBrk="0" hangingPunct="1">
+                        <a:lnSpc>
+                          <a:spcPct val="100000"/>
+                        </a:lnSpc>
+                        <a:spcBef>
+                          <a:spcPts val="0"/>
+                        </a:spcBef>
+                        <a:spcAft>
+                          <a:spcPts val="0"/>
+                        </a:spcAft>
+                        <a:buClrTx/>
+                        <a:buSzTx/>
+                        <a:buFontTx/>
+                        <a:buNone/>
+                        <a:tabLst/>
+                        <a:defRPr/>
+                      </a:pPr>
+                      <a:endParaRPr lang="en-US" sz="700" noProof="0" dirty="0">
+                        <a:solidFill>
+                          <a:srgbClr val="003B4C"/>
+                        </a:solidFill>
+                        <a:latin typeface="+mn-lt"/>
+                      </a:endParaRPr>
+                    </a:p>
+                    <a:p>
+                      <a:pPr marL="0" marR="0" lvl="0" indent="0" algn="ctr" defTabSz="914395" rtl="0" eaLnBrk="1" fontAlgn="t" latinLnBrk="0" hangingPunct="1">
+                        <a:lnSpc>
+                          <a:spcPct val="100000"/>
+                        </a:lnSpc>
+                        <a:spcBef>
+                          <a:spcPts val="0"/>
+                        </a:spcBef>
+                        <a:spcAft>
+                          <a:spcPts val="0"/>
+                        </a:spcAft>
+                        <a:buClrTx/>
+                        <a:buSzTx/>
+                        <a:buFontTx/>
+                        <a:buNone/>
+                        <a:tabLst/>
+                        <a:defRPr/>
+                      </a:pPr>
+                      <a:r>
+                        <a:rPr lang="en-US" sz="700" noProof="0" dirty="0">
+                          <a:solidFill>
+                            <a:srgbClr val="003B4C"/>
+                          </a:solidFill>
+                          <a:latin typeface="+mn-lt"/>
+                        </a:rPr>
+                        <a:t>Investment1</a:t>
+                      </a:r>
+                    </a:p>
+                  </a:txBody>
+                  <a:tcPr marL="0" marR="0" marT="0" marB="0" anchor="ctr">
+                    <a:lnL>
+                      <a:noFill/>
+                    </a:lnL>
+                    <a:lnR cap="flat">
+                      <a:noFill/>
+                    </a:lnR>
+                    <a:lnT w="9525" cap="flat" cmpd="sng" algn="ctr">
+                      <a:solidFill>
+                        <a:schemeClr val="bg2"/>
+                      </a:solidFill>
+                      <a:prstDash val="solid"/>
+                      <a:round/>
+                      <a:headEnd type="none" w="med" len="med"/>
+                      <a:tailEnd type="none" w="med" len="med"/>
+                    </a:lnT>
+                    <a:lnB w="9525" cap="flat" cmpd="sng" algn="ctr">
+                      <a:solidFill>
+                        <a:schemeClr val="bg2"/>
+                      </a:solidFill>
+                      <a:prstDash val="solid"/>
+                      <a:round/>
+                      <a:headEnd type="none" w="med" len="med"/>
+                      <a:tailEnd type="none" w="med" len="med"/>
+                    </a:lnB>
+                    <a:lnTlToBr>
+                      <a:noFill/>
+                    </a:lnTlToBr>
+                    <a:lnBlToTr>
+                      <a:noFill/>
+                    </a:lnBlToTr>
+                    <a:solidFill>
+                      <a:srgbClr val="FFFFFF"/>
+                    </a:solidFill>
+                  </a:tcPr>
+                </a:tc>
+                <a:tc>
+                  <a:txBody>
+                    <a:bodyPr/>
+                    <a:lstStyle/>
+                    <a:p>
+                      <a:pPr marL="0" marR="0" lvl="0" indent="0" algn="ctr" defTabSz="914395" rtl="0" eaLnBrk="1" fontAlgn="t" latinLnBrk="0" hangingPunct="1">
+                        <a:lnSpc>
+                          <a:spcPct val="100000"/>
+                        </a:lnSpc>
+                        <a:spcBef>
+                          <a:spcPts val="0"/>
+                        </a:spcBef>
+                        <a:spcAft>
+                          <a:spcPts val="0"/>
+                        </a:spcAft>
+                        <a:buClrTx/>
+                        <a:buSzTx/>
+                        <a:buFontTx/>
+                        <a:buNone/>
+                        <a:tabLst/>
+                        <a:defRPr/>
+                      </a:pPr>
+                      <a:endParaRPr lang="en-US" sz="700" noProof="0" dirty="0">
+                        <a:solidFill>
+                          <a:srgbClr val="003B4C"/>
+                        </a:solidFill>
+                        <a:latin typeface="+mn-lt"/>
+                      </a:endParaRPr>
+                    </a:p>
+                    <a:p>
+                      <a:pPr marL="0" marR="0" lvl="0" indent="0" algn="ctr" defTabSz="914395" rtl="0" eaLnBrk="1" fontAlgn="t" latinLnBrk="0" hangingPunct="1">
+                        <a:lnSpc>
+                          <a:spcPct val="100000"/>
+                        </a:lnSpc>
+                        <a:spcBef>
+                          <a:spcPts val="0"/>
+                        </a:spcBef>
+                        <a:spcAft>
+                          <a:spcPts val="0"/>
+                        </a:spcAft>
+                        <a:buClrTx/>
+                        <a:buSzTx/>
+                        <a:buFontTx/>
+                        <a:buNone/>
+                        <a:tabLst/>
+                        <a:defRPr/>
+                      </a:pPr>
+                      <a:endParaRPr lang="en-US" sz="700" noProof="0" dirty="0">
+                        <a:solidFill>
+                          <a:srgbClr val="003B4C"/>
+                        </a:solidFill>
+                        <a:latin typeface="+mn-lt"/>
+                      </a:endParaRPr>
+                    </a:p>
+                    <a:p>
+                      <a:pPr marL="0" marR="0" lvl="0" indent="0" algn="ctr" defTabSz="914395" rtl="0" eaLnBrk="1" fontAlgn="t" latinLnBrk="0" hangingPunct="1">
+                        <a:lnSpc>
+                          <a:spcPct val="100000"/>
+                        </a:lnSpc>
+                        <a:spcBef>
+                          <a:spcPts val="0"/>
+                        </a:spcBef>
+                        <a:spcAft>
+                          <a:spcPts val="0"/>
+                        </a:spcAft>
+                        <a:buClrTx/>
+                        <a:buSzTx/>
+                        <a:buFontTx/>
+                        <a:buNone/>
+                        <a:tabLst/>
+                        <a:defRPr/>
+                      </a:pPr>
+                      <a:endParaRPr lang="en-US" sz="700" noProof="0" dirty="0">
+                        <a:solidFill>
+                          <a:srgbClr val="003B4C"/>
+                        </a:solidFill>
+                        <a:latin typeface="+mn-lt"/>
+                      </a:endParaRPr>
+                    </a:p>
+                    <a:p>
+                      <a:pPr marL="0" marR="0" lvl="0" indent="0" algn="ctr" defTabSz="914395" rtl="0" eaLnBrk="1" fontAlgn="t" latinLnBrk="0" hangingPunct="1">
+                        <a:lnSpc>
+                          <a:spcPct val="100000"/>
+                        </a:lnSpc>
+                        <a:spcBef>
+                          <a:spcPts val="0"/>
+                        </a:spcBef>
+                        <a:spcAft>
+                          <a:spcPts val="0"/>
+                        </a:spcAft>
+                        <a:buClrTx/>
+                        <a:buSzTx/>
+                        <a:buFontTx/>
+                        <a:buNone/>
+                        <a:tabLst/>
+                        <a:defRPr/>
+                      </a:pPr>
+                      <a:endParaRPr lang="en-US" sz="700" noProof="0" dirty="0">
+                        <a:solidFill>
+                          <a:srgbClr val="003B4C"/>
+                        </a:solidFill>
+                        <a:latin typeface="+mn-lt"/>
+                      </a:endParaRPr>
+                    </a:p>
+                    <a:p>
+                      <a:pPr marL="0" marR="0" lvl="0" indent="0" algn="ctr" defTabSz="914395" rtl="0" eaLnBrk="1" fontAlgn="t" latinLnBrk="0" hangingPunct="1">
+                        <a:lnSpc>
+                          <a:spcPct val="100000"/>
+                        </a:lnSpc>
+                        <a:spcBef>
+                          <a:spcPts val="0"/>
+                        </a:spcBef>
+                        <a:spcAft>
+                          <a:spcPts val="0"/>
+                        </a:spcAft>
+                        <a:buClrTx/>
+                        <a:buSzTx/>
+                        <a:buFontTx/>
+                        <a:buNone/>
+                        <a:tabLst/>
+                        <a:defRPr/>
+                      </a:pPr>
+                      <a:endParaRPr lang="en-US" sz="700" noProof="0" dirty="0">
+                        <a:solidFill>
+                          <a:srgbClr val="003B4C"/>
+                        </a:solidFill>
+                        <a:latin typeface="+mn-lt"/>
+                      </a:endParaRPr>
+                    </a:p>
+                    <a:p>
+                      <a:pPr marL="0" marR="0" lvl="0" indent="0" algn="ctr" defTabSz="914395" rtl="0" eaLnBrk="1" fontAlgn="t" latinLnBrk="0" hangingPunct="1">
+                        <a:lnSpc>
+                          <a:spcPct val="100000"/>
+                        </a:lnSpc>
+                        <a:spcBef>
+                          <a:spcPts val="0"/>
+                        </a:spcBef>
+                        <a:spcAft>
+                          <a:spcPts val="0"/>
+                        </a:spcAft>
+                        <a:buClrTx/>
+                        <a:buSzTx/>
+                        <a:buFontTx/>
+                        <a:buNone/>
+                        <a:tabLst/>
+                        <a:defRPr/>
+                      </a:pPr>
+                      <a:r>
+                        <a:rPr lang="en-US" sz="700" noProof="0" dirty="0">
+                          <a:solidFill>
+                            <a:srgbClr val="003B4C"/>
+                          </a:solidFill>
+                          <a:latin typeface="+mn-lt"/>
+                        </a:rPr>
+                        <a:t>Investment2</a:t>
+                      </a:r>
+                    </a:p>
+                  </a:txBody>
+                  <a:tcPr marL="0" marR="0" marT="0" marB="0" anchor="ctr">
+                    <a:lnL>
+                      <a:noFill/>
+                    </a:lnL>
+                    <a:lnR cap="flat">
+                      <a:noFill/>
+                    </a:lnR>
+                    <a:lnT w="9525" cap="flat" cmpd="sng" algn="ctr">
+                      <a:solidFill>
+                        <a:schemeClr val="bg2"/>
+                      </a:solidFill>
+                      <a:prstDash val="solid"/>
+                      <a:round/>
+                      <a:headEnd type="none" w="med" len="med"/>
+                      <a:tailEnd type="none" w="med" len="med"/>
+                    </a:lnT>
+                    <a:lnB w="9525" cap="flat" cmpd="sng" algn="ctr">
+                      <a:solidFill>
+                        <a:schemeClr val="bg2"/>
+                      </a:solidFill>
+                      <a:prstDash val="solid"/>
+                      <a:round/>
+                      <a:headEnd type="none" w="med" len="med"/>
+                      <a:tailEnd type="none" w="med" len="med"/>
+                    </a:lnB>
+                    <a:lnTlToBr>
+                      <a:noFill/>
+                    </a:lnTlToBr>
+                    <a:lnBlToTr>
+                      <a:noFill/>
+                    </a:lnBlToTr>
+                    <a:solidFill>
+                      <a:srgbClr val="FFFFFF"/>
+                    </a:solidFill>
+                  </a:tcPr>
+                </a:tc>
+                <a:tc>
+                  <a:txBody>
+                    <a:bodyPr/>
+                    <a:lstStyle/>
+                    <a:p>
+                      <a:pPr marL="0" marR="0" lvl="0" indent="0" algn="ctr" defTabSz="914395" rtl="0" eaLnBrk="1" fontAlgn="t" latinLnBrk="0" hangingPunct="1">
+                        <a:lnSpc>
+                          <a:spcPct val="100000"/>
+                        </a:lnSpc>
+                        <a:spcBef>
+                          <a:spcPts val="0"/>
+                        </a:spcBef>
+                        <a:spcAft>
+                          <a:spcPts val="0"/>
+                        </a:spcAft>
+                        <a:buClrTx/>
+                        <a:buSzTx/>
+                        <a:buFontTx/>
+                        <a:buNone/>
+                        <a:tabLst/>
+                        <a:defRPr/>
+                      </a:pPr>
+                      <a:endParaRPr lang="en-US" sz="700" noProof="0" dirty="0">
+                        <a:solidFill>
+                          <a:srgbClr val="003B4C"/>
+                        </a:solidFill>
+                        <a:latin typeface="+mn-lt"/>
+                      </a:endParaRPr>
+                    </a:p>
+                    <a:p>
+                      <a:pPr marL="0" marR="0" lvl="0" indent="0" algn="ctr" defTabSz="914395" rtl="0" eaLnBrk="1" fontAlgn="t" latinLnBrk="0" hangingPunct="1">
+                        <a:lnSpc>
+                          <a:spcPct val="100000"/>
+                        </a:lnSpc>
+                        <a:spcBef>
+                          <a:spcPts val="0"/>
+                        </a:spcBef>
+                        <a:spcAft>
+                          <a:spcPts val="0"/>
+                        </a:spcAft>
+                        <a:buClrTx/>
+                        <a:buSzTx/>
+                        <a:buFontTx/>
+                        <a:buNone/>
+                        <a:tabLst/>
+                        <a:defRPr/>
+                      </a:pPr>
+                      <a:endParaRPr lang="en-US" sz="700" noProof="0" dirty="0">
+                        <a:solidFill>
+                          <a:srgbClr val="003B4C"/>
+                        </a:solidFill>
+                        <a:latin typeface="+mn-lt"/>
+                      </a:endParaRPr>
+                    </a:p>
+                    <a:p>
+                      <a:pPr marL="0" marR="0" lvl="0" indent="0" algn="ctr" defTabSz="914395" rtl="0" eaLnBrk="1" fontAlgn="t" latinLnBrk="0" hangingPunct="1">
+                        <a:lnSpc>
+                          <a:spcPct val="100000"/>
+                        </a:lnSpc>
+                        <a:spcBef>
+                          <a:spcPts val="0"/>
+                        </a:spcBef>
+                        <a:spcAft>
+                          <a:spcPts val="0"/>
+                        </a:spcAft>
+                        <a:buClrTx/>
+                        <a:buSzTx/>
+                        <a:buFontTx/>
+                        <a:buNone/>
+                        <a:tabLst/>
+                        <a:defRPr/>
+                      </a:pPr>
+                      <a:endParaRPr lang="en-US" sz="700" noProof="0" dirty="0">
+                        <a:solidFill>
+                          <a:srgbClr val="003B4C"/>
+                        </a:solidFill>
+                        <a:latin typeface="+mn-lt"/>
+                      </a:endParaRPr>
+                    </a:p>
+                    <a:p>
+                      <a:pPr marL="0" marR="0" lvl="0" indent="0" algn="ctr" defTabSz="914395" rtl="0" eaLnBrk="1" fontAlgn="t" latinLnBrk="0" hangingPunct="1">
+                        <a:lnSpc>
+                          <a:spcPct val="100000"/>
+                        </a:lnSpc>
+                        <a:spcBef>
+                          <a:spcPts val="0"/>
+                        </a:spcBef>
+                        <a:spcAft>
+                          <a:spcPts val="0"/>
+                        </a:spcAft>
+                        <a:buClrTx/>
+                        <a:buSzTx/>
+                        <a:buFontTx/>
+                        <a:buNone/>
+                        <a:tabLst/>
+                        <a:defRPr/>
+                      </a:pPr>
+                      <a:endParaRPr lang="en-US" sz="700" noProof="0" dirty="0">
+                        <a:solidFill>
+                          <a:srgbClr val="003B4C"/>
+                        </a:solidFill>
+                        <a:latin typeface="+mn-lt"/>
+                      </a:endParaRPr>
+                    </a:p>
+                    <a:p>
+                      <a:pPr marL="0" marR="0" lvl="0" indent="0" algn="ctr" defTabSz="914395" rtl="0" eaLnBrk="1" fontAlgn="t" latinLnBrk="0" hangingPunct="1">
+                        <a:lnSpc>
+                          <a:spcPct val="100000"/>
+                        </a:lnSpc>
+                        <a:spcBef>
+                          <a:spcPts val="0"/>
+                        </a:spcBef>
+                        <a:spcAft>
+                          <a:spcPts val="0"/>
+                        </a:spcAft>
+                        <a:buClrTx/>
+                        <a:buSzTx/>
+                        <a:buFontTx/>
+                        <a:buNone/>
+                        <a:tabLst/>
+                        <a:defRPr/>
+                      </a:pPr>
+                      <a:endParaRPr lang="en-US" sz="700" noProof="0" dirty="0">
+                        <a:solidFill>
+                          <a:srgbClr val="003B4C"/>
+                        </a:solidFill>
+                        <a:latin typeface="+mn-lt"/>
+                      </a:endParaRPr>
+                    </a:p>
+                    <a:p>
+                      <a:pPr marL="0" marR="0" lvl="0" indent="0" algn="ctr" defTabSz="914395" rtl="0" eaLnBrk="1" fontAlgn="t" latinLnBrk="0" hangingPunct="1">
+                        <a:lnSpc>
+                          <a:spcPct val="100000"/>
+                        </a:lnSpc>
+                        <a:spcBef>
+                          <a:spcPts val="0"/>
+                        </a:spcBef>
+                        <a:spcAft>
+                          <a:spcPts val="0"/>
+                        </a:spcAft>
+                        <a:buClrTx/>
+                        <a:buSzTx/>
+                        <a:buFontTx/>
+                        <a:buNone/>
+                        <a:tabLst/>
+                        <a:defRPr/>
+                      </a:pPr>
+                      <a:r>
+                        <a:rPr lang="en-US" sz="700" noProof="0" dirty="0">
+                          <a:solidFill>
+                            <a:srgbClr val="003B4C"/>
+                          </a:solidFill>
+                          <a:latin typeface="+mn-lt"/>
+                        </a:rPr>
+                        <a:t>Investment3</a:t>
+                      </a:r>
+                    </a:p>
+                  </a:txBody>
+                  <a:tcPr marL="0" marR="0" marT="0" marB="0" anchor="ctr">
+                    <a:lnL>
+                      <a:noFill/>
+                    </a:lnL>
+                    <a:lnR cap="flat">
+                      <a:noFill/>
+                    </a:lnR>
+                    <a:lnT w="9525" cap="flat" cmpd="sng" algn="ctr">
+                      <a:solidFill>
+                        <a:schemeClr val="bg2"/>
+                      </a:solidFill>
+                      <a:prstDash val="solid"/>
+                      <a:round/>
+                      <a:headEnd type="none" w="med" len="med"/>
+                      <a:tailEnd type="none" w="med" len="med"/>
+                    </a:lnT>
+                    <a:lnB w="9525" cap="flat" cmpd="sng" algn="ctr">
+                      <a:solidFill>
+                        <a:schemeClr val="bg2"/>
+                      </a:solidFill>
+                      <a:prstDash val="solid"/>
+                      <a:round/>
+                      <a:headEnd type="none" w="med" len="med"/>
+                      <a:tailEnd type="none" w="med" len="med"/>
+                    </a:lnB>
+                    <a:lnTlToBr>
+                      <a:noFill/>
+                    </a:lnTlToBr>
+                    <a:lnBlToTr>
+                      <a:noFill/>
+                    </a:lnBlToTr>
+                    <a:solidFill>
+                      <a:srgbClr val="FFFFFF"/>
+                    </a:solidFill>
+                  </a:tcPr>
+                </a:tc>
+                <a:extLst>
+                  <a:ext uri="{0D108BD9-81ED-4DB2-BD59-A6C34878D82A}">
+                    <a16:rowId xmlns:a16="http://schemas.microsoft.com/office/drawing/2014/main" val="1403494977"/>
+                  </a:ext>
+                </a:extLst>
+              </a:tr>
+            </a:tbl>
+          </a:graphicData>
+        </a:graphic>
+      </p:graphicFrame>
+    </p:spTree>
+    <p:extLst>
+      <p:ext uri="{BB962C8B-B14F-4D97-AF65-F5344CB8AC3E}">
+        <p14:creationId xmlns:p14="http://schemas.microsoft.com/office/powerpoint/2010/main" val="1204036577"/>
+      </p:ext>
+    </p:extLst>
+  </p:cSld>
+  <p:clrMapOvr>
+    <a:masterClrMapping/>
+  </p:clrMapOvr>
+</p:sld>
+</file>
+
 <file path=ppt/tags/tag1.xml><?xml version="1.0" encoding="utf-8"?>
+<p:tagLst xmlns:a="http://schemas.openxmlformats.org/drawingml/2006/main" xmlns:r="http://schemas.openxmlformats.org/officeDocument/2006/relationships" xmlns:p="http://schemas.openxmlformats.org/presentationml/2006/main">
+  <p:tag name="MM_SLIDE_TYPE" val="6"/>
+</p:tagLst>
+</file>
+
+<file path=ppt/tags/tag2.xml><?xml version="1.0" encoding="utf-8"?>
 <p:tagLst xmlns:a="http://schemas.openxmlformats.org/drawingml/2006/main" xmlns:r="http://schemas.openxmlformats.org/officeDocument/2006/relationships" xmlns:p="http://schemas.openxmlformats.org/presentationml/2006/main">
   <p:tag name="TYPE" val="FOOTNOTE"/>
   <p:tag name="LEFT" val="18.27661"/>
